--- a/项目草稿文件/图片.pptx
+++ b/项目草稿文件/图片.pptx
@@ -12,7 +12,10 @@
     <p:sldId id="262" r:id="rId7"/>
     <p:sldId id="259" r:id="rId8"/>
     <p:sldId id="263" r:id="rId9"/>
-    <p:sldId id="260" r:id="rId10"/>
+    <p:sldId id="266" r:id="rId10"/>
+    <p:sldId id="267" r:id="rId11"/>
+    <p:sldId id="268" r:id="rId12"/>
+    <p:sldId id="260" r:id="rId13"/>
   </p:sldIdLst>
   <p:sldSz cx="12192000" cy="6858000"/>
   <p:notesSz cx="7103745" cy="10234295"/>
@@ -13383,6 +13386,1830 @@
 </p:sld>
 </file>
 
+<file path=ppt/slides/slide10.xml><?xml version="1.0" encoding="utf-8"?>
+<p:sld xmlns:a="http://schemas.openxmlformats.org/drawingml/2006/main" xmlns:r="http://schemas.openxmlformats.org/officeDocument/2006/relationships" xmlns:p="http://schemas.openxmlformats.org/presentationml/2006/main">
+  <p:cSld>
+    <p:spTree>
+      <p:nvGrpSpPr>
+        <p:cNvPr id="1" name=""/>
+        <p:cNvGrpSpPr/>
+        <p:nvPr/>
+      </p:nvGrpSpPr>
+      <p:grpSpPr/>
+      <p:sp>
+        <p:nvSpPr>
+          <p:cNvPr id="36" name="椭圆 35"/>
+          <p:cNvSpPr/>
+          <p:nvPr/>
+        </p:nvSpPr>
+        <p:spPr>
+          <a:xfrm>
+            <a:off x="943610" y="2601595"/>
+            <a:ext cx="593725" cy="490855"/>
+          </a:xfrm>
+          <a:prstGeom prst="ellipse">
+            <a:avLst/>
+          </a:prstGeom>
+        </p:spPr>
+        <p:style>
+          <a:lnRef idx="3">
+            <a:schemeClr val="lt1"/>
+          </a:lnRef>
+          <a:fillRef idx="1">
+            <a:schemeClr val="accent6"/>
+          </a:fillRef>
+          <a:effectRef idx="1">
+            <a:schemeClr val="accent6"/>
+          </a:effectRef>
+          <a:fontRef idx="minor">
+            <a:schemeClr val="lt1"/>
+          </a:fontRef>
+        </p:style>
+        <p:txBody>
+          <a:bodyPr rtlCol="0" anchor="ctr"/>
+          <a:p>
+            <a:pPr algn="ctr"/>
+            <a:endParaRPr lang="zh-CN" altLang="en-US"/>
+          </a:p>
+        </p:txBody>
+      </p:sp>
+      <p:sp>
+        <p:nvSpPr>
+          <p:cNvPr id="8" name="矩形 7"/>
+          <p:cNvSpPr/>
+          <p:nvPr/>
+        </p:nvSpPr>
+        <p:spPr>
+          <a:xfrm>
+            <a:off x="718820" y="393700"/>
+            <a:ext cx="3071495" cy="5887085"/>
+          </a:xfrm>
+          <a:prstGeom prst="rect">
+            <a:avLst/>
+          </a:prstGeom>
+          <a:noFill/>
+          <a:extLst>
+            <a:ext uri="{909E8E84-426E-40DD-AFC4-6F175D3DCCD1}">
+              <a14:hiddenFill xmlns:a14="http://schemas.microsoft.com/office/drawing/2010/main">
+                <a:solidFill>
+                  <a:schemeClr val="accent1"/>
+                </a:solidFill>
+              </a14:hiddenFill>
+            </a:ext>
+          </a:extLst>
+        </p:spPr>
+        <p:style>
+          <a:lnRef idx="2">
+            <a:schemeClr val="accent1">
+              <a:shade val="50000"/>
+            </a:schemeClr>
+          </a:lnRef>
+          <a:fillRef idx="1">
+            <a:schemeClr val="accent1"/>
+          </a:fillRef>
+          <a:effectRef idx="0">
+            <a:schemeClr val="accent1"/>
+          </a:effectRef>
+          <a:fontRef idx="minor">
+            <a:schemeClr val="lt1"/>
+          </a:fontRef>
+        </p:style>
+        <p:txBody>
+          <a:bodyPr rtlCol="0" anchor="ctr"/>
+          <a:p>
+            <a:pPr algn="ctr"/>
+            <a:endParaRPr lang="zh-CN" altLang="en-US"/>
+          </a:p>
+        </p:txBody>
+      </p:sp>
+      <p:sp>
+        <p:nvSpPr>
+          <p:cNvPr id="6" name="矩形 5"/>
+          <p:cNvSpPr/>
+          <p:nvPr/>
+        </p:nvSpPr>
+        <p:spPr>
+          <a:xfrm>
+            <a:off x="707390" y="393700"/>
+            <a:ext cx="3071495" cy="570865"/>
+          </a:xfrm>
+          <a:prstGeom prst="rect">
+            <a:avLst/>
+          </a:prstGeom>
+          <a:noFill/>
+          <a:ln>
+            <a:solidFill>
+              <a:schemeClr val="accent1">
+                <a:lumMod val="50000"/>
+              </a:schemeClr>
+            </a:solidFill>
+          </a:ln>
+          <a:extLst>
+            <a:ext uri="{909E8E84-426E-40DD-AFC4-6F175D3DCCD1}">
+              <a14:hiddenFill xmlns:a14="http://schemas.microsoft.com/office/drawing/2010/main">
+                <a:solidFill>
+                  <a:schemeClr val="accent1"/>
+                </a:solidFill>
+              </a14:hiddenFill>
+            </a:ext>
+          </a:extLst>
+        </p:spPr>
+        <p:style>
+          <a:lnRef idx="2">
+            <a:schemeClr val="accent1">
+              <a:shade val="50000"/>
+            </a:schemeClr>
+          </a:lnRef>
+          <a:fillRef idx="1">
+            <a:schemeClr val="accent1"/>
+          </a:fillRef>
+          <a:effectRef idx="0">
+            <a:schemeClr val="accent1"/>
+          </a:effectRef>
+          <a:fontRef idx="minor">
+            <a:schemeClr val="lt1"/>
+          </a:fontRef>
+        </p:style>
+        <p:txBody>
+          <a:bodyPr rtlCol="0" anchor="ctr"/>
+          <a:p>
+            <a:pPr algn="ctr"/>
+            <a:endParaRPr lang="zh-CN" altLang="en-US"/>
+          </a:p>
+        </p:txBody>
+      </p:sp>
+      <p:sp>
+        <p:nvSpPr>
+          <p:cNvPr id="9" name="文本框 8"/>
+          <p:cNvSpPr txBox="1"/>
+          <p:nvPr/>
+        </p:nvSpPr>
+        <p:spPr>
+          <a:xfrm>
+            <a:off x="1757680" y="499745"/>
+            <a:ext cx="1102360" cy="368300"/>
+          </a:xfrm>
+          <a:prstGeom prst="rect">
+            <a:avLst/>
+          </a:prstGeom>
+          <a:noFill/>
+        </p:spPr>
+        <p:txBody>
+          <a:bodyPr wrap="none" rtlCol="0">
+            <a:spAutoFit/>
+          </a:bodyPr>
+          <a:p>
+            <a:r>
+              <a:rPr lang="zh-CN" altLang="en-US" b="1"/>
+              <a:t>图书详情</a:t>
+            </a:r>
+            <a:endParaRPr lang="zh-CN" altLang="en-US" b="1"/>
+          </a:p>
+        </p:txBody>
+      </p:sp>
+      <p:cxnSp>
+        <p:nvCxnSpPr>
+          <p:cNvPr id="27" name="直接连接符 26"/>
+          <p:cNvCxnSpPr/>
+          <p:nvPr/>
+        </p:nvCxnSpPr>
+        <p:spPr>
+          <a:xfrm flipV="1">
+            <a:off x="707390" y="2091055"/>
+            <a:ext cx="3082925" cy="6350"/>
+          </a:xfrm>
+          <a:prstGeom prst="line">
+            <a:avLst/>
+          </a:prstGeom>
+        </p:spPr>
+        <p:style>
+          <a:lnRef idx="1">
+            <a:schemeClr val="accent1"/>
+          </a:lnRef>
+          <a:fillRef idx="0">
+            <a:schemeClr val="accent1"/>
+          </a:fillRef>
+          <a:effectRef idx="0">
+            <a:schemeClr val="accent1"/>
+          </a:effectRef>
+          <a:fontRef idx="minor">
+            <a:schemeClr val="tx1"/>
+          </a:fontRef>
+        </p:style>
+      </p:cxnSp>
+      <p:sp>
+        <p:nvSpPr>
+          <p:cNvPr id="29" name="竖卷形 28"/>
+          <p:cNvSpPr/>
+          <p:nvPr/>
+        </p:nvSpPr>
+        <p:spPr>
+          <a:xfrm>
+            <a:off x="960120" y="1191895"/>
+            <a:ext cx="607060" cy="684530"/>
+          </a:xfrm>
+          <a:prstGeom prst="verticalScroll">
+            <a:avLst/>
+          </a:prstGeom>
+          <a:solidFill>
+            <a:srgbClr val="FFFF00"/>
+          </a:solidFill>
+        </p:spPr>
+        <p:style>
+          <a:lnRef idx="2">
+            <a:schemeClr val="accent1">
+              <a:shade val="50000"/>
+            </a:schemeClr>
+          </a:lnRef>
+          <a:fillRef idx="1">
+            <a:schemeClr val="accent1"/>
+          </a:fillRef>
+          <a:effectRef idx="0">
+            <a:schemeClr val="accent1"/>
+          </a:effectRef>
+          <a:fontRef idx="minor">
+            <a:schemeClr val="lt1"/>
+          </a:fontRef>
+        </p:style>
+        <p:txBody>
+          <a:bodyPr rtlCol="0" anchor="ctr"/>
+          <a:p>
+            <a:pPr algn="ctr"/>
+            <a:endParaRPr lang="zh-CN" altLang="en-US"/>
+          </a:p>
+        </p:txBody>
+      </p:sp>
+      <p:sp>
+        <p:nvSpPr>
+          <p:cNvPr id="30" name="文本框 29"/>
+          <p:cNvSpPr txBox="1"/>
+          <p:nvPr/>
+        </p:nvSpPr>
+        <p:spPr>
+          <a:xfrm>
+            <a:off x="974725" y="1329690"/>
+            <a:ext cx="592455" cy="521970"/>
+          </a:xfrm>
+          <a:prstGeom prst="rect">
+            <a:avLst/>
+          </a:prstGeom>
+          <a:noFill/>
+        </p:spPr>
+        <p:txBody>
+          <a:bodyPr wrap="square" rtlCol="0">
+            <a:spAutoFit/>
+          </a:bodyPr>
+          <a:p>
+            <a:r>
+              <a:rPr lang="zh-CN" altLang="en-US" sz="1400" b="1"/>
+              <a:t>图书图片</a:t>
+            </a:r>
+            <a:endParaRPr lang="zh-CN" altLang="en-US" sz="1400" b="1"/>
+          </a:p>
+        </p:txBody>
+      </p:sp>
+      <p:sp>
+        <p:nvSpPr>
+          <p:cNvPr id="32" name="文本框 31"/>
+          <p:cNvSpPr txBox="1"/>
+          <p:nvPr/>
+        </p:nvSpPr>
+        <p:spPr>
+          <a:xfrm>
+            <a:off x="1744980" y="1121410"/>
+            <a:ext cx="995680" cy="337185"/>
+          </a:xfrm>
+          <a:prstGeom prst="rect">
+            <a:avLst/>
+          </a:prstGeom>
+          <a:noFill/>
+        </p:spPr>
+        <p:txBody>
+          <a:bodyPr wrap="none" rtlCol="0">
+            <a:spAutoFit/>
+          </a:bodyPr>
+          <a:p>
+            <a:r>
+              <a:rPr lang="zh-CN" altLang="en-US" sz="1600"/>
+              <a:t>图书名称</a:t>
+            </a:r>
+            <a:endParaRPr lang="zh-CN" altLang="en-US" sz="1600"/>
+          </a:p>
+        </p:txBody>
+      </p:sp>
+      <p:sp>
+        <p:nvSpPr>
+          <p:cNvPr id="33" name="文本框 32"/>
+          <p:cNvSpPr txBox="1"/>
+          <p:nvPr/>
+        </p:nvSpPr>
+        <p:spPr>
+          <a:xfrm>
+            <a:off x="3002280" y="1151890"/>
+            <a:ext cx="487680" cy="275590"/>
+          </a:xfrm>
+          <a:prstGeom prst="rect">
+            <a:avLst/>
+          </a:prstGeom>
+          <a:noFill/>
+        </p:spPr>
+        <p:txBody>
+          <a:bodyPr wrap="none" rtlCol="0">
+            <a:spAutoFit/>
+          </a:bodyPr>
+          <a:p>
+            <a:r>
+              <a:rPr lang="zh-CN" altLang="en-US" sz="1200"/>
+              <a:t>标签</a:t>
+            </a:r>
+            <a:endParaRPr lang="zh-CN" altLang="en-US" sz="1200"/>
+          </a:p>
+        </p:txBody>
+      </p:sp>
+      <p:sp>
+        <p:nvSpPr>
+          <p:cNvPr id="34" name="文本框 33"/>
+          <p:cNvSpPr txBox="1"/>
+          <p:nvPr/>
+        </p:nvSpPr>
+        <p:spPr>
+          <a:xfrm>
+            <a:off x="943610" y="2209800"/>
+            <a:ext cx="641985" cy="275590"/>
+          </a:xfrm>
+          <a:prstGeom prst="rect">
+            <a:avLst/>
+          </a:prstGeom>
+          <a:noFill/>
+        </p:spPr>
+        <p:txBody>
+          <a:bodyPr wrap="none" rtlCol="0">
+            <a:spAutoFit/>
+          </a:bodyPr>
+          <a:p>
+            <a:r>
+              <a:rPr lang="zh-CN" altLang="en-US" sz="1200" b="1"/>
+              <a:t>分享人</a:t>
+            </a:r>
+            <a:endParaRPr lang="zh-CN" altLang="en-US" sz="1200" b="1"/>
+          </a:p>
+        </p:txBody>
+      </p:sp>
+      <p:sp>
+        <p:nvSpPr>
+          <p:cNvPr id="35" name="文本框 34"/>
+          <p:cNvSpPr txBox="1"/>
+          <p:nvPr/>
+        </p:nvSpPr>
+        <p:spPr>
+          <a:xfrm>
+            <a:off x="1045210" y="2724785"/>
+            <a:ext cx="436880" cy="245110"/>
+          </a:xfrm>
+          <a:prstGeom prst="rect">
+            <a:avLst/>
+          </a:prstGeom>
+          <a:noFill/>
+        </p:spPr>
+        <p:txBody>
+          <a:bodyPr wrap="none" rtlCol="0">
+            <a:spAutoFit/>
+          </a:bodyPr>
+          <a:p>
+            <a:r>
+              <a:rPr lang="zh-CN" altLang="en-US" sz="1000"/>
+              <a:t>头像</a:t>
+            </a:r>
+            <a:endParaRPr lang="zh-CN" altLang="en-US" sz="1000"/>
+          </a:p>
+        </p:txBody>
+      </p:sp>
+      <p:sp>
+        <p:nvSpPr>
+          <p:cNvPr id="37" name="文本框 36"/>
+          <p:cNvSpPr txBox="1"/>
+          <p:nvPr/>
+        </p:nvSpPr>
+        <p:spPr>
+          <a:xfrm>
+            <a:off x="1744980" y="2341245"/>
+            <a:ext cx="720090" cy="306705"/>
+          </a:xfrm>
+          <a:prstGeom prst="rect">
+            <a:avLst/>
+          </a:prstGeom>
+          <a:noFill/>
+        </p:spPr>
+        <p:txBody>
+          <a:bodyPr wrap="none" rtlCol="0">
+            <a:spAutoFit/>
+          </a:bodyPr>
+          <a:p>
+            <a:r>
+              <a:rPr lang="zh-CN" altLang="en-US" sz="1400" b="1"/>
+              <a:t>用户名</a:t>
+            </a:r>
+            <a:endParaRPr lang="zh-CN" altLang="en-US" sz="1400" b="1"/>
+          </a:p>
+        </p:txBody>
+      </p:sp>
+      <p:cxnSp>
+        <p:nvCxnSpPr>
+          <p:cNvPr id="38" name="直接连接符 37"/>
+          <p:cNvCxnSpPr>
+            <a:stCxn id="8" idx="1"/>
+            <a:endCxn id="8" idx="3"/>
+          </p:cNvCxnSpPr>
+          <p:nvPr/>
+        </p:nvCxnSpPr>
+        <p:spPr>
+          <a:xfrm>
+            <a:off x="718820" y="3337560"/>
+            <a:ext cx="3071495" cy="0"/>
+          </a:xfrm>
+          <a:prstGeom prst="line">
+            <a:avLst/>
+          </a:prstGeom>
+        </p:spPr>
+        <p:style>
+          <a:lnRef idx="1">
+            <a:schemeClr val="accent1"/>
+          </a:lnRef>
+          <a:fillRef idx="0">
+            <a:schemeClr val="accent1"/>
+          </a:fillRef>
+          <a:effectRef idx="0">
+            <a:schemeClr val="accent1"/>
+          </a:effectRef>
+          <a:fontRef idx="minor">
+            <a:schemeClr val="tx1"/>
+          </a:fontRef>
+        </p:style>
+      </p:cxnSp>
+      <p:sp>
+        <p:nvSpPr>
+          <p:cNvPr id="39" name="圆角矩形 38"/>
+          <p:cNvSpPr/>
+          <p:nvPr/>
+        </p:nvSpPr>
+        <p:spPr>
+          <a:xfrm>
+            <a:off x="1814830" y="2647950"/>
+            <a:ext cx="684530" cy="154940"/>
+          </a:xfrm>
+          <a:prstGeom prst="roundRect">
+            <a:avLst/>
+          </a:prstGeom>
+          <a:noFill/>
+          <a:extLst>
+            <a:ext uri="{909E8E84-426E-40DD-AFC4-6F175D3DCCD1}">
+              <a14:hiddenFill xmlns:a14="http://schemas.microsoft.com/office/drawing/2010/main">
+                <a:solidFill>
+                  <a:schemeClr val="accent1"/>
+                </a:solidFill>
+              </a14:hiddenFill>
+            </a:ext>
+          </a:extLst>
+        </p:spPr>
+        <p:style>
+          <a:lnRef idx="2">
+            <a:schemeClr val="accent1">
+              <a:shade val="50000"/>
+            </a:schemeClr>
+          </a:lnRef>
+          <a:fillRef idx="1">
+            <a:schemeClr val="accent1"/>
+          </a:fillRef>
+          <a:effectRef idx="0">
+            <a:schemeClr val="accent1"/>
+          </a:effectRef>
+          <a:fontRef idx="minor">
+            <a:schemeClr val="lt1"/>
+          </a:fontRef>
+        </p:style>
+        <p:txBody>
+          <a:bodyPr rtlCol="0" anchor="ctr"/>
+          <a:p>
+            <a:pPr algn="ctr"/>
+            <a:endParaRPr lang="zh-CN" altLang="en-US"/>
+          </a:p>
+        </p:txBody>
+      </p:sp>
+      <p:sp>
+        <p:nvSpPr>
+          <p:cNvPr id="40" name="文本框 39"/>
+          <p:cNvSpPr txBox="1"/>
+          <p:nvPr/>
+        </p:nvSpPr>
+        <p:spPr>
+          <a:xfrm>
+            <a:off x="1757680" y="2601595"/>
+            <a:ext cx="719455" cy="245110"/>
+          </a:xfrm>
+          <a:prstGeom prst="rect">
+            <a:avLst/>
+          </a:prstGeom>
+          <a:noFill/>
+        </p:spPr>
+        <p:txBody>
+          <a:bodyPr wrap="square" rtlCol="0">
+            <a:spAutoFit/>
+          </a:bodyPr>
+          <a:p>
+            <a:r>
+              <a:rPr lang="zh-CN" altLang="en-US" sz="1000"/>
+              <a:t>性别 年代</a:t>
+            </a:r>
+            <a:endParaRPr lang="zh-CN" altLang="en-US" sz="1000"/>
+          </a:p>
+        </p:txBody>
+      </p:sp>
+      <p:sp>
+        <p:nvSpPr>
+          <p:cNvPr id="41" name="文本框 40"/>
+          <p:cNvSpPr txBox="1"/>
+          <p:nvPr/>
+        </p:nvSpPr>
+        <p:spPr>
+          <a:xfrm>
+            <a:off x="1760855" y="2846705"/>
+            <a:ext cx="795020" cy="275590"/>
+          </a:xfrm>
+          <a:prstGeom prst="rect">
+            <a:avLst/>
+          </a:prstGeom>
+          <a:noFill/>
+        </p:spPr>
+        <p:txBody>
+          <a:bodyPr wrap="none" rtlCol="0">
+            <a:spAutoFit/>
+          </a:bodyPr>
+          <a:p>
+            <a:r>
+              <a:rPr lang="zh-CN" altLang="en-US" sz="1200" b="1"/>
+              <a:t>个性签名</a:t>
+            </a:r>
+            <a:endParaRPr lang="zh-CN" altLang="en-US" sz="1200" b="1"/>
+          </a:p>
+        </p:txBody>
+      </p:sp>
+      <p:sp>
+        <p:nvSpPr>
+          <p:cNvPr id="42" name="文本框 41"/>
+          <p:cNvSpPr txBox="1"/>
+          <p:nvPr/>
+        </p:nvSpPr>
+        <p:spPr>
+          <a:xfrm>
+            <a:off x="2860040" y="2541270"/>
+            <a:ext cx="720090" cy="306705"/>
+          </a:xfrm>
+          <a:prstGeom prst="rect">
+            <a:avLst/>
+          </a:prstGeom>
+          <a:noFill/>
+        </p:spPr>
+        <p:txBody>
+          <a:bodyPr wrap="none" rtlCol="0">
+            <a:spAutoFit/>
+          </a:bodyPr>
+          <a:p>
+            <a:r>
+              <a:rPr lang="zh-CN" altLang="en-US" sz="1400" b="1"/>
+              <a:t>信任值</a:t>
+            </a:r>
+            <a:endParaRPr lang="zh-CN" altLang="en-US" sz="1400" b="1"/>
+          </a:p>
+        </p:txBody>
+      </p:sp>
+      <p:sp>
+        <p:nvSpPr>
+          <p:cNvPr id="43" name="文本框 42"/>
+          <p:cNvSpPr txBox="1"/>
+          <p:nvPr/>
+        </p:nvSpPr>
+        <p:spPr>
+          <a:xfrm>
+            <a:off x="1814830" y="1666875"/>
+            <a:ext cx="795020" cy="275590"/>
+          </a:xfrm>
+          <a:prstGeom prst="rect">
+            <a:avLst/>
+          </a:prstGeom>
+          <a:noFill/>
+        </p:spPr>
+        <p:txBody>
+          <a:bodyPr wrap="none" rtlCol="0">
+            <a:spAutoFit/>
+          </a:bodyPr>
+          <a:p>
+            <a:r>
+              <a:rPr lang="zh-CN" altLang="en-US" sz="1200" b="1"/>
+              <a:t>需要归还</a:t>
+            </a:r>
+            <a:endParaRPr lang="zh-CN" altLang="en-US" sz="1200" b="1"/>
+          </a:p>
+        </p:txBody>
+      </p:sp>
+      <p:sp>
+        <p:nvSpPr>
+          <p:cNvPr id="44" name="文本框 43"/>
+          <p:cNvSpPr txBox="1"/>
+          <p:nvPr/>
+        </p:nvSpPr>
+        <p:spPr>
+          <a:xfrm>
+            <a:off x="861695" y="3415030"/>
+            <a:ext cx="795020" cy="275590"/>
+          </a:xfrm>
+          <a:prstGeom prst="rect">
+            <a:avLst/>
+          </a:prstGeom>
+          <a:noFill/>
+        </p:spPr>
+        <p:txBody>
+          <a:bodyPr wrap="none" rtlCol="0">
+            <a:spAutoFit/>
+          </a:bodyPr>
+          <a:p>
+            <a:r>
+              <a:rPr lang="zh-CN" altLang="en-US" sz="1200" b="1"/>
+              <a:t>图书简介</a:t>
+            </a:r>
+            <a:endParaRPr lang="zh-CN" altLang="en-US" sz="1200" b="1"/>
+          </a:p>
+        </p:txBody>
+      </p:sp>
+      <p:sp>
+        <p:nvSpPr>
+          <p:cNvPr id="45" name="同侧圆角矩形 44"/>
+          <p:cNvSpPr/>
+          <p:nvPr/>
+        </p:nvSpPr>
+        <p:spPr>
+          <a:xfrm>
+            <a:off x="793750" y="3782695"/>
+            <a:ext cx="2867660" cy="891540"/>
+          </a:xfrm>
+          <a:prstGeom prst="round2SameRect">
+            <a:avLst/>
+          </a:prstGeom>
+          <a:solidFill>
+            <a:srgbClr val="000000">
+              <a:alpha val="0"/>
+            </a:srgbClr>
+          </a:solidFill>
+        </p:spPr>
+        <p:style>
+          <a:lnRef idx="2">
+            <a:schemeClr val="accent1">
+              <a:shade val="50000"/>
+            </a:schemeClr>
+          </a:lnRef>
+          <a:fillRef idx="1">
+            <a:schemeClr val="accent1"/>
+          </a:fillRef>
+          <a:effectRef idx="0">
+            <a:schemeClr val="accent1"/>
+          </a:effectRef>
+          <a:fontRef idx="minor">
+            <a:schemeClr val="lt1"/>
+          </a:fontRef>
+        </p:style>
+        <p:txBody>
+          <a:bodyPr rtlCol="0" anchor="ctr"/>
+          <a:p>
+            <a:pPr algn="ctr"/>
+            <a:endParaRPr lang="zh-CN" altLang="en-US"/>
+          </a:p>
+        </p:txBody>
+      </p:sp>
+      <p:cxnSp>
+        <p:nvCxnSpPr>
+          <p:cNvPr id="46" name="直接连接符 45"/>
+          <p:cNvCxnSpPr/>
+          <p:nvPr/>
+        </p:nvCxnSpPr>
+        <p:spPr>
+          <a:xfrm>
+            <a:off x="718820" y="5307965"/>
+            <a:ext cx="3048000" cy="0"/>
+          </a:xfrm>
+          <a:prstGeom prst="line">
+            <a:avLst/>
+          </a:prstGeom>
+        </p:spPr>
+        <p:style>
+          <a:lnRef idx="1">
+            <a:schemeClr val="accent1"/>
+          </a:lnRef>
+          <a:fillRef idx="0">
+            <a:schemeClr val="accent1"/>
+          </a:fillRef>
+          <a:effectRef idx="0">
+            <a:schemeClr val="accent1"/>
+          </a:effectRef>
+          <a:fontRef idx="minor">
+            <a:schemeClr val="tx1"/>
+          </a:fontRef>
+        </p:style>
+      </p:cxnSp>
+      <p:sp>
+        <p:nvSpPr>
+          <p:cNvPr id="4" name="圆角矩形 3"/>
+          <p:cNvSpPr/>
+          <p:nvPr/>
+        </p:nvSpPr>
+        <p:spPr>
+          <a:xfrm>
+            <a:off x="861695" y="5527040"/>
+            <a:ext cx="1356360" cy="478155"/>
+          </a:xfrm>
+          <a:prstGeom prst="roundRect">
+            <a:avLst/>
+          </a:prstGeom>
+          <a:noFill/>
+          <a:extLst>
+            <a:ext uri="{909E8E84-426E-40DD-AFC4-6F175D3DCCD1}">
+              <a14:hiddenFill xmlns:a14="http://schemas.microsoft.com/office/drawing/2010/main">
+                <a:solidFill>
+                  <a:schemeClr val="accent1"/>
+                </a:solidFill>
+              </a14:hiddenFill>
+            </a:ext>
+          </a:extLst>
+        </p:spPr>
+        <p:style>
+          <a:lnRef idx="2">
+            <a:schemeClr val="accent1">
+              <a:shade val="50000"/>
+            </a:schemeClr>
+          </a:lnRef>
+          <a:fillRef idx="1">
+            <a:schemeClr val="accent1"/>
+          </a:fillRef>
+          <a:effectRef idx="0">
+            <a:schemeClr val="accent1"/>
+          </a:effectRef>
+          <a:fontRef idx="minor">
+            <a:schemeClr val="lt1"/>
+          </a:fontRef>
+        </p:style>
+        <p:txBody>
+          <a:bodyPr rtlCol="0" anchor="ctr"/>
+          <a:p>
+            <a:pPr algn="ctr"/>
+            <a:endParaRPr lang="zh-CN" altLang="en-US"/>
+          </a:p>
+        </p:txBody>
+      </p:sp>
+      <p:sp>
+        <p:nvSpPr>
+          <p:cNvPr id="7" name="圆角矩形 6"/>
+          <p:cNvSpPr/>
+          <p:nvPr/>
+        </p:nvSpPr>
+        <p:spPr>
+          <a:xfrm>
+            <a:off x="2305050" y="5527040"/>
+            <a:ext cx="1356360" cy="478155"/>
+          </a:xfrm>
+          <a:prstGeom prst="roundRect">
+            <a:avLst/>
+          </a:prstGeom>
+          <a:noFill/>
+          <a:extLst>
+            <a:ext uri="{909E8E84-426E-40DD-AFC4-6F175D3DCCD1}">
+              <a14:hiddenFill xmlns:a14="http://schemas.microsoft.com/office/drawing/2010/main">
+                <a:solidFill>
+                  <a:schemeClr val="accent1"/>
+                </a:solidFill>
+              </a14:hiddenFill>
+            </a:ext>
+          </a:extLst>
+        </p:spPr>
+        <p:style>
+          <a:lnRef idx="2">
+            <a:schemeClr val="accent1">
+              <a:shade val="50000"/>
+            </a:schemeClr>
+          </a:lnRef>
+          <a:fillRef idx="1">
+            <a:schemeClr val="accent1"/>
+          </a:fillRef>
+          <a:effectRef idx="0">
+            <a:schemeClr val="accent1"/>
+          </a:effectRef>
+          <a:fontRef idx="minor">
+            <a:schemeClr val="lt1"/>
+          </a:fontRef>
+        </p:style>
+        <p:txBody>
+          <a:bodyPr rtlCol="0" anchor="ctr"/>
+          <a:p>
+            <a:pPr algn="ctr"/>
+            <a:endParaRPr lang="zh-CN" altLang="en-US"/>
+          </a:p>
+        </p:txBody>
+      </p:sp>
+      <p:sp>
+        <p:nvSpPr>
+          <p:cNvPr id="10" name="文本框 9"/>
+          <p:cNvSpPr txBox="1"/>
+          <p:nvPr/>
+        </p:nvSpPr>
+        <p:spPr>
+          <a:xfrm>
+            <a:off x="909955" y="5636895"/>
+            <a:ext cx="1259840" cy="368300"/>
+          </a:xfrm>
+          <a:prstGeom prst="rect">
+            <a:avLst/>
+          </a:prstGeom>
+          <a:noFill/>
+        </p:spPr>
+        <p:txBody>
+          <a:bodyPr wrap="square" rtlCol="0">
+            <a:spAutoFit/>
+          </a:bodyPr>
+          <a:p>
+            <a:r>
+              <a:rPr lang="zh-CN" altLang="en-US"/>
+              <a:t>联系书主</a:t>
+            </a:r>
+            <a:endParaRPr lang="zh-CN" altLang="en-US"/>
+          </a:p>
+        </p:txBody>
+      </p:sp>
+      <p:sp>
+        <p:nvSpPr>
+          <p:cNvPr id="11" name="文本框 10"/>
+          <p:cNvSpPr txBox="1"/>
+          <p:nvPr/>
+        </p:nvSpPr>
+        <p:spPr>
+          <a:xfrm>
+            <a:off x="2404110" y="5582285"/>
+            <a:ext cx="1158240" cy="368300"/>
+          </a:xfrm>
+          <a:prstGeom prst="rect">
+            <a:avLst/>
+          </a:prstGeom>
+          <a:noFill/>
+        </p:spPr>
+        <p:txBody>
+          <a:bodyPr wrap="square" rtlCol="0">
+            <a:spAutoFit/>
+          </a:bodyPr>
+          <a:p>
+            <a:r>
+              <a:rPr lang="zh-CN" altLang="en-US"/>
+              <a:t>确认归还</a:t>
+            </a:r>
+            <a:endParaRPr lang="zh-CN" altLang="en-US"/>
+          </a:p>
+        </p:txBody>
+      </p:sp>
+      <p:sp>
+        <p:nvSpPr>
+          <p:cNvPr id="12" name="文本框 11"/>
+          <p:cNvSpPr txBox="1"/>
+          <p:nvPr/>
+        </p:nvSpPr>
+        <p:spPr>
+          <a:xfrm>
+            <a:off x="1741170" y="6393180"/>
+            <a:ext cx="1042035" cy="368300"/>
+          </a:xfrm>
+          <a:prstGeom prst="rect">
+            <a:avLst/>
+          </a:prstGeom>
+          <a:noFill/>
+        </p:spPr>
+        <p:txBody>
+          <a:bodyPr wrap="none" rtlCol="0">
+            <a:spAutoFit/>
+          </a:bodyPr>
+          <a:p>
+            <a:r>
+              <a:rPr lang="zh-CN" altLang="en-US"/>
+              <a:t>归还中</a:t>
+            </a:r>
+            <a:r>
+              <a:rPr lang="en-US" altLang="zh-CN"/>
+              <a:t>...</a:t>
+            </a:r>
+            <a:endParaRPr lang="en-US" altLang="zh-CN"/>
+          </a:p>
+        </p:txBody>
+      </p:sp>
+      <p:sp>
+        <p:nvSpPr>
+          <p:cNvPr id="14" name="文本框 13"/>
+          <p:cNvSpPr txBox="1"/>
+          <p:nvPr/>
+        </p:nvSpPr>
+        <p:spPr>
+          <a:xfrm>
+            <a:off x="3139440" y="6393180"/>
+            <a:ext cx="1097280" cy="368300"/>
+          </a:xfrm>
+          <a:prstGeom prst="rect">
+            <a:avLst/>
+          </a:prstGeom>
+          <a:noFill/>
+        </p:spPr>
+        <p:txBody>
+          <a:bodyPr wrap="none" rtlCol="0">
+            <a:spAutoFit/>
+          </a:bodyPr>
+          <a:p>
+            <a:r>
+              <a:rPr lang="zh-CN" altLang="en-US"/>
+              <a:t>归还成功</a:t>
+            </a:r>
+            <a:endParaRPr lang="zh-CN" altLang="en-US"/>
+          </a:p>
+        </p:txBody>
+      </p:sp>
+      <p:sp>
+        <p:nvSpPr>
+          <p:cNvPr id="5" name="矩形 4"/>
+          <p:cNvSpPr/>
+          <p:nvPr/>
+        </p:nvSpPr>
+        <p:spPr>
+          <a:xfrm>
+            <a:off x="4401185" y="394335"/>
+            <a:ext cx="3071495" cy="5887085"/>
+          </a:xfrm>
+          <a:prstGeom prst="rect">
+            <a:avLst/>
+          </a:prstGeom>
+          <a:noFill/>
+          <a:extLst>
+            <a:ext uri="{909E8E84-426E-40DD-AFC4-6F175D3DCCD1}">
+              <a14:hiddenFill xmlns:a14="http://schemas.microsoft.com/office/drawing/2010/main">
+                <a:solidFill>
+                  <a:schemeClr val="accent1"/>
+                </a:solidFill>
+              </a14:hiddenFill>
+            </a:ext>
+          </a:extLst>
+        </p:spPr>
+        <p:style>
+          <a:lnRef idx="2">
+            <a:schemeClr val="accent1">
+              <a:shade val="50000"/>
+            </a:schemeClr>
+          </a:lnRef>
+          <a:fillRef idx="1">
+            <a:schemeClr val="accent1"/>
+          </a:fillRef>
+          <a:effectRef idx="0">
+            <a:schemeClr val="accent1"/>
+          </a:effectRef>
+          <a:fontRef idx="minor">
+            <a:schemeClr val="lt1"/>
+          </a:fontRef>
+        </p:style>
+        <p:txBody>
+          <a:bodyPr rtlCol="0" anchor="ctr"/>
+          <a:p>
+            <a:pPr algn="ctr"/>
+            <a:endParaRPr lang="zh-CN" altLang="en-US"/>
+          </a:p>
+        </p:txBody>
+      </p:sp>
+      <p:sp>
+        <p:nvSpPr>
+          <p:cNvPr id="2" name="矩形 1"/>
+          <p:cNvSpPr/>
+          <p:nvPr/>
+        </p:nvSpPr>
+        <p:spPr>
+          <a:xfrm>
+            <a:off x="4401185" y="398780"/>
+            <a:ext cx="3071495" cy="570865"/>
+          </a:xfrm>
+          <a:prstGeom prst="rect">
+            <a:avLst/>
+          </a:prstGeom>
+          <a:noFill/>
+          <a:ln>
+            <a:solidFill>
+              <a:schemeClr val="accent1">
+                <a:lumMod val="50000"/>
+              </a:schemeClr>
+            </a:solidFill>
+          </a:ln>
+          <a:extLst>
+            <a:ext uri="{909E8E84-426E-40DD-AFC4-6F175D3DCCD1}">
+              <a14:hiddenFill xmlns:a14="http://schemas.microsoft.com/office/drawing/2010/main">
+                <a:solidFill>
+                  <a:schemeClr val="accent1"/>
+                </a:solidFill>
+              </a14:hiddenFill>
+            </a:ext>
+          </a:extLst>
+        </p:spPr>
+        <p:style>
+          <a:lnRef idx="2">
+            <a:schemeClr val="accent1">
+              <a:shade val="50000"/>
+            </a:schemeClr>
+          </a:lnRef>
+          <a:fillRef idx="1">
+            <a:schemeClr val="accent1"/>
+          </a:fillRef>
+          <a:effectRef idx="0">
+            <a:schemeClr val="accent1"/>
+          </a:effectRef>
+          <a:fontRef idx="minor">
+            <a:schemeClr val="lt1"/>
+          </a:fontRef>
+        </p:style>
+        <p:txBody>
+          <a:bodyPr rtlCol="0" anchor="ctr"/>
+          <a:p>
+            <a:pPr algn="ctr"/>
+            <a:endParaRPr lang="zh-CN" altLang="en-US"/>
+          </a:p>
+        </p:txBody>
+      </p:sp>
+      <p:sp>
+        <p:nvSpPr>
+          <p:cNvPr id="3" name="文本框 2"/>
+          <p:cNvSpPr txBox="1"/>
+          <p:nvPr/>
+        </p:nvSpPr>
+        <p:spPr>
+          <a:xfrm>
+            <a:off x="5385435" y="499745"/>
+            <a:ext cx="1102360" cy="368300"/>
+          </a:xfrm>
+          <a:prstGeom prst="rect">
+            <a:avLst/>
+          </a:prstGeom>
+          <a:noFill/>
+        </p:spPr>
+        <p:txBody>
+          <a:bodyPr wrap="none" rtlCol="0">
+            <a:spAutoFit/>
+          </a:bodyPr>
+          <a:p>
+            <a:r>
+              <a:rPr lang="zh-CN" altLang="en-US" b="1"/>
+              <a:t>书圈主页</a:t>
+            </a:r>
+            <a:endParaRPr lang="zh-CN" altLang="en-US" b="1"/>
+          </a:p>
+        </p:txBody>
+      </p:sp>
+      <p:sp>
+        <p:nvSpPr>
+          <p:cNvPr id="17" name="椭圆 16"/>
+          <p:cNvSpPr/>
+          <p:nvPr/>
+        </p:nvSpPr>
+        <p:spPr>
+          <a:xfrm>
+            <a:off x="4577715" y="1121410"/>
+            <a:ext cx="684530" cy="529590"/>
+          </a:xfrm>
+          <a:prstGeom prst="ellipse">
+            <a:avLst/>
+          </a:prstGeom>
+          <a:solidFill>
+            <a:schemeClr val="accent6"/>
+          </a:solidFill>
+        </p:spPr>
+        <p:style>
+          <a:lnRef idx="2">
+            <a:schemeClr val="accent1">
+              <a:shade val="50000"/>
+            </a:schemeClr>
+          </a:lnRef>
+          <a:fillRef idx="1">
+            <a:schemeClr val="accent1"/>
+          </a:fillRef>
+          <a:effectRef idx="0">
+            <a:schemeClr val="accent1"/>
+          </a:effectRef>
+          <a:fontRef idx="minor">
+            <a:schemeClr val="lt1"/>
+          </a:fontRef>
+        </p:style>
+        <p:txBody>
+          <a:bodyPr rtlCol="0" anchor="ctr"/>
+          <a:p>
+            <a:pPr algn="ctr"/>
+            <a:endParaRPr lang="zh-CN" altLang="en-US"/>
+          </a:p>
+        </p:txBody>
+      </p:sp>
+      <p:sp>
+        <p:nvSpPr>
+          <p:cNvPr id="18" name="文本框 17"/>
+          <p:cNvSpPr txBox="1"/>
+          <p:nvPr/>
+        </p:nvSpPr>
+        <p:spPr>
+          <a:xfrm>
+            <a:off x="5390515" y="1059180"/>
+            <a:ext cx="1097280" cy="368300"/>
+          </a:xfrm>
+          <a:prstGeom prst="rect">
+            <a:avLst/>
+          </a:prstGeom>
+          <a:noFill/>
+        </p:spPr>
+        <p:txBody>
+          <a:bodyPr wrap="none" rtlCol="0">
+            <a:spAutoFit/>
+          </a:bodyPr>
+          <a:p>
+            <a:r>
+              <a:rPr lang="zh-CN" altLang="en-US"/>
+              <a:t>书圈名称</a:t>
+            </a:r>
+            <a:endParaRPr lang="zh-CN" altLang="en-US"/>
+          </a:p>
+        </p:txBody>
+      </p:sp>
+      <p:sp>
+        <p:nvSpPr>
+          <p:cNvPr id="19" name="文本框 18"/>
+          <p:cNvSpPr txBox="1"/>
+          <p:nvPr/>
+        </p:nvSpPr>
+        <p:spPr>
+          <a:xfrm>
+            <a:off x="4401185" y="2117090"/>
+            <a:ext cx="1097280" cy="368300"/>
+          </a:xfrm>
+          <a:prstGeom prst="rect">
+            <a:avLst/>
+          </a:prstGeom>
+          <a:noFill/>
+        </p:spPr>
+        <p:txBody>
+          <a:bodyPr wrap="none" rtlCol="0">
+            <a:spAutoFit/>
+          </a:bodyPr>
+          <a:p>
+            <a:r>
+              <a:rPr lang="zh-CN" altLang="en-US"/>
+              <a:t>书圈简介</a:t>
+            </a:r>
+            <a:endParaRPr lang="zh-CN" altLang="en-US"/>
+          </a:p>
+        </p:txBody>
+      </p:sp>
+      <p:sp>
+        <p:nvSpPr>
+          <p:cNvPr id="23" name="文本框 22"/>
+          <p:cNvSpPr txBox="1"/>
+          <p:nvPr/>
+        </p:nvSpPr>
+        <p:spPr>
+          <a:xfrm>
+            <a:off x="5385435" y="1329690"/>
+            <a:ext cx="1480185" cy="368300"/>
+          </a:xfrm>
+          <a:prstGeom prst="rect">
+            <a:avLst/>
+          </a:prstGeom>
+          <a:noFill/>
+        </p:spPr>
+        <p:txBody>
+          <a:bodyPr wrap="none" rtlCol="0">
+            <a:spAutoFit/>
+          </a:bodyPr>
+          <a:p>
+            <a:r>
+              <a:rPr lang="zh-CN" altLang="en-US"/>
+              <a:t>圈主：昵称   </a:t>
+            </a:r>
+            <a:endParaRPr lang="zh-CN" altLang="en-US"/>
+          </a:p>
+        </p:txBody>
+      </p:sp>
+      <p:cxnSp>
+        <p:nvCxnSpPr>
+          <p:cNvPr id="24" name="直接连接符 23"/>
+          <p:cNvCxnSpPr/>
+          <p:nvPr/>
+        </p:nvCxnSpPr>
+        <p:spPr>
+          <a:xfrm>
+            <a:off x="4436110" y="1898015"/>
+            <a:ext cx="3048000" cy="12700"/>
+          </a:xfrm>
+          <a:prstGeom prst="line">
+            <a:avLst/>
+          </a:prstGeom>
+        </p:spPr>
+        <p:style>
+          <a:lnRef idx="1">
+            <a:schemeClr val="accent1"/>
+          </a:lnRef>
+          <a:fillRef idx="0">
+            <a:schemeClr val="accent1"/>
+          </a:fillRef>
+          <a:effectRef idx="0">
+            <a:schemeClr val="accent1"/>
+          </a:effectRef>
+          <a:fontRef idx="minor">
+            <a:schemeClr val="tx1"/>
+          </a:fontRef>
+        </p:style>
+      </p:cxnSp>
+      <p:sp>
+        <p:nvSpPr>
+          <p:cNvPr id="25" name="同侧圆角矩形 24"/>
+          <p:cNvSpPr/>
+          <p:nvPr/>
+        </p:nvSpPr>
+        <p:spPr>
+          <a:xfrm>
+            <a:off x="4502785" y="2523490"/>
+            <a:ext cx="2867660" cy="891540"/>
+          </a:xfrm>
+          <a:prstGeom prst="round2SameRect">
+            <a:avLst/>
+          </a:prstGeom>
+          <a:solidFill>
+            <a:srgbClr val="000000">
+              <a:alpha val="0"/>
+            </a:srgbClr>
+          </a:solidFill>
+        </p:spPr>
+        <p:style>
+          <a:lnRef idx="2">
+            <a:schemeClr val="accent1">
+              <a:shade val="50000"/>
+            </a:schemeClr>
+          </a:lnRef>
+          <a:fillRef idx="1">
+            <a:schemeClr val="accent1"/>
+          </a:fillRef>
+          <a:effectRef idx="0">
+            <a:schemeClr val="accent1"/>
+          </a:effectRef>
+          <a:fontRef idx="minor">
+            <a:schemeClr val="lt1"/>
+          </a:fontRef>
+        </p:style>
+        <p:txBody>
+          <a:bodyPr rtlCol="0" anchor="ctr"/>
+          <a:p>
+            <a:pPr algn="ctr"/>
+            <a:endParaRPr lang="zh-CN" altLang="en-US"/>
+          </a:p>
+        </p:txBody>
+      </p:sp>
+      <p:sp>
+        <p:nvSpPr>
+          <p:cNvPr id="26" name="文本框 25"/>
+          <p:cNvSpPr txBox="1"/>
+          <p:nvPr/>
+        </p:nvSpPr>
+        <p:spPr>
+          <a:xfrm>
+            <a:off x="4502785" y="3690620"/>
+            <a:ext cx="2696845" cy="368300"/>
+          </a:xfrm>
+          <a:prstGeom prst="rect">
+            <a:avLst/>
+          </a:prstGeom>
+          <a:noFill/>
+        </p:spPr>
+        <p:txBody>
+          <a:bodyPr wrap="square" rtlCol="0">
+            <a:spAutoFit/>
+          </a:bodyPr>
+          <a:p>
+            <a:r>
+              <a:rPr lang="zh-CN" altLang="en-US"/>
+              <a:t>查看成员                   </a:t>
+            </a:r>
+            <a:r>
+              <a:rPr lang="en-US" altLang="zh-CN"/>
+              <a:t>105</a:t>
+            </a:r>
+            <a:r>
+              <a:rPr lang="zh-CN" altLang="en-US"/>
+              <a:t>人</a:t>
+            </a:r>
+            <a:endParaRPr lang="zh-CN" altLang="en-US"/>
+          </a:p>
+        </p:txBody>
+      </p:sp>
+      <p:sp>
+        <p:nvSpPr>
+          <p:cNvPr id="28" name="圆角矩形 27"/>
+          <p:cNvSpPr/>
+          <p:nvPr/>
+        </p:nvSpPr>
+        <p:spPr>
+          <a:xfrm>
+            <a:off x="4502785" y="3667760"/>
+            <a:ext cx="1059180" cy="413385"/>
+          </a:xfrm>
+          <a:prstGeom prst="roundRect">
+            <a:avLst/>
+          </a:prstGeom>
+          <a:noFill/>
+          <a:extLst>
+            <a:ext uri="{909E8E84-426E-40DD-AFC4-6F175D3DCCD1}">
+              <a14:hiddenFill xmlns:a14="http://schemas.microsoft.com/office/drawing/2010/main">
+                <a:solidFill>
+                  <a:schemeClr val="accent1"/>
+                </a:solidFill>
+              </a14:hiddenFill>
+            </a:ext>
+          </a:extLst>
+        </p:spPr>
+        <p:style>
+          <a:lnRef idx="2">
+            <a:schemeClr val="accent1">
+              <a:shade val="50000"/>
+            </a:schemeClr>
+          </a:lnRef>
+          <a:fillRef idx="1">
+            <a:schemeClr val="accent1"/>
+          </a:fillRef>
+          <a:effectRef idx="0">
+            <a:schemeClr val="accent1"/>
+          </a:effectRef>
+          <a:fontRef idx="minor">
+            <a:schemeClr val="lt1"/>
+          </a:fontRef>
+        </p:style>
+        <p:txBody>
+          <a:bodyPr rtlCol="0" anchor="ctr"/>
+          <a:p>
+            <a:pPr algn="ctr"/>
+            <a:endParaRPr lang="zh-CN" altLang="en-US"/>
+          </a:p>
+        </p:txBody>
+      </p:sp>
+      <p:sp>
+        <p:nvSpPr>
+          <p:cNvPr id="47" name="圆角矩形 46"/>
+          <p:cNvSpPr/>
+          <p:nvPr/>
+        </p:nvSpPr>
+        <p:spPr>
+          <a:xfrm>
+            <a:off x="4502785" y="4530725"/>
+            <a:ext cx="1059180" cy="413385"/>
+          </a:xfrm>
+          <a:prstGeom prst="roundRect">
+            <a:avLst/>
+          </a:prstGeom>
+          <a:noFill/>
+          <a:extLst>
+            <a:ext uri="{909E8E84-426E-40DD-AFC4-6F175D3DCCD1}">
+              <a14:hiddenFill xmlns:a14="http://schemas.microsoft.com/office/drawing/2010/main">
+                <a:solidFill>
+                  <a:schemeClr val="accent1"/>
+                </a:solidFill>
+              </a14:hiddenFill>
+            </a:ext>
+          </a:extLst>
+        </p:spPr>
+        <p:style>
+          <a:lnRef idx="2">
+            <a:schemeClr val="accent1">
+              <a:shade val="50000"/>
+            </a:schemeClr>
+          </a:lnRef>
+          <a:fillRef idx="1">
+            <a:schemeClr val="accent1"/>
+          </a:fillRef>
+          <a:effectRef idx="0">
+            <a:schemeClr val="accent1"/>
+          </a:effectRef>
+          <a:fontRef idx="minor">
+            <a:schemeClr val="lt1"/>
+          </a:fontRef>
+        </p:style>
+        <p:txBody>
+          <a:bodyPr rtlCol="0" anchor="ctr"/>
+          <a:p>
+            <a:pPr algn="ctr"/>
+            <a:endParaRPr lang="zh-CN" altLang="en-US"/>
+          </a:p>
+        </p:txBody>
+      </p:sp>
+      <p:sp>
+        <p:nvSpPr>
+          <p:cNvPr id="48" name="文本框 47"/>
+          <p:cNvSpPr txBox="1"/>
+          <p:nvPr/>
+        </p:nvSpPr>
+        <p:spPr>
+          <a:xfrm>
+            <a:off x="4502785" y="4552950"/>
+            <a:ext cx="2649855" cy="368300"/>
+          </a:xfrm>
+          <a:prstGeom prst="rect">
+            <a:avLst/>
+          </a:prstGeom>
+          <a:noFill/>
+        </p:spPr>
+        <p:txBody>
+          <a:bodyPr wrap="none" rtlCol="0">
+            <a:spAutoFit/>
+          </a:bodyPr>
+          <a:p>
+            <a:r>
+              <a:rPr lang="zh-CN" altLang="en-US"/>
+              <a:t>查看书籍                   </a:t>
+            </a:r>
+            <a:r>
+              <a:rPr lang="en-US" altLang="zh-CN"/>
+              <a:t>106</a:t>
+            </a:r>
+            <a:r>
+              <a:rPr lang="zh-CN" altLang="en-US"/>
+              <a:t>本</a:t>
+            </a:r>
+            <a:endParaRPr lang="zh-CN" altLang="en-US"/>
+          </a:p>
+        </p:txBody>
+      </p:sp>
+      <p:sp>
+        <p:nvSpPr>
+          <p:cNvPr id="49" name="圆角矩形 48"/>
+          <p:cNvSpPr/>
+          <p:nvPr/>
+        </p:nvSpPr>
+        <p:spPr>
+          <a:xfrm>
+            <a:off x="5198110" y="5501005"/>
+            <a:ext cx="1524000" cy="529590"/>
+          </a:xfrm>
+          <a:prstGeom prst="roundRect">
+            <a:avLst/>
+          </a:prstGeom>
+          <a:solidFill>
+            <a:srgbClr val="000000">
+              <a:alpha val="0"/>
+            </a:srgbClr>
+          </a:solidFill>
+        </p:spPr>
+        <p:style>
+          <a:lnRef idx="2">
+            <a:schemeClr val="accent1">
+              <a:shade val="50000"/>
+            </a:schemeClr>
+          </a:lnRef>
+          <a:fillRef idx="1">
+            <a:schemeClr val="accent1"/>
+          </a:fillRef>
+          <a:effectRef idx="0">
+            <a:schemeClr val="accent1"/>
+          </a:effectRef>
+          <a:fontRef idx="minor">
+            <a:schemeClr val="lt1"/>
+          </a:fontRef>
+        </p:style>
+        <p:txBody>
+          <a:bodyPr rtlCol="0" anchor="ctr"/>
+          <a:p>
+            <a:pPr algn="ctr"/>
+            <a:endParaRPr lang="zh-CN" altLang="en-US"/>
+          </a:p>
+        </p:txBody>
+      </p:sp>
+      <p:sp>
+        <p:nvSpPr>
+          <p:cNvPr id="50" name="文本框 49"/>
+          <p:cNvSpPr txBox="1"/>
+          <p:nvPr/>
+        </p:nvSpPr>
+        <p:spPr>
+          <a:xfrm>
+            <a:off x="5411470" y="5582285"/>
+            <a:ext cx="1097280" cy="368300"/>
+          </a:xfrm>
+          <a:prstGeom prst="rect">
+            <a:avLst/>
+          </a:prstGeom>
+          <a:noFill/>
+        </p:spPr>
+        <p:txBody>
+          <a:bodyPr wrap="none" rtlCol="0">
+            <a:spAutoFit/>
+          </a:bodyPr>
+          <a:p>
+            <a:r>
+              <a:rPr lang="zh-CN" altLang="en-US"/>
+              <a:t>申请加入</a:t>
+            </a:r>
+            <a:endParaRPr lang="zh-CN" altLang="en-US"/>
+          </a:p>
+        </p:txBody>
+      </p:sp>
+      <p:sp>
+        <p:nvSpPr>
+          <p:cNvPr id="51" name="矩形 50"/>
+          <p:cNvSpPr/>
+          <p:nvPr/>
+        </p:nvSpPr>
+        <p:spPr>
+          <a:xfrm>
+            <a:off x="8404860" y="398780"/>
+            <a:ext cx="3071495" cy="5887085"/>
+          </a:xfrm>
+          <a:prstGeom prst="rect">
+            <a:avLst/>
+          </a:prstGeom>
+          <a:noFill/>
+          <a:extLst>
+            <a:ext uri="{909E8E84-426E-40DD-AFC4-6F175D3DCCD1}">
+              <a14:hiddenFill xmlns:a14="http://schemas.microsoft.com/office/drawing/2010/main">
+                <a:solidFill>
+                  <a:schemeClr val="accent1"/>
+                </a:solidFill>
+              </a14:hiddenFill>
+            </a:ext>
+          </a:extLst>
+        </p:spPr>
+        <p:style>
+          <a:lnRef idx="2">
+            <a:schemeClr val="accent1">
+              <a:shade val="50000"/>
+            </a:schemeClr>
+          </a:lnRef>
+          <a:fillRef idx="1">
+            <a:schemeClr val="accent1"/>
+          </a:fillRef>
+          <a:effectRef idx="0">
+            <a:schemeClr val="accent1"/>
+          </a:effectRef>
+          <a:fontRef idx="minor">
+            <a:schemeClr val="lt1"/>
+          </a:fontRef>
+        </p:style>
+        <p:txBody>
+          <a:bodyPr rtlCol="0" anchor="ctr"/>
+          <a:p>
+            <a:pPr algn="ctr"/>
+            <a:endParaRPr lang="zh-CN" altLang="en-US"/>
+          </a:p>
+        </p:txBody>
+      </p:sp>
+      <p:sp>
+        <p:nvSpPr>
+          <p:cNvPr id="52" name="矩形 51"/>
+          <p:cNvSpPr/>
+          <p:nvPr/>
+        </p:nvSpPr>
+        <p:spPr>
+          <a:xfrm>
+            <a:off x="8404860" y="403225"/>
+            <a:ext cx="3071495" cy="570865"/>
+          </a:xfrm>
+          <a:prstGeom prst="rect">
+            <a:avLst/>
+          </a:prstGeom>
+          <a:noFill/>
+          <a:ln>
+            <a:solidFill>
+              <a:schemeClr val="accent1">
+                <a:lumMod val="50000"/>
+              </a:schemeClr>
+            </a:solidFill>
+          </a:ln>
+          <a:extLst>
+            <a:ext uri="{909E8E84-426E-40DD-AFC4-6F175D3DCCD1}">
+              <a14:hiddenFill xmlns:a14="http://schemas.microsoft.com/office/drawing/2010/main">
+                <a:solidFill>
+                  <a:schemeClr val="accent1"/>
+                </a:solidFill>
+              </a14:hiddenFill>
+            </a:ext>
+          </a:extLst>
+        </p:spPr>
+        <p:style>
+          <a:lnRef idx="2">
+            <a:schemeClr val="accent1">
+              <a:shade val="50000"/>
+            </a:schemeClr>
+          </a:lnRef>
+          <a:fillRef idx="1">
+            <a:schemeClr val="accent1"/>
+          </a:fillRef>
+          <a:effectRef idx="0">
+            <a:schemeClr val="accent1"/>
+          </a:effectRef>
+          <a:fontRef idx="minor">
+            <a:schemeClr val="lt1"/>
+          </a:fontRef>
+        </p:style>
+        <p:txBody>
+          <a:bodyPr rtlCol="0" anchor="ctr"/>
+          <a:p>
+            <a:pPr algn="ctr"/>
+            <a:endParaRPr lang="zh-CN" altLang="en-US"/>
+          </a:p>
+        </p:txBody>
+      </p:sp>
+      <p:sp>
+        <p:nvSpPr>
+          <p:cNvPr id="53" name="文本框 52"/>
+          <p:cNvSpPr txBox="1"/>
+          <p:nvPr/>
+        </p:nvSpPr>
+        <p:spPr>
+          <a:xfrm>
+            <a:off x="9389110" y="504190"/>
+            <a:ext cx="1102360" cy="368300"/>
+          </a:xfrm>
+          <a:prstGeom prst="rect">
+            <a:avLst/>
+          </a:prstGeom>
+          <a:noFill/>
+        </p:spPr>
+        <p:txBody>
+          <a:bodyPr wrap="none" rtlCol="0">
+            <a:spAutoFit/>
+          </a:bodyPr>
+          <a:p>
+            <a:r>
+              <a:rPr lang="zh-CN" altLang="en-US" b="1"/>
+              <a:t>借阅书籍</a:t>
+            </a:r>
+            <a:endParaRPr lang="zh-CN" altLang="en-US" b="1"/>
+          </a:p>
+        </p:txBody>
+      </p:sp>
+    </p:spTree>
+  </p:cSld>
+  <p:clrMapOvr>
+    <a:masterClrMapping/>
+  </p:clrMapOvr>
+  <mc:AlternateContent xmlns:mc="http://schemas.openxmlformats.org/markup-compatibility/2006">
+    <mc:Choice xmlns:p14="http://schemas.microsoft.com/office/powerpoint/2010/main" Requires="p14">
+      <p:transition p14:dur="250">
+        <p:fade/>
+      </p:transition>
+    </mc:Choice>
+    <mc:Fallback>
+      <p:transition>
+        <p:fade/>
+      </p:transition>
+    </mc:Fallback>
+  </mc:AlternateContent>
+</p:sld>
+</file>
+
+<file path=ppt/slides/slide11.xml><?xml version="1.0" encoding="utf-8"?>
+<p:sld xmlns:a="http://schemas.openxmlformats.org/drawingml/2006/main" xmlns:r="http://schemas.openxmlformats.org/officeDocument/2006/relationships" xmlns:p="http://schemas.openxmlformats.org/presentationml/2006/main">
+  <p:cSld>
+    <p:spTree>
+      <p:nvGrpSpPr>
+        <p:cNvPr id="1" name=""/>
+        <p:cNvGrpSpPr/>
+        <p:nvPr/>
+      </p:nvGrpSpPr>
+      <p:grpSpPr/>
+      <p:sp>
+        <p:nvSpPr>
+          <p:cNvPr id="4" name="文本框 3"/>
+          <p:cNvSpPr txBox="1"/>
+          <p:nvPr/>
+        </p:nvSpPr>
+        <p:spPr>
+          <a:xfrm>
+            <a:off x="1315085" y="962025"/>
+            <a:ext cx="8544560" cy="1476375"/>
+          </a:xfrm>
+          <a:prstGeom prst="rect">
+            <a:avLst/>
+          </a:prstGeom>
+          <a:noFill/>
+        </p:spPr>
+        <p:txBody>
+          <a:bodyPr wrap="square" rtlCol="0">
+            <a:spAutoFit/>
+          </a:bodyPr>
+          <a:p>
+            <a:r>
+              <a:rPr lang="zh-CN" altLang="en-US"/>
+              <a:t>数据库：</a:t>
+            </a:r>
+            <a:endParaRPr lang="zh-CN" altLang="en-US"/>
+          </a:p>
+          <a:p>
+            <a:r>
+              <a:rPr lang="zh-CN" altLang="en-US"/>
+              <a:t>用户信息表。</a:t>
+            </a:r>
+            <a:endParaRPr lang="zh-CN" altLang="en-US"/>
+          </a:p>
+          <a:p>
+            <a:r>
+              <a:rPr lang="zh-CN" altLang="en-US"/>
+              <a:t>商家信息表。</a:t>
+            </a:r>
+            <a:endParaRPr lang="zh-CN" altLang="en-US"/>
+          </a:p>
+          <a:p>
+            <a:r>
+              <a:rPr lang="zh-CN" altLang="en-US"/>
+              <a:t>图书信息表。</a:t>
+            </a:r>
+            <a:endParaRPr lang="zh-CN" altLang="en-US"/>
+          </a:p>
+          <a:p>
+            <a:endParaRPr lang="zh-CN" altLang="en-US"/>
+          </a:p>
+        </p:txBody>
+      </p:sp>
+      <p:pic>
+        <p:nvPicPr>
+          <p:cNvPr id="85" name="图片 84" descr="saomajieshu"/>
+          <p:cNvPicPr>
+            <a:picLocks noChangeAspect="1"/>
+          </p:cNvPicPr>
+          <p:nvPr/>
+        </p:nvPicPr>
+        <p:blipFill>
+          <a:blip r:embed="rId1"/>
+          <a:stretch>
+            <a:fillRect/>
+          </a:stretch>
+        </p:blipFill>
+        <p:spPr>
+          <a:xfrm>
+            <a:off x="8965565" y="2828925"/>
+            <a:ext cx="792480" cy="792480"/>
+          </a:xfrm>
+          <a:prstGeom prst="rect">
+            <a:avLst/>
+          </a:prstGeom>
+        </p:spPr>
+      </p:pic>
+      <p:sp>
+        <p:nvSpPr>
+          <p:cNvPr id="88" name="文本框 87"/>
+          <p:cNvSpPr txBox="1"/>
+          <p:nvPr/>
+        </p:nvSpPr>
+        <p:spPr>
+          <a:xfrm>
+            <a:off x="8935085" y="3616960"/>
+            <a:ext cx="899160" cy="306705"/>
+          </a:xfrm>
+          <a:prstGeom prst="rect">
+            <a:avLst/>
+          </a:prstGeom>
+          <a:noFill/>
+        </p:spPr>
+        <p:txBody>
+          <a:bodyPr wrap="none" rtlCol="0">
+            <a:spAutoFit/>
+          </a:bodyPr>
+          <a:p>
+            <a:r>
+              <a:rPr lang="zh-CN" altLang="en-US" sz="1400" b="1">
+                <a:latin typeface="仿宋" panose="02010609060101010101" charset="-122"/>
+                <a:ea typeface="仿宋" panose="02010609060101010101" charset="-122"/>
+              </a:rPr>
+              <a:t>扫码借书</a:t>
+            </a:r>
+            <a:endParaRPr lang="zh-CN" altLang="en-US" sz="1400" b="1">
+              <a:latin typeface="仿宋" panose="02010609060101010101" charset="-122"/>
+              <a:ea typeface="仿宋" panose="02010609060101010101" charset="-122"/>
+            </a:endParaRPr>
+          </a:p>
+        </p:txBody>
+      </p:sp>
+    </p:spTree>
+  </p:cSld>
+  <p:clrMapOvr>
+    <a:masterClrMapping/>
+  </p:clrMapOvr>
+  <mc:AlternateContent xmlns:mc="http://schemas.openxmlformats.org/markup-compatibility/2006">
+    <mc:Choice xmlns:p14="http://schemas.microsoft.com/office/powerpoint/2010/main" Requires="p14">
+      <p:transition p14:dur="250">
+        <p:fade/>
+      </p:transition>
+    </mc:Choice>
+    <mc:Fallback>
+      <p:transition>
+        <p:fade/>
+      </p:transition>
+    </mc:Fallback>
+  </mc:AlternateContent>
+</p:sld>
+</file>
+
 <file path=ppt/slides/slide2.xml><?xml version="1.0" encoding="utf-8"?>
 <p:sld xmlns:a="http://schemas.openxmlformats.org/drawingml/2006/main" xmlns:r="http://schemas.openxmlformats.org/officeDocument/2006/relationships" xmlns:p="http://schemas.openxmlformats.org/presentationml/2006/main">
   <p:cSld>
@@ -30920,7 +32747,7 @@
         </p:blipFill>
         <p:spPr>
           <a:xfrm>
-            <a:off x="5914390" y="6103620"/>
+            <a:off x="5915660" y="5991225"/>
             <a:ext cx="381635" cy="381635"/>
           </a:xfrm>
           <a:prstGeom prst="rect">
@@ -30936,7 +32763,7 @@
         </p:nvSpPr>
         <p:spPr>
           <a:xfrm>
-            <a:off x="5915025" y="6103620"/>
+            <a:off x="5915025" y="6010275"/>
             <a:ext cx="381000" cy="381635"/>
           </a:xfrm>
           <a:prstGeom prst="ellipse">
@@ -30945,7 +32772,7 @@
           <a:noFill/>
           <a:ln>
             <a:solidFill>
-              <a:schemeClr val="accent3"/>
+              <a:srgbClr val="202020"/>
             </a:solidFill>
           </a:ln>
           <a:extLst>
@@ -31147,7 +32974,7 @@
         </p:nvSpPr>
         <p:spPr>
           <a:xfrm>
-            <a:off x="7747635" y="678180"/>
+            <a:off x="8380730" y="739775"/>
             <a:ext cx="3071495" cy="5887085"/>
           </a:xfrm>
           <a:prstGeom prst="rect">
@@ -32131,7 +33958,7 @@
           <a:p>
             <a:r>
               <a:rPr lang="zh-CN" altLang="en-US" sz="1000" b="1"/>
-              <a:t>发现</a:t>
+              <a:t>觅书</a:t>
             </a:r>
             <a:r>
               <a:rPr lang="zh-CN" altLang="en-US"/>
@@ -32983,7 +34810,7 @@
                 <a:latin typeface="仿宋" panose="02010609060101010101" charset="-122"/>
                 <a:ea typeface="仿宋" panose="02010609060101010101" charset="-122"/>
               </a:rPr>
-              <a:t>我要借阅</a:t>
+              <a:t>我要还书</a:t>
             </a:r>
             <a:endParaRPr lang="zh-CN" altLang="en-US" sz="1400">
               <a:latin typeface="仿宋" panose="02010609060101010101" charset="-122"/>
@@ -33630,7 +35457,7 @@
         </p:nvSpPr>
         <p:spPr>
           <a:xfrm>
-            <a:off x="7747635" y="682625"/>
+            <a:off x="8380730" y="740410"/>
             <a:ext cx="3071495" cy="570865"/>
           </a:xfrm>
           <a:prstGeom prst="rect">
@@ -33686,7 +35513,7 @@
         </p:nvSpPr>
         <p:spPr>
           <a:xfrm>
-            <a:off x="8731885" y="784225"/>
+            <a:off x="9364980" y="841375"/>
             <a:ext cx="1102360" cy="368300"/>
           </a:xfrm>
           <a:prstGeom prst="rect">
@@ -33723,32 +35550,8 @@
         </p:blipFill>
         <p:spPr>
           <a:xfrm>
-            <a:off x="7990205" y="2915920"/>
+            <a:off x="9075420" y="2999740"/>
             <a:ext cx="675640" cy="618490"/>
-          </a:xfrm>
-          <a:prstGeom prst="rect">
-            <a:avLst/>
-          </a:prstGeom>
-        </p:spPr>
-      </p:pic>
-      <p:pic>
-        <p:nvPicPr>
-          <p:cNvPr id="85" name="图片 84" descr="saomajieshu"/>
-          <p:cNvPicPr>
-            <a:picLocks noChangeAspect="1"/>
-          </p:cNvPicPr>
-          <p:nvPr/>
-        </p:nvPicPr>
-        <p:blipFill>
-          <a:blip r:embed="rId10"/>
-          <a:stretch>
-            <a:fillRect/>
-          </a:stretch>
-        </p:blipFill>
-        <p:spPr>
-          <a:xfrm>
-            <a:off x="8965565" y="2828925"/>
-            <a:ext cx="792480" cy="792480"/>
           </a:xfrm>
           <a:prstGeom prst="rect">
             <a:avLst/>
@@ -33764,14 +35567,14 @@
           <p:nvPr/>
         </p:nvPicPr>
         <p:blipFill>
-          <a:blip r:embed="rId11"/>
+          <a:blip r:embed="rId10"/>
           <a:stretch>
             <a:fillRect/>
           </a:stretch>
         </p:blipFill>
         <p:spPr>
           <a:xfrm>
-            <a:off x="9968230" y="2915920"/>
+            <a:off x="10110470" y="2999740"/>
             <a:ext cx="678815" cy="678815"/>
           </a:xfrm>
           <a:prstGeom prst="rect">
@@ -33787,7 +35590,7 @@
         </p:nvSpPr>
         <p:spPr>
           <a:xfrm>
-            <a:off x="7878445" y="3621405"/>
+            <a:off x="8963660" y="3728720"/>
             <a:ext cx="899160" cy="306705"/>
           </a:xfrm>
           <a:prstGeom prst="rect">
@@ -33816,48 +35619,13 @@
       </p:sp>
       <p:sp>
         <p:nvSpPr>
-          <p:cNvPr id="88" name="文本框 87"/>
-          <p:cNvSpPr txBox="1"/>
-          <p:nvPr/>
-        </p:nvSpPr>
-        <p:spPr>
-          <a:xfrm>
-            <a:off x="8935085" y="3616960"/>
-            <a:ext cx="899160" cy="306705"/>
-          </a:xfrm>
-          <a:prstGeom prst="rect">
-            <a:avLst/>
-          </a:prstGeom>
-          <a:noFill/>
-        </p:spPr>
-        <p:txBody>
-          <a:bodyPr wrap="none" rtlCol="0">
-            <a:spAutoFit/>
-          </a:bodyPr>
-          <a:p>
-            <a:r>
-              <a:rPr lang="zh-CN" altLang="en-US" sz="1400" b="1">
-                <a:latin typeface="仿宋" panose="02010609060101010101" charset="-122"/>
-                <a:ea typeface="仿宋" panose="02010609060101010101" charset="-122"/>
-              </a:rPr>
-              <a:t>扫码借书</a:t>
-            </a:r>
-            <a:endParaRPr lang="zh-CN" altLang="en-US" sz="1400" b="1">
-              <a:latin typeface="仿宋" panose="02010609060101010101" charset="-122"/>
-              <a:ea typeface="仿宋" panose="02010609060101010101" charset="-122"/>
-            </a:endParaRPr>
-          </a:p>
-        </p:txBody>
-      </p:sp>
-      <p:sp>
-        <p:nvSpPr>
           <p:cNvPr id="89" name="文本框 88"/>
           <p:cNvSpPr txBox="1"/>
           <p:nvPr/>
         </p:nvSpPr>
         <p:spPr>
           <a:xfrm>
-            <a:off x="9858375" y="3621405"/>
+            <a:off x="10000615" y="3705225"/>
             <a:ext cx="899160" cy="306705"/>
           </a:xfrm>
           <a:prstGeom prst="rect">
@@ -33893,14 +35661,14 @@
           <p:nvPr/>
         </p:nvPicPr>
         <p:blipFill>
-          <a:blip r:embed="rId12"/>
+          <a:blip r:embed="rId11"/>
           <a:stretch>
             <a:fillRect/>
           </a:stretch>
         </p:blipFill>
         <p:spPr>
           <a:xfrm>
-            <a:off x="9134475" y="5648960"/>
+            <a:off x="9767570" y="5706110"/>
             <a:ext cx="454660" cy="454660"/>
           </a:xfrm>
           <a:prstGeom prst="rect">
@@ -33916,7 +35684,7 @@
         </p:nvSpPr>
         <p:spPr>
           <a:xfrm>
-            <a:off x="9117965" y="6021705"/>
+            <a:off x="9751060" y="6078855"/>
             <a:ext cx="640080" cy="306705"/>
           </a:xfrm>
           <a:prstGeom prst="rect">
@@ -33998,6 +35766,43 @@
       <p:grpSpPr/>
       <p:sp>
         <p:nvSpPr>
+          <p:cNvPr id="36" name="椭圆 35"/>
+          <p:cNvSpPr/>
+          <p:nvPr/>
+        </p:nvSpPr>
+        <p:spPr>
+          <a:xfrm>
+            <a:off x="4882515" y="2886075"/>
+            <a:ext cx="593725" cy="490855"/>
+          </a:xfrm>
+          <a:prstGeom prst="ellipse">
+            <a:avLst/>
+          </a:prstGeom>
+        </p:spPr>
+        <p:style>
+          <a:lnRef idx="3">
+            <a:schemeClr val="lt1"/>
+          </a:lnRef>
+          <a:fillRef idx="1">
+            <a:schemeClr val="accent6"/>
+          </a:fillRef>
+          <a:effectRef idx="1">
+            <a:schemeClr val="accent6"/>
+          </a:effectRef>
+          <a:fontRef idx="minor">
+            <a:schemeClr val="lt1"/>
+          </a:fontRef>
+        </p:style>
+        <p:txBody>
+          <a:bodyPr rtlCol="0" anchor="ctr"/>
+          <a:p>
+            <a:pPr algn="ctr"/>
+            <a:endParaRPr lang="zh-CN" altLang="en-US"/>
+          </a:p>
+        </p:txBody>
+      </p:sp>
+      <p:sp>
+        <p:nvSpPr>
           <p:cNvPr id="8" name="矩形 7"/>
           <p:cNvSpPr/>
           <p:nvPr/>
@@ -34334,7 +36139,7 @@
           <a:p>
             <a:r>
               <a:rPr lang="zh-CN" altLang="en-US" b="1"/>
-              <a:t>图书共享</a:t>
+              <a:t>联系书主</a:t>
             </a:r>
             <a:endParaRPr lang="zh-CN" altLang="en-US" b="1"/>
           </a:p>
@@ -34363,7 +36168,7 @@
           <a:p>
             <a:r>
               <a:rPr lang="zh-CN" altLang="en-US" b="1"/>
-              <a:t>图书共享</a:t>
+              <a:t>图书详情</a:t>
             </a:r>
             <a:endParaRPr lang="zh-CN" altLang="en-US" b="1"/>
           </a:p>
@@ -34392,7 +36197,7 @@
           <a:p>
             <a:r>
               <a:rPr lang="zh-CN" altLang="en-US" b="1"/>
-              <a:t>我要共享</a:t>
+              <a:t>觅书发现</a:t>
             </a:r>
             <a:endParaRPr lang="zh-CN" altLang="en-US" b="1"/>
           </a:p>
@@ -34424,6 +36229,1912 @@
               <a:t>我要共享功能栏</a:t>
             </a:r>
             <a:endParaRPr lang="zh-CN" altLang="en-US"/>
+          </a:p>
+        </p:txBody>
+      </p:sp>
+      <p:cxnSp>
+        <p:nvCxnSpPr>
+          <p:cNvPr id="3" name="直接连接符 2"/>
+          <p:cNvCxnSpPr/>
+          <p:nvPr/>
+        </p:nvCxnSpPr>
+        <p:spPr>
+          <a:xfrm flipV="1">
+            <a:off x="1042670" y="1729740"/>
+            <a:ext cx="3083560" cy="13335"/>
+          </a:xfrm>
+          <a:prstGeom prst="line">
+            <a:avLst/>
+          </a:prstGeom>
+        </p:spPr>
+        <p:style>
+          <a:lnRef idx="1">
+            <a:schemeClr val="accent1"/>
+          </a:lnRef>
+          <a:fillRef idx="0">
+            <a:schemeClr val="accent1"/>
+          </a:fillRef>
+          <a:effectRef idx="0">
+            <a:schemeClr val="accent1"/>
+          </a:effectRef>
+          <a:fontRef idx="minor">
+            <a:schemeClr val="tx1"/>
+          </a:fontRef>
+        </p:style>
+      </p:cxnSp>
+      <p:sp>
+        <p:nvSpPr>
+          <p:cNvPr id="12" name="文本框 11"/>
+          <p:cNvSpPr txBox="1"/>
+          <p:nvPr/>
+        </p:nvSpPr>
+        <p:spPr>
+          <a:xfrm>
+            <a:off x="1042670" y="1369060"/>
+            <a:ext cx="748030" cy="245110"/>
+          </a:xfrm>
+          <a:prstGeom prst="rect">
+            <a:avLst/>
+          </a:prstGeom>
+          <a:noFill/>
+        </p:spPr>
+        <p:txBody>
+          <a:bodyPr wrap="none" rtlCol="0">
+            <a:spAutoFit/>
+          </a:bodyPr>
+          <a:p>
+            <a:r>
+              <a:rPr lang="zh-CN" altLang="en-US" sz="1000"/>
+              <a:t>智能排序 </a:t>
+            </a:r>
+            <a:r>
+              <a:rPr lang="zh-CN" altLang="en-US" sz="1000">
+                <a:solidFill>
+                  <a:schemeClr val="bg1">
+                    <a:lumMod val="50000"/>
+                  </a:schemeClr>
+                </a:solidFill>
+              </a:rPr>
+              <a:t> </a:t>
+            </a:r>
+            <a:endParaRPr lang="zh-CN" altLang="en-US" sz="1000">
+              <a:solidFill>
+                <a:schemeClr val="bg1">
+                  <a:lumMod val="50000"/>
+                </a:schemeClr>
+              </a:solidFill>
+            </a:endParaRPr>
+          </a:p>
+        </p:txBody>
+      </p:sp>
+      <p:pic>
+        <p:nvPicPr>
+          <p:cNvPr id="50" name="图片 49" descr="serach"/>
+          <p:cNvPicPr>
+            <a:picLocks noChangeAspect="1"/>
+          </p:cNvPicPr>
+          <p:nvPr/>
+        </p:nvPicPr>
+        <p:blipFill>
+          <a:blip r:embed="rId1"/>
+          <a:stretch>
+            <a:fillRect/>
+          </a:stretch>
+        </p:blipFill>
+        <p:spPr>
+          <a:xfrm>
+            <a:off x="3077210" y="1332230"/>
+            <a:ext cx="281940" cy="281940"/>
+          </a:xfrm>
+          <a:prstGeom prst="rect">
+            <a:avLst/>
+          </a:prstGeom>
+        </p:spPr>
+      </p:pic>
+      <p:cxnSp>
+        <p:nvCxnSpPr>
+          <p:cNvPr id="13" name="直接连接符 12"/>
+          <p:cNvCxnSpPr/>
+          <p:nvPr/>
+        </p:nvCxnSpPr>
+        <p:spPr>
+          <a:xfrm>
+            <a:off x="3493135" y="1330325"/>
+            <a:ext cx="0" cy="322580"/>
+          </a:xfrm>
+          <a:prstGeom prst="line">
+            <a:avLst/>
+          </a:prstGeom>
+        </p:spPr>
+        <p:style>
+          <a:lnRef idx="1">
+            <a:schemeClr val="accent1"/>
+          </a:lnRef>
+          <a:fillRef idx="0">
+            <a:schemeClr val="accent1"/>
+          </a:fillRef>
+          <a:effectRef idx="0">
+            <a:schemeClr val="accent1"/>
+          </a:effectRef>
+          <a:fontRef idx="minor">
+            <a:schemeClr val="tx1"/>
+          </a:fontRef>
+        </p:style>
+      </p:cxnSp>
+      <p:sp>
+        <p:nvSpPr>
+          <p:cNvPr id="14" name="文本框 13"/>
+          <p:cNvSpPr txBox="1"/>
+          <p:nvPr/>
+        </p:nvSpPr>
+        <p:spPr>
+          <a:xfrm>
+            <a:off x="3573780" y="1369060"/>
+            <a:ext cx="436880" cy="245110"/>
+          </a:xfrm>
+          <a:prstGeom prst="rect">
+            <a:avLst/>
+          </a:prstGeom>
+          <a:noFill/>
+        </p:spPr>
+        <p:txBody>
+          <a:bodyPr wrap="none" rtlCol="0">
+            <a:spAutoFit/>
+          </a:bodyPr>
+          <a:p>
+            <a:r>
+              <a:rPr lang="zh-CN" altLang="en-US" sz="1000"/>
+              <a:t>筛选</a:t>
+            </a:r>
+            <a:endParaRPr lang="zh-CN" altLang="en-US" sz="1000"/>
+          </a:p>
+        </p:txBody>
+      </p:sp>
+      <p:sp>
+        <p:nvSpPr>
+          <p:cNvPr id="15" name="圆角矩形 14"/>
+          <p:cNvSpPr/>
+          <p:nvPr/>
+        </p:nvSpPr>
+        <p:spPr>
+          <a:xfrm>
+            <a:off x="1042670" y="1743075"/>
+            <a:ext cx="3086735" cy="1033145"/>
+          </a:xfrm>
+          <a:prstGeom prst="roundRect">
+            <a:avLst/>
+          </a:prstGeom>
+          <a:noFill/>
+          <a:extLst>
+            <a:ext uri="{909E8E84-426E-40DD-AFC4-6F175D3DCCD1}">
+              <a14:hiddenFill xmlns:a14="http://schemas.microsoft.com/office/drawing/2010/main">
+                <a:solidFill>
+                  <a:schemeClr val="bg1"/>
+                </a:solidFill>
+              </a14:hiddenFill>
+            </a:ext>
+          </a:extLst>
+        </p:spPr>
+        <p:style>
+          <a:lnRef idx="2">
+            <a:schemeClr val="accent1">
+              <a:shade val="50000"/>
+            </a:schemeClr>
+          </a:lnRef>
+          <a:fillRef idx="1">
+            <a:schemeClr val="accent1"/>
+          </a:fillRef>
+          <a:effectRef idx="0">
+            <a:schemeClr val="accent1"/>
+          </a:effectRef>
+          <a:fontRef idx="minor">
+            <a:schemeClr val="lt1"/>
+          </a:fontRef>
+        </p:style>
+        <p:txBody>
+          <a:bodyPr rtlCol="0" anchor="ctr"/>
+          <a:p>
+            <a:pPr algn="ctr"/>
+            <a:endParaRPr lang="zh-CN" altLang="en-US"/>
+          </a:p>
+        </p:txBody>
+      </p:sp>
+      <p:sp>
+        <p:nvSpPr>
+          <p:cNvPr id="16" name="圆角矩形 15"/>
+          <p:cNvSpPr/>
+          <p:nvPr/>
+        </p:nvSpPr>
+        <p:spPr>
+          <a:xfrm>
+            <a:off x="1027430" y="2769870"/>
+            <a:ext cx="3086735" cy="1033145"/>
+          </a:xfrm>
+          <a:prstGeom prst="roundRect">
+            <a:avLst/>
+          </a:prstGeom>
+          <a:noFill/>
+          <a:extLst>
+            <a:ext uri="{909E8E84-426E-40DD-AFC4-6F175D3DCCD1}">
+              <a14:hiddenFill xmlns:a14="http://schemas.microsoft.com/office/drawing/2010/main">
+                <a:solidFill>
+                  <a:schemeClr val="bg1"/>
+                </a:solidFill>
+              </a14:hiddenFill>
+            </a:ext>
+          </a:extLst>
+        </p:spPr>
+        <p:style>
+          <a:lnRef idx="2">
+            <a:schemeClr val="accent1">
+              <a:shade val="50000"/>
+            </a:schemeClr>
+          </a:lnRef>
+          <a:fillRef idx="1">
+            <a:schemeClr val="accent1"/>
+          </a:fillRef>
+          <a:effectRef idx="0">
+            <a:schemeClr val="accent1"/>
+          </a:effectRef>
+          <a:fontRef idx="minor">
+            <a:schemeClr val="lt1"/>
+          </a:fontRef>
+        </p:style>
+        <p:txBody>
+          <a:bodyPr rtlCol="0" anchor="ctr"/>
+          <a:p>
+            <a:pPr algn="ctr"/>
+            <a:endParaRPr lang="zh-CN" altLang="en-US"/>
+          </a:p>
+        </p:txBody>
+      </p:sp>
+      <p:sp>
+        <p:nvSpPr>
+          <p:cNvPr id="17" name="圆角矩形 16"/>
+          <p:cNvSpPr/>
+          <p:nvPr/>
+        </p:nvSpPr>
+        <p:spPr>
+          <a:xfrm>
+            <a:off x="1039495" y="3803015"/>
+            <a:ext cx="3086735" cy="1033145"/>
+          </a:xfrm>
+          <a:prstGeom prst="roundRect">
+            <a:avLst/>
+          </a:prstGeom>
+          <a:noFill/>
+          <a:extLst>
+            <a:ext uri="{909E8E84-426E-40DD-AFC4-6F175D3DCCD1}">
+              <a14:hiddenFill xmlns:a14="http://schemas.microsoft.com/office/drawing/2010/main">
+                <a:solidFill>
+                  <a:schemeClr val="bg1"/>
+                </a:solidFill>
+              </a14:hiddenFill>
+            </a:ext>
+          </a:extLst>
+        </p:spPr>
+        <p:style>
+          <a:lnRef idx="2">
+            <a:schemeClr val="accent1">
+              <a:shade val="50000"/>
+            </a:schemeClr>
+          </a:lnRef>
+          <a:fillRef idx="1">
+            <a:schemeClr val="accent1"/>
+          </a:fillRef>
+          <a:effectRef idx="0">
+            <a:schemeClr val="accent1"/>
+          </a:effectRef>
+          <a:fontRef idx="minor">
+            <a:schemeClr val="lt1"/>
+          </a:fontRef>
+        </p:style>
+        <p:txBody>
+          <a:bodyPr rtlCol="0" anchor="ctr"/>
+          <a:p>
+            <a:pPr algn="ctr"/>
+            <a:endParaRPr lang="zh-CN" altLang="en-US"/>
+          </a:p>
+        </p:txBody>
+      </p:sp>
+      <p:sp>
+        <p:nvSpPr>
+          <p:cNvPr id="18" name="圆角矩形 17"/>
+          <p:cNvSpPr/>
+          <p:nvPr/>
+        </p:nvSpPr>
+        <p:spPr>
+          <a:xfrm>
+            <a:off x="1027430" y="4836160"/>
+            <a:ext cx="3086735" cy="1033145"/>
+          </a:xfrm>
+          <a:prstGeom prst="roundRect">
+            <a:avLst/>
+          </a:prstGeom>
+          <a:noFill/>
+          <a:extLst>
+            <a:ext uri="{909E8E84-426E-40DD-AFC4-6F175D3DCCD1}">
+              <a14:hiddenFill xmlns:a14="http://schemas.microsoft.com/office/drawing/2010/main">
+                <a:solidFill>
+                  <a:schemeClr val="bg1"/>
+                </a:solidFill>
+              </a14:hiddenFill>
+            </a:ext>
+          </a:extLst>
+        </p:spPr>
+        <p:style>
+          <a:lnRef idx="2">
+            <a:schemeClr val="accent1">
+              <a:shade val="50000"/>
+            </a:schemeClr>
+          </a:lnRef>
+          <a:fillRef idx="1">
+            <a:schemeClr val="accent1"/>
+          </a:fillRef>
+          <a:effectRef idx="0">
+            <a:schemeClr val="accent1"/>
+          </a:effectRef>
+          <a:fontRef idx="minor">
+            <a:schemeClr val="lt1"/>
+          </a:fontRef>
+        </p:style>
+        <p:txBody>
+          <a:bodyPr rtlCol="0" anchor="ctr"/>
+          <a:p>
+            <a:pPr algn="ctr"/>
+            <a:endParaRPr lang="zh-CN" altLang="en-US"/>
+          </a:p>
+        </p:txBody>
+      </p:sp>
+      <p:cxnSp>
+        <p:nvCxnSpPr>
+          <p:cNvPr id="19" name="直接连接符 18"/>
+          <p:cNvCxnSpPr/>
+          <p:nvPr/>
+        </p:nvCxnSpPr>
+        <p:spPr>
+          <a:xfrm>
+            <a:off x="1039495" y="5927725"/>
+            <a:ext cx="3112135" cy="0"/>
+          </a:xfrm>
+          <a:prstGeom prst="line">
+            <a:avLst/>
+          </a:prstGeom>
+        </p:spPr>
+        <p:style>
+          <a:lnRef idx="1">
+            <a:schemeClr val="accent1"/>
+          </a:lnRef>
+          <a:fillRef idx="0">
+            <a:schemeClr val="accent1"/>
+          </a:fillRef>
+          <a:effectRef idx="0">
+            <a:schemeClr val="accent1"/>
+          </a:effectRef>
+          <a:fontRef idx="minor">
+            <a:schemeClr val="tx1"/>
+          </a:fontRef>
+        </p:style>
+      </p:cxnSp>
+      <p:sp>
+        <p:nvSpPr>
+          <p:cNvPr id="20" name="竖卷形 19"/>
+          <p:cNvSpPr/>
+          <p:nvPr/>
+        </p:nvSpPr>
+        <p:spPr>
+          <a:xfrm>
+            <a:off x="1183640" y="1823720"/>
+            <a:ext cx="607060" cy="684530"/>
+          </a:xfrm>
+          <a:prstGeom prst="verticalScroll">
+            <a:avLst/>
+          </a:prstGeom>
+          <a:solidFill>
+            <a:srgbClr val="FFFF00"/>
+          </a:solidFill>
+        </p:spPr>
+        <p:style>
+          <a:lnRef idx="2">
+            <a:schemeClr val="accent1">
+              <a:shade val="50000"/>
+            </a:schemeClr>
+          </a:lnRef>
+          <a:fillRef idx="1">
+            <a:schemeClr val="accent1"/>
+          </a:fillRef>
+          <a:effectRef idx="0">
+            <a:schemeClr val="accent1"/>
+          </a:effectRef>
+          <a:fontRef idx="minor">
+            <a:schemeClr val="lt1"/>
+          </a:fontRef>
+        </p:style>
+        <p:txBody>
+          <a:bodyPr rtlCol="0" anchor="ctr"/>
+          <a:p>
+            <a:pPr algn="ctr"/>
+            <a:endParaRPr lang="zh-CN" altLang="en-US"/>
+          </a:p>
+        </p:txBody>
+      </p:sp>
+      <p:sp>
+        <p:nvSpPr>
+          <p:cNvPr id="21" name="文本框 20"/>
+          <p:cNvSpPr txBox="1"/>
+          <p:nvPr/>
+        </p:nvSpPr>
+        <p:spPr>
+          <a:xfrm>
+            <a:off x="2035175" y="1823720"/>
+            <a:ext cx="995680" cy="337185"/>
+          </a:xfrm>
+          <a:prstGeom prst="rect">
+            <a:avLst/>
+          </a:prstGeom>
+          <a:noFill/>
+        </p:spPr>
+        <p:txBody>
+          <a:bodyPr wrap="none" rtlCol="0">
+            <a:spAutoFit/>
+          </a:bodyPr>
+          <a:p>
+            <a:r>
+              <a:rPr lang="zh-CN" altLang="en-US" sz="1600"/>
+              <a:t>图书名称</a:t>
+            </a:r>
+            <a:endParaRPr lang="zh-CN" altLang="en-US" sz="1600"/>
+          </a:p>
+        </p:txBody>
+      </p:sp>
+      <p:sp>
+        <p:nvSpPr>
+          <p:cNvPr id="22" name="文本框 21"/>
+          <p:cNvSpPr txBox="1"/>
+          <p:nvPr/>
+        </p:nvSpPr>
+        <p:spPr>
+          <a:xfrm>
+            <a:off x="2035175" y="2226945"/>
+            <a:ext cx="875030" cy="398780"/>
+          </a:xfrm>
+          <a:prstGeom prst="rect">
+            <a:avLst/>
+          </a:prstGeom>
+          <a:noFill/>
+        </p:spPr>
+        <p:txBody>
+          <a:bodyPr wrap="none" rtlCol="0">
+            <a:spAutoFit/>
+          </a:bodyPr>
+          <a:p>
+            <a:r>
+              <a:rPr lang="zh-CN" altLang="en-US" sz="1000"/>
+              <a:t>作者</a:t>
+            </a:r>
+            <a:endParaRPr lang="zh-CN" altLang="en-US" sz="1000"/>
+          </a:p>
+          <a:p>
+            <a:r>
+              <a:rPr lang="zh-CN" altLang="en-US" sz="1000"/>
+              <a:t>出版社  时间</a:t>
+            </a:r>
+            <a:endParaRPr lang="zh-CN" altLang="en-US" sz="1000"/>
+          </a:p>
+        </p:txBody>
+      </p:sp>
+      <p:sp>
+        <p:nvSpPr>
+          <p:cNvPr id="23" name="椭圆 22"/>
+          <p:cNvSpPr/>
+          <p:nvPr/>
+        </p:nvSpPr>
+        <p:spPr>
+          <a:xfrm>
+            <a:off x="3359150" y="1891030"/>
+            <a:ext cx="593725" cy="490855"/>
+          </a:xfrm>
+          <a:prstGeom prst="ellipse">
+            <a:avLst/>
+          </a:prstGeom>
+        </p:spPr>
+        <p:style>
+          <a:lnRef idx="3">
+            <a:schemeClr val="lt1"/>
+          </a:lnRef>
+          <a:fillRef idx="1">
+            <a:schemeClr val="accent6"/>
+          </a:fillRef>
+          <a:effectRef idx="1">
+            <a:schemeClr val="accent6"/>
+          </a:effectRef>
+          <a:fontRef idx="minor">
+            <a:schemeClr val="lt1"/>
+          </a:fontRef>
+        </p:style>
+        <p:txBody>
+          <a:bodyPr rtlCol="0" anchor="ctr"/>
+          <a:p>
+            <a:pPr algn="ctr"/>
+            <a:endParaRPr lang="zh-CN" altLang="en-US"/>
+          </a:p>
+        </p:txBody>
+      </p:sp>
+      <p:sp>
+        <p:nvSpPr>
+          <p:cNvPr id="25" name="文本框 24"/>
+          <p:cNvSpPr txBox="1"/>
+          <p:nvPr/>
+        </p:nvSpPr>
+        <p:spPr>
+          <a:xfrm>
+            <a:off x="3437255" y="2014220"/>
+            <a:ext cx="436880" cy="245110"/>
+          </a:xfrm>
+          <a:prstGeom prst="rect">
+            <a:avLst/>
+          </a:prstGeom>
+          <a:noFill/>
+        </p:spPr>
+        <p:txBody>
+          <a:bodyPr wrap="none" rtlCol="0">
+            <a:spAutoFit/>
+          </a:bodyPr>
+          <a:p>
+            <a:r>
+              <a:rPr lang="zh-CN" altLang="en-US" sz="1000"/>
+              <a:t>头像</a:t>
+            </a:r>
+            <a:endParaRPr lang="zh-CN" altLang="en-US" sz="1000"/>
+          </a:p>
+        </p:txBody>
+      </p:sp>
+      <p:sp>
+        <p:nvSpPr>
+          <p:cNvPr id="26" name="文本框 25"/>
+          <p:cNvSpPr txBox="1"/>
+          <p:nvPr/>
+        </p:nvSpPr>
+        <p:spPr>
+          <a:xfrm>
+            <a:off x="1932940" y="6083300"/>
+            <a:ext cx="1332230" cy="368300"/>
+          </a:xfrm>
+          <a:prstGeom prst="rect">
+            <a:avLst/>
+          </a:prstGeom>
+          <a:noFill/>
+        </p:spPr>
+        <p:txBody>
+          <a:bodyPr wrap="none" rtlCol="0">
+            <a:spAutoFit/>
+          </a:bodyPr>
+          <a:p>
+            <a:r>
+              <a:rPr lang="zh-CN" altLang="en-US" b="1"/>
+              <a:t>底部导航栏</a:t>
+            </a:r>
+            <a:endParaRPr lang="zh-CN" altLang="en-US" b="1"/>
+          </a:p>
+        </p:txBody>
+      </p:sp>
+      <p:cxnSp>
+        <p:nvCxnSpPr>
+          <p:cNvPr id="27" name="直接连接符 26"/>
+          <p:cNvCxnSpPr/>
+          <p:nvPr/>
+        </p:nvCxnSpPr>
+        <p:spPr>
+          <a:xfrm flipV="1">
+            <a:off x="4646295" y="2375535"/>
+            <a:ext cx="3082925" cy="6350"/>
+          </a:xfrm>
+          <a:prstGeom prst="line">
+            <a:avLst/>
+          </a:prstGeom>
+        </p:spPr>
+        <p:style>
+          <a:lnRef idx="1">
+            <a:schemeClr val="accent1"/>
+          </a:lnRef>
+          <a:fillRef idx="0">
+            <a:schemeClr val="accent1"/>
+          </a:fillRef>
+          <a:effectRef idx="0">
+            <a:schemeClr val="accent1"/>
+          </a:effectRef>
+          <a:fontRef idx="minor">
+            <a:schemeClr val="tx1"/>
+          </a:fontRef>
+        </p:style>
+      </p:cxnSp>
+      <p:sp>
+        <p:nvSpPr>
+          <p:cNvPr id="29" name="竖卷形 28"/>
+          <p:cNvSpPr/>
+          <p:nvPr/>
+        </p:nvSpPr>
+        <p:spPr>
+          <a:xfrm>
+            <a:off x="4899025" y="1476375"/>
+            <a:ext cx="607060" cy="684530"/>
+          </a:xfrm>
+          <a:prstGeom prst="verticalScroll">
+            <a:avLst/>
+          </a:prstGeom>
+          <a:solidFill>
+            <a:srgbClr val="FFFF00"/>
+          </a:solidFill>
+        </p:spPr>
+        <p:style>
+          <a:lnRef idx="2">
+            <a:schemeClr val="accent1">
+              <a:shade val="50000"/>
+            </a:schemeClr>
+          </a:lnRef>
+          <a:fillRef idx="1">
+            <a:schemeClr val="accent1"/>
+          </a:fillRef>
+          <a:effectRef idx="0">
+            <a:schemeClr val="accent1"/>
+          </a:effectRef>
+          <a:fontRef idx="minor">
+            <a:schemeClr val="lt1"/>
+          </a:fontRef>
+        </p:style>
+        <p:txBody>
+          <a:bodyPr rtlCol="0" anchor="ctr"/>
+          <a:p>
+            <a:pPr algn="ctr"/>
+            <a:endParaRPr lang="zh-CN" altLang="en-US"/>
+          </a:p>
+        </p:txBody>
+      </p:sp>
+      <p:sp>
+        <p:nvSpPr>
+          <p:cNvPr id="30" name="文本框 29"/>
+          <p:cNvSpPr txBox="1"/>
+          <p:nvPr/>
+        </p:nvSpPr>
+        <p:spPr>
+          <a:xfrm>
+            <a:off x="4913630" y="1614170"/>
+            <a:ext cx="592455" cy="521970"/>
+          </a:xfrm>
+          <a:prstGeom prst="rect">
+            <a:avLst/>
+          </a:prstGeom>
+          <a:noFill/>
+        </p:spPr>
+        <p:txBody>
+          <a:bodyPr wrap="square" rtlCol="0">
+            <a:spAutoFit/>
+          </a:bodyPr>
+          <a:p>
+            <a:r>
+              <a:rPr lang="zh-CN" altLang="en-US" sz="1400" b="1"/>
+              <a:t>图书图片</a:t>
+            </a:r>
+            <a:endParaRPr lang="zh-CN" altLang="en-US" sz="1400" b="1"/>
+          </a:p>
+        </p:txBody>
+      </p:sp>
+      <p:sp>
+        <p:nvSpPr>
+          <p:cNvPr id="31" name="文本框 30"/>
+          <p:cNvSpPr txBox="1"/>
+          <p:nvPr/>
+        </p:nvSpPr>
+        <p:spPr>
+          <a:xfrm>
+            <a:off x="1198245" y="1905000"/>
+            <a:ext cx="592455" cy="521970"/>
+          </a:xfrm>
+          <a:prstGeom prst="rect">
+            <a:avLst/>
+          </a:prstGeom>
+          <a:noFill/>
+        </p:spPr>
+        <p:txBody>
+          <a:bodyPr wrap="square" rtlCol="0">
+            <a:spAutoFit/>
+          </a:bodyPr>
+          <a:p>
+            <a:r>
+              <a:rPr lang="zh-CN" altLang="en-US" sz="1400" b="1"/>
+              <a:t>图书图片</a:t>
+            </a:r>
+            <a:endParaRPr lang="zh-CN" altLang="en-US" sz="1400" b="1"/>
+          </a:p>
+        </p:txBody>
+      </p:sp>
+      <p:sp>
+        <p:nvSpPr>
+          <p:cNvPr id="32" name="文本框 31"/>
+          <p:cNvSpPr txBox="1"/>
+          <p:nvPr/>
+        </p:nvSpPr>
+        <p:spPr>
+          <a:xfrm>
+            <a:off x="5683885" y="1405890"/>
+            <a:ext cx="995680" cy="337185"/>
+          </a:xfrm>
+          <a:prstGeom prst="rect">
+            <a:avLst/>
+          </a:prstGeom>
+          <a:noFill/>
+        </p:spPr>
+        <p:txBody>
+          <a:bodyPr wrap="none" rtlCol="0">
+            <a:spAutoFit/>
+          </a:bodyPr>
+          <a:p>
+            <a:r>
+              <a:rPr lang="zh-CN" altLang="en-US" sz="1600"/>
+              <a:t>图书名称</a:t>
+            </a:r>
+            <a:endParaRPr lang="zh-CN" altLang="en-US" sz="1600"/>
+          </a:p>
+        </p:txBody>
+      </p:sp>
+      <p:sp>
+        <p:nvSpPr>
+          <p:cNvPr id="33" name="文本框 32"/>
+          <p:cNvSpPr txBox="1"/>
+          <p:nvPr/>
+        </p:nvSpPr>
+        <p:spPr>
+          <a:xfrm>
+            <a:off x="6941185" y="1436370"/>
+            <a:ext cx="487680" cy="275590"/>
+          </a:xfrm>
+          <a:prstGeom prst="rect">
+            <a:avLst/>
+          </a:prstGeom>
+          <a:noFill/>
+        </p:spPr>
+        <p:txBody>
+          <a:bodyPr wrap="none" rtlCol="0">
+            <a:spAutoFit/>
+          </a:bodyPr>
+          <a:p>
+            <a:r>
+              <a:rPr lang="zh-CN" altLang="en-US" sz="1200"/>
+              <a:t>标签</a:t>
+            </a:r>
+            <a:endParaRPr lang="zh-CN" altLang="en-US" sz="1200"/>
+          </a:p>
+        </p:txBody>
+      </p:sp>
+      <p:sp>
+        <p:nvSpPr>
+          <p:cNvPr id="34" name="文本框 33"/>
+          <p:cNvSpPr txBox="1"/>
+          <p:nvPr/>
+        </p:nvSpPr>
+        <p:spPr>
+          <a:xfrm>
+            <a:off x="4882515" y="2494280"/>
+            <a:ext cx="641985" cy="275590"/>
+          </a:xfrm>
+          <a:prstGeom prst="rect">
+            <a:avLst/>
+          </a:prstGeom>
+          <a:noFill/>
+        </p:spPr>
+        <p:txBody>
+          <a:bodyPr wrap="none" rtlCol="0">
+            <a:spAutoFit/>
+          </a:bodyPr>
+          <a:p>
+            <a:r>
+              <a:rPr lang="zh-CN" altLang="en-US" sz="1200" b="1"/>
+              <a:t>分享人</a:t>
+            </a:r>
+            <a:endParaRPr lang="zh-CN" altLang="en-US" sz="1200" b="1"/>
+          </a:p>
+        </p:txBody>
+      </p:sp>
+      <p:sp>
+        <p:nvSpPr>
+          <p:cNvPr id="35" name="文本框 34"/>
+          <p:cNvSpPr txBox="1"/>
+          <p:nvPr/>
+        </p:nvSpPr>
+        <p:spPr>
+          <a:xfrm>
+            <a:off x="4984115" y="3009265"/>
+            <a:ext cx="436880" cy="245110"/>
+          </a:xfrm>
+          <a:prstGeom prst="rect">
+            <a:avLst/>
+          </a:prstGeom>
+          <a:noFill/>
+        </p:spPr>
+        <p:txBody>
+          <a:bodyPr wrap="none" rtlCol="0">
+            <a:spAutoFit/>
+          </a:bodyPr>
+          <a:p>
+            <a:r>
+              <a:rPr lang="zh-CN" altLang="en-US" sz="1000"/>
+              <a:t>头像</a:t>
+            </a:r>
+            <a:endParaRPr lang="zh-CN" altLang="en-US" sz="1000"/>
+          </a:p>
+        </p:txBody>
+      </p:sp>
+      <p:sp>
+        <p:nvSpPr>
+          <p:cNvPr id="37" name="文本框 36"/>
+          <p:cNvSpPr txBox="1"/>
+          <p:nvPr/>
+        </p:nvSpPr>
+        <p:spPr>
+          <a:xfrm>
+            <a:off x="5683885" y="2625725"/>
+            <a:ext cx="720090" cy="306705"/>
+          </a:xfrm>
+          <a:prstGeom prst="rect">
+            <a:avLst/>
+          </a:prstGeom>
+          <a:noFill/>
+        </p:spPr>
+        <p:txBody>
+          <a:bodyPr wrap="none" rtlCol="0">
+            <a:spAutoFit/>
+          </a:bodyPr>
+          <a:p>
+            <a:r>
+              <a:rPr lang="zh-CN" altLang="en-US" sz="1400" b="1"/>
+              <a:t>用户名</a:t>
+            </a:r>
+            <a:endParaRPr lang="zh-CN" altLang="en-US" sz="1400" b="1"/>
+          </a:p>
+        </p:txBody>
+      </p:sp>
+      <p:cxnSp>
+        <p:nvCxnSpPr>
+          <p:cNvPr id="38" name="直接连接符 37"/>
+          <p:cNvCxnSpPr>
+            <a:stCxn id="8" idx="1"/>
+            <a:endCxn id="8" idx="3"/>
+          </p:cNvCxnSpPr>
+          <p:nvPr/>
+        </p:nvCxnSpPr>
+        <p:spPr>
+          <a:xfrm>
+            <a:off x="4646295" y="3622040"/>
+            <a:ext cx="3071495" cy="0"/>
+          </a:xfrm>
+          <a:prstGeom prst="line">
+            <a:avLst/>
+          </a:prstGeom>
+        </p:spPr>
+        <p:style>
+          <a:lnRef idx="1">
+            <a:schemeClr val="accent1"/>
+          </a:lnRef>
+          <a:fillRef idx="0">
+            <a:schemeClr val="accent1"/>
+          </a:fillRef>
+          <a:effectRef idx="0">
+            <a:schemeClr val="accent1"/>
+          </a:effectRef>
+          <a:fontRef idx="minor">
+            <a:schemeClr val="tx1"/>
+          </a:fontRef>
+        </p:style>
+      </p:cxnSp>
+      <p:sp>
+        <p:nvSpPr>
+          <p:cNvPr id="39" name="圆角矩形 38"/>
+          <p:cNvSpPr/>
+          <p:nvPr/>
+        </p:nvSpPr>
+        <p:spPr>
+          <a:xfrm>
+            <a:off x="5753735" y="2932430"/>
+            <a:ext cx="684530" cy="154940"/>
+          </a:xfrm>
+          <a:prstGeom prst="roundRect">
+            <a:avLst/>
+          </a:prstGeom>
+          <a:noFill/>
+          <a:extLst>
+            <a:ext uri="{909E8E84-426E-40DD-AFC4-6F175D3DCCD1}">
+              <a14:hiddenFill xmlns:a14="http://schemas.microsoft.com/office/drawing/2010/main">
+                <a:solidFill>
+                  <a:schemeClr val="accent1"/>
+                </a:solidFill>
+              </a14:hiddenFill>
+            </a:ext>
+          </a:extLst>
+        </p:spPr>
+        <p:style>
+          <a:lnRef idx="2">
+            <a:schemeClr val="accent1">
+              <a:shade val="50000"/>
+            </a:schemeClr>
+          </a:lnRef>
+          <a:fillRef idx="1">
+            <a:schemeClr val="accent1"/>
+          </a:fillRef>
+          <a:effectRef idx="0">
+            <a:schemeClr val="accent1"/>
+          </a:effectRef>
+          <a:fontRef idx="minor">
+            <a:schemeClr val="lt1"/>
+          </a:fontRef>
+        </p:style>
+        <p:txBody>
+          <a:bodyPr rtlCol="0" anchor="ctr"/>
+          <a:p>
+            <a:pPr algn="ctr"/>
+            <a:endParaRPr lang="zh-CN" altLang="en-US"/>
+          </a:p>
+        </p:txBody>
+      </p:sp>
+      <p:sp>
+        <p:nvSpPr>
+          <p:cNvPr id="40" name="文本框 39"/>
+          <p:cNvSpPr txBox="1"/>
+          <p:nvPr/>
+        </p:nvSpPr>
+        <p:spPr>
+          <a:xfrm>
+            <a:off x="5696585" y="2886075"/>
+            <a:ext cx="719455" cy="245110"/>
+          </a:xfrm>
+          <a:prstGeom prst="rect">
+            <a:avLst/>
+          </a:prstGeom>
+          <a:noFill/>
+        </p:spPr>
+        <p:txBody>
+          <a:bodyPr wrap="square" rtlCol="0">
+            <a:spAutoFit/>
+          </a:bodyPr>
+          <a:p>
+            <a:r>
+              <a:rPr lang="zh-CN" altLang="en-US" sz="1000"/>
+              <a:t>性别 年代</a:t>
+            </a:r>
+            <a:endParaRPr lang="zh-CN" altLang="en-US" sz="1000"/>
+          </a:p>
+        </p:txBody>
+      </p:sp>
+      <p:sp>
+        <p:nvSpPr>
+          <p:cNvPr id="41" name="文本框 40"/>
+          <p:cNvSpPr txBox="1"/>
+          <p:nvPr/>
+        </p:nvSpPr>
+        <p:spPr>
+          <a:xfrm>
+            <a:off x="5699760" y="3131185"/>
+            <a:ext cx="795020" cy="275590"/>
+          </a:xfrm>
+          <a:prstGeom prst="rect">
+            <a:avLst/>
+          </a:prstGeom>
+          <a:noFill/>
+        </p:spPr>
+        <p:txBody>
+          <a:bodyPr wrap="none" rtlCol="0">
+            <a:spAutoFit/>
+          </a:bodyPr>
+          <a:p>
+            <a:r>
+              <a:rPr lang="zh-CN" altLang="en-US" sz="1200" b="1"/>
+              <a:t>个性签名</a:t>
+            </a:r>
+            <a:endParaRPr lang="zh-CN" altLang="en-US" sz="1200" b="1"/>
+          </a:p>
+        </p:txBody>
+      </p:sp>
+      <p:sp>
+        <p:nvSpPr>
+          <p:cNvPr id="42" name="文本框 41"/>
+          <p:cNvSpPr txBox="1"/>
+          <p:nvPr/>
+        </p:nvSpPr>
+        <p:spPr>
+          <a:xfrm>
+            <a:off x="6798945" y="2825750"/>
+            <a:ext cx="720090" cy="306705"/>
+          </a:xfrm>
+          <a:prstGeom prst="rect">
+            <a:avLst/>
+          </a:prstGeom>
+          <a:noFill/>
+        </p:spPr>
+        <p:txBody>
+          <a:bodyPr wrap="none" rtlCol="0">
+            <a:spAutoFit/>
+          </a:bodyPr>
+          <a:p>
+            <a:r>
+              <a:rPr lang="zh-CN" altLang="en-US" sz="1400" b="1"/>
+              <a:t>信任值</a:t>
+            </a:r>
+            <a:endParaRPr lang="zh-CN" altLang="en-US" sz="1400" b="1"/>
+          </a:p>
+        </p:txBody>
+      </p:sp>
+      <p:sp>
+        <p:nvSpPr>
+          <p:cNvPr id="43" name="文本框 42"/>
+          <p:cNvSpPr txBox="1"/>
+          <p:nvPr/>
+        </p:nvSpPr>
+        <p:spPr>
+          <a:xfrm>
+            <a:off x="5753735" y="1951355"/>
+            <a:ext cx="795020" cy="275590"/>
+          </a:xfrm>
+          <a:prstGeom prst="rect">
+            <a:avLst/>
+          </a:prstGeom>
+          <a:noFill/>
+        </p:spPr>
+        <p:txBody>
+          <a:bodyPr wrap="none" rtlCol="0">
+            <a:spAutoFit/>
+          </a:bodyPr>
+          <a:p>
+            <a:r>
+              <a:rPr lang="zh-CN" altLang="en-US" sz="1200" b="1"/>
+              <a:t>需要归还</a:t>
+            </a:r>
+            <a:endParaRPr lang="zh-CN" altLang="en-US" sz="1200" b="1"/>
+          </a:p>
+        </p:txBody>
+      </p:sp>
+      <p:sp>
+        <p:nvSpPr>
+          <p:cNvPr id="44" name="文本框 43"/>
+          <p:cNvSpPr txBox="1"/>
+          <p:nvPr/>
+        </p:nvSpPr>
+        <p:spPr>
+          <a:xfrm>
+            <a:off x="4800600" y="3699510"/>
+            <a:ext cx="795020" cy="275590"/>
+          </a:xfrm>
+          <a:prstGeom prst="rect">
+            <a:avLst/>
+          </a:prstGeom>
+          <a:noFill/>
+        </p:spPr>
+        <p:txBody>
+          <a:bodyPr wrap="none" rtlCol="0">
+            <a:spAutoFit/>
+          </a:bodyPr>
+          <a:p>
+            <a:r>
+              <a:rPr lang="zh-CN" altLang="en-US" sz="1200" b="1"/>
+              <a:t>图书简介</a:t>
+            </a:r>
+            <a:endParaRPr lang="zh-CN" altLang="en-US" sz="1200" b="1"/>
+          </a:p>
+        </p:txBody>
+      </p:sp>
+      <p:sp>
+        <p:nvSpPr>
+          <p:cNvPr id="45" name="同侧圆角矩形 44"/>
+          <p:cNvSpPr/>
+          <p:nvPr/>
+        </p:nvSpPr>
+        <p:spPr>
+          <a:xfrm>
+            <a:off x="4732655" y="4067175"/>
+            <a:ext cx="2867660" cy="891540"/>
+          </a:xfrm>
+          <a:prstGeom prst="round2SameRect">
+            <a:avLst/>
+          </a:prstGeom>
+          <a:solidFill>
+            <a:srgbClr val="000000">
+              <a:alpha val="0"/>
+            </a:srgbClr>
+          </a:solidFill>
+        </p:spPr>
+        <p:style>
+          <a:lnRef idx="2">
+            <a:schemeClr val="accent1">
+              <a:shade val="50000"/>
+            </a:schemeClr>
+          </a:lnRef>
+          <a:fillRef idx="1">
+            <a:schemeClr val="accent1"/>
+          </a:fillRef>
+          <a:effectRef idx="0">
+            <a:schemeClr val="accent1"/>
+          </a:effectRef>
+          <a:fontRef idx="minor">
+            <a:schemeClr val="lt1"/>
+          </a:fontRef>
+        </p:style>
+        <p:txBody>
+          <a:bodyPr rtlCol="0" anchor="ctr"/>
+          <a:p>
+            <a:pPr algn="ctr"/>
+            <a:endParaRPr lang="zh-CN" altLang="en-US"/>
+          </a:p>
+        </p:txBody>
+      </p:sp>
+      <p:cxnSp>
+        <p:nvCxnSpPr>
+          <p:cNvPr id="46" name="直接连接符 45"/>
+          <p:cNvCxnSpPr/>
+          <p:nvPr/>
+        </p:nvCxnSpPr>
+        <p:spPr>
+          <a:xfrm>
+            <a:off x="4642485" y="5320665"/>
+            <a:ext cx="3048000" cy="0"/>
+          </a:xfrm>
+          <a:prstGeom prst="line">
+            <a:avLst/>
+          </a:prstGeom>
+        </p:spPr>
+        <p:style>
+          <a:lnRef idx="1">
+            <a:schemeClr val="accent1"/>
+          </a:lnRef>
+          <a:fillRef idx="0">
+            <a:schemeClr val="accent1"/>
+          </a:fillRef>
+          <a:effectRef idx="0">
+            <a:schemeClr val="accent1"/>
+          </a:effectRef>
+          <a:fontRef idx="minor">
+            <a:schemeClr val="tx1"/>
+          </a:fontRef>
+        </p:style>
+      </p:cxnSp>
+      <p:sp>
+        <p:nvSpPr>
+          <p:cNvPr id="47" name="流程图: 多文档 46"/>
+          <p:cNvSpPr/>
+          <p:nvPr/>
+        </p:nvSpPr>
+        <p:spPr>
+          <a:xfrm>
+            <a:off x="4939665" y="5694680"/>
+            <a:ext cx="481965" cy="388620"/>
+          </a:xfrm>
+          <a:prstGeom prst="flowChartMultidocument">
+            <a:avLst/>
+          </a:prstGeom>
+          <a:noFill/>
+          <a:extLst>
+            <a:ext uri="{909E8E84-426E-40DD-AFC4-6F175D3DCCD1}">
+              <a14:hiddenFill xmlns:a14="http://schemas.microsoft.com/office/drawing/2010/main">
+                <a:solidFill>
+                  <a:schemeClr val="accent1"/>
+                </a:solidFill>
+              </a14:hiddenFill>
+            </a:ext>
+          </a:extLst>
+        </p:spPr>
+        <p:style>
+          <a:lnRef idx="2">
+            <a:schemeClr val="accent1">
+              <a:shade val="50000"/>
+            </a:schemeClr>
+          </a:lnRef>
+          <a:fillRef idx="1">
+            <a:schemeClr val="accent1"/>
+          </a:fillRef>
+          <a:effectRef idx="0">
+            <a:schemeClr val="accent1"/>
+          </a:effectRef>
+          <a:fontRef idx="minor">
+            <a:schemeClr val="lt1"/>
+          </a:fontRef>
+        </p:style>
+        <p:txBody>
+          <a:bodyPr rtlCol="0" anchor="ctr"/>
+          <a:p>
+            <a:pPr algn="ctr"/>
+            <a:endParaRPr lang="zh-CN" altLang="en-US"/>
+          </a:p>
+        </p:txBody>
+      </p:sp>
+      <p:sp>
+        <p:nvSpPr>
+          <p:cNvPr id="48" name="文本框 47"/>
+          <p:cNvSpPr txBox="1"/>
+          <p:nvPr/>
+        </p:nvSpPr>
+        <p:spPr>
+          <a:xfrm>
+            <a:off x="4882515" y="6114415"/>
+            <a:ext cx="589280" cy="337185"/>
+          </a:xfrm>
+          <a:prstGeom prst="rect">
+            <a:avLst/>
+          </a:prstGeom>
+          <a:noFill/>
+        </p:spPr>
+        <p:txBody>
+          <a:bodyPr wrap="none" rtlCol="0">
+            <a:spAutoFit/>
+          </a:bodyPr>
+          <a:p>
+            <a:r>
+              <a:rPr lang="zh-CN" altLang="en-US" sz="1600"/>
+              <a:t>留言</a:t>
+            </a:r>
+            <a:endParaRPr lang="zh-CN" altLang="en-US" sz="1600"/>
+          </a:p>
+        </p:txBody>
+      </p:sp>
+      <p:sp>
+        <p:nvSpPr>
+          <p:cNvPr id="49" name="心形 48"/>
+          <p:cNvSpPr/>
+          <p:nvPr/>
+        </p:nvSpPr>
+        <p:spPr>
+          <a:xfrm>
+            <a:off x="5683885" y="5695315"/>
+            <a:ext cx="554355" cy="387985"/>
+          </a:xfrm>
+          <a:prstGeom prst="heart">
+            <a:avLst/>
+          </a:prstGeom>
+          <a:noFill/>
+          <a:extLst>
+            <a:ext uri="{909E8E84-426E-40DD-AFC4-6F175D3DCCD1}">
+              <a14:hiddenFill xmlns:a14="http://schemas.microsoft.com/office/drawing/2010/main">
+                <a:solidFill>
+                  <a:schemeClr val="accent1"/>
+                </a:solidFill>
+              </a14:hiddenFill>
+            </a:ext>
+          </a:extLst>
+        </p:spPr>
+        <p:style>
+          <a:lnRef idx="2">
+            <a:schemeClr val="accent1">
+              <a:shade val="50000"/>
+            </a:schemeClr>
+          </a:lnRef>
+          <a:fillRef idx="1">
+            <a:schemeClr val="accent1"/>
+          </a:fillRef>
+          <a:effectRef idx="0">
+            <a:schemeClr val="accent1"/>
+          </a:effectRef>
+          <a:fontRef idx="minor">
+            <a:schemeClr val="lt1"/>
+          </a:fontRef>
+        </p:style>
+        <p:txBody>
+          <a:bodyPr rtlCol="0" anchor="ctr"/>
+          <a:p>
+            <a:pPr algn="ctr"/>
+            <a:endParaRPr lang="zh-CN" altLang="en-US"/>
+          </a:p>
+        </p:txBody>
+      </p:sp>
+      <p:sp>
+        <p:nvSpPr>
+          <p:cNvPr id="51" name="文本框 50"/>
+          <p:cNvSpPr txBox="1"/>
+          <p:nvPr/>
+        </p:nvSpPr>
+        <p:spPr>
+          <a:xfrm>
+            <a:off x="5648960" y="6114415"/>
+            <a:ext cx="589280" cy="337185"/>
+          </a:xfrm>
+          <a:prstGeom prst="rect">
+            <a:avLst/>
+          </a:prstGeom>
+          <a:noFill/>
+        </p:spPr>
+        <p:txBody>
+          <a:bodyPr wrap="none" rtlCol="0">
+            <a:spAutoFit/>
+          </a:bodyPr>
+          <a:p>
+            <a:r>
+              <a:rPr lang="zh-CN" altLang="en-US" sz="1600"/>
+              <a:t>收藏</a:t>
+            </a:r>
+            <a:endParaRPr lang="zh-CN" altLang="en-US" sz="1600"/>
+          </a:p>
+        </p:txBody>
+      </p:sp>
+      <p:sp>
+        <p:nvSpPr>
+          <p:cNvPr id="52" name="圆角矩形 51"/>
+          <p:cNvSpPr/>
+          <p:nvPr/>
+        </p:nvSpPr>
+        <p:spPr>
+          <a:xfrm>
+            <a:off x="6460490" y="5694680"/>
+            <a:ext cx="1197610" cy="548005"/>
+          </a:xfrm>
+          <a:prstGeom prst="roundRect">
+            <a:avLst/>
+          </a:prstGeom>
+          <a:noFill/>
+          <a:extLst>
+            <a:ext uri="{909E8E84-426E-40DD-AFC4-6F175D3DCCD1}">
+              <a14:hiddenFill xmlns:a14="http://schemas.microsoft.com/office/drawing/2010/main">
+                <a:solidFill>
+                  <a:schemeClr val="accent1"/>
+                </a:solidFill>
+              </a14:hiddenFill>
+            </a:ext>
+          </a:extLst>
+        </p:spPr>
+        <p:style>
+          <a:lnRef idx="2">
+            <a:schemeClr val="accent1">
+              <a:shade val="50000"/>
+            </a:schemeClr>
+          </a:lnRef>
+          <a:fillRef idx="1">
+            <a:schemeClr val="accent1"/>
+          </a:fillRef>
+          <a:effectRef idx="0">
+            <a:schemeClr val="accent1"/>
+          </a:effectRef>
+          <a:fontRef idx="minor">
+            <a:schemeClr val="lt1"/>
+          </a:fontRef>
+        </p:style>
+        <p:txBody>
+          <a:bodyPr rtlCol="0" anchor="ctr"/>
+          <a:p>
+            <a:pPr algn="ctr"/>
+            <a:endParaRPr lang="zh-CN" altLang="en-US"/>
+          </a:p>
+        </p:txBody>
+      </p:sp>
+      <p:sp>
+        <p:nvSpPr>
+          <p:cNvPr id="53" name="文本框 52"/>
+          <p:cNvSpPr txBox="1"/>
+          <p:nvPr/>
+        </p:nvSpPr>
+        <p:spPr>
+          <a:xfrm>
+            <a:off x="6599555" y="5794375"/>
+            <a:ext cx="919480" cy="398780"/>
+          </a:xfrm>
+          <a:prstGeom prst="rect">
+            <a:avLst/>
+          </a:prstGeom>
+          <a:noFill/>
+        </p:spPr>
+        <p:txBody>
+          <a:bodyPr wrap="none" rtlCol="0">
+            <a:spAutoFit/>
+          </a:bodyPr>
+          <a:p>
+            <a:r>
+              <a:rPr lang="zh-CN" altLang="en-US" sz="2000"/>
+              <a:t>借    阅</a:t>
+            </a:r>
+            <a:endParaRPr lang="zh-CN" altLang="en-US" sz="2000"/>
+          </a:p>
+        </p:txBody>
+      </p:sp>
+      <p:sp>
+        <p:nvSpPr>
+          <p:cNvPr id="54" name="椭圆 53"/>
+          <p:cNvSpPr/>
+          <p:nvPr/>
+        </p:nvSpPr>
+        <p:spPr>
+          <a:xfrm>
+            <a:off x="10666095" y="1572895"/>
+            <a:ext cx="593725" cy="490855"/>
+          </a:xfrm>
+          <a:prstGeom prst="ellipse">
+            <a:avLst/>
+          </a:prstGeom>
+        </p:spPr>
+        <p:style>
+          <a:lnRef idx="3">
+            <a:schemeClr val="lt1"/>
+          </a:lnRef>
+          <a:fillRef idx="1">
+            <a:schemeClr val="accent6"/>
+          </a:fillRef>
+          <a:effectRef idx="1">
+            <a:schemeClr val="accent6"/>
+          </a:effectRef>
+          <a:fontRef idx="minor">
+            <a:schemeClr val="lt1"/>
+          </a:fontRef>
+        </p:style>
+        <p:txBody>
+          <a:bodyPr rtlCol="0" anchor="ctr"/>
+          <a:p>
+            <a:pPr algn="ctr"/>
+            <a:endParaRPr lang="zh-CN" altLang="en-US"/>
+          </a:p>
+        </p:txBody>
+      </p:sp>
+      <p:sp>
+        <p:nvSpPr>
+          <p:cNvPr id="56" name="椭圆 55"/>
+          <p:cNvSpPr/>
+          <p:nvPr/>
+        </p:nvSpPr>
+        <p:spPr>
+          <a:xfrm>
+            <a:off x="10651490" y="2181225"/>
+            <a:ext cx="593725" cy="490855"/>
+          </a:xfrm>
+          <a:prstGeom prst="ellipse">
+            <a:avLst/>
+          </a:prstGeom>
+        </p:spPr>
+        <p:style>
+          <a:lnRef idx="3">
+            <a:schemeClr val="lt1"/>
+          </a:lnRef>
+          <a:fillRef idx="1">
+            <a:schemeClr val="accent6"/>
+          </a:fillRef>
+          <a:effectRef idx="1">
+            <a:schemeClr val="accent6"/>
+          </a:effectRef>
+          <a:fontRef idx="minor">
+            <a:schemeClr val="lt1"/>
+          </a:fontRef>
+        </p:style>
+        <p:txBody>
+          <a:bodyPr rtlCol="0" anchor="ctr"/>
+          <a:p>
+            <a:pPr algn="ctr"/>
+            <a:endParaRPr lang="zh-CN" altLang="en-US"/>
+          </a:p>
+        </p:txBody>
+      </p:sp>
+      <p:sp>
+        <p:nvSpPr>
+          <p:cNvPr id="57" name="椭圆 56"/>
+          <p:cNvSpPr/>
+          <p:nvPr/>
+        </p:nvSpPr>
+        <p:spPr>
+          <a:xfrm>
+            <a:off x="8173720" y="2886710"/>
+            <a:ext cx="593725" cy="490855"/>
+          </a:xfrm>
+          <a:prstGeom prst="ellipse">
+            <a:avLst/>
+          </a:prstGeom>
+        </p:spPr>
+        <p:style>
+          <a:lnRef idx="3">
+            <a:schemeClr val="lt1"/>
+          </a:lnRef>
+          <a:fillRef idx="1">
+            <a:schemeClr val="accent6"/>
+          </a:fillRef>
+          <a:effectRef idx="1">
+            <a:schemeClr val="accent6"/>
+          </a:effectRef>
+          <a:fontRef idx="minor">
+            <a:schemeClr val="lt1"/>
+          </a:fontRef>
+        </p:style>
+        <p:txBody>
+          <a:bodyPr rtlCol="0" anchor="ctr"/>
+          <a:p>
+            <a:pPr algn="ctr"/>
+            <a:endParaRPr lang="zh-CN" altLang="en-US"/>
+          </a:p>
+        </p:txBody>
+      </p:sp>
+      <p:sp>
+        <p:nvSpPr>
+          <p:cNvPr id="58" name="椭圆 57"/>
+          <p:cNvSpPr/>
+          <p:nvPr/>
+        </p:nvSpPr>
+        <p:spPr>
+          <a:xfrm>
+            <a:off x="8159115" y="3484880"/>
+            <a:ext cx="593725" cy="490855"/>
+          </a:xfrm>
+          <a:prstGeom prst="ellipse">
+            <a:avLst/>
+          </a:prstGeom>
+        </p:spPr>
+        <p:style>
+          <a:lnRef idx="3">
+            <a:schemeClr val="lt1"/>
+          </a:lnRef>
+          <a:fillRef idx="1">
+            <a:schemeClr val="accent6"/>
+          </a:fillRef>
+          <a:effectRef idx="1">
+            <a:schemeClr val="accent6"/>
+          </a:effectRef>
+          <a:fontRef idx="minor">
+            <a:schemeClr val="lt1"/>
+          </a:fontRef>
+        </p:style>
+        <p:txBody>
+          <a:bodyPr rtlCol="0" anchor="ctr"/>
+          <a:p>
+            <a:pPr algn="ctr"/>
+            <a:endParaRPr lang="zh-CN" altLang="en-US"/>
+          </a:p>
+        </p:txBody>
+      </p:sp>
+      <p:sp>
+        <p:nvSpPr>
+          <p:cNvPr id="59" name="流程图: 终止 58"/>
+          <p:cNvSpPr/>
+          <p:nvPr/>
+        </p:nvSpPr>
+        <p:spPr>
+          <a:xfrm>
+            <a:off x="8767445" y="1671955"/>
+            <a:ext cx="1898650" cy="335280"/>
+          </a:xfrm>
+          <a:prstGeom prst="flowChartTerminator">
+            <a:avLst/>
+          </a:prstGeom>
+          <a:noFill/>
+          <a:extLst>
+            <a:ext uri="{909E8E84-426E-40DD-AFC4-6F175D3DCCD1}">
+              <a14:hiddenFill xmlns:a14="http://schemas.microsoft.com/office/drawing/2010/main">
+                <a:solidFill>
+                  <a:schemeClr val="accent1"/>
+                </a:solidFill>
+              </a14:hiddenFill>
+            </a:ext>
+          </a:extLst>
+        </p:spPr>
+        <p:style>
+          <a:lnRef idx="2">
+            <a:schemeClr val="accent1">
+              <a:shade val="50000"/>
+            </a:schemeClr>
+          </a:lnRef>
+          <a:fillRef idx="1">
+            <a:schemeClr val="accent1"/>
+          </a:fillRef>
+          <a:effectRef idx="0">
+            <a:schemeClr val="accent1"/>
+          </a:effectRef>
+          <a:fontRef idx="minor">
+            <a:schemeClr val="lt1"/>
+          </a:fontRef>
+        </p:style>
+        <p:txBody>
+          <a:bodyPr rtlCol="0" anchor="ctr"/>
+          <a:p>
+            <a:pPr algn="ctr"/>
+            <a:endParaRPr lang="zh-CN" altLang="en-US"/>
+          </a:p>
+        </p:txBody>
+      </p:sp>
+      <p:sp>
+        <p:nvSpPr>
+          <p:cNvPr id="60" name="流程图: 终止 59"/>
+          <p:cNvSpPr/>
+          <p:nvPr/>
+        </p:nvSpPr>
+        <p:spPr>
+          <a:xfrm>
+            <a:off x="8752840" y="2258695"/>
+            <a:ext cx="1898650" cy="335280"/>
+          </a:xfrm>
+          <a:prstGeom prst="flowChartTerminator">
+            <a:avLst/>
+          </a:prstGeom>
+          <a:noFill/>
+          <a:extLst>
+            <a:ext uri="{909E8E84-426E-40DD-AFC4-6F175D3DCCD1}">
+              <a14:hiddenFill xmlns:a14="http://schemas.microsoft.com/office/drawing/2010/main">
+                <a:solidFill>
+                  <a:schemeClr val="accent1"/>
+                </a:solidFill>
+              </a14:hiddenFill>
+            </a:ext>
+          </a:extLst>
+        </p:spPr>
+        <p:style>
+          <a:lnRef idx="2">
+            <a:schemeClr val="accent1">
+              <a:shade val="50000"/>
+            </a:schemeClr>
+          </a:lnRef>
+          <a:fillRef idx="1">
+            <a:schemeClr val="accent1"/>
+          </a:fillRef>
+          <a:effectRef idx="0">
+            <a:schemeClr val="accent1"/>
+          </a:effectRef>
+          <a:fontRef idx="minor">
+            <a:schemeClr val="lt1"/>
+          </a:fontRef>
+        </p:style>
+        <p:txBody>
+          <a:bodyPr rtlCol="0" anchor="ctr"/>
+          <a:p>
+            <a:pPr algn="ctr"/>
+            <a:endParaRPr lang="zh-CN" altLang="en-US"/>
+          </a:p>
+        </p:txBody>
+      </p:sp>
+      <p:sp>
+        <p:nvSpPr>
+          <p:cNvPr id="61" name="流程图: 终止 60"/>
+          <p:cNvSpPr/>
+          <p:nvPr/>
+        </p:nvSpPr>
+        <p:spPr>
+          <a:xfrm>
+            <a:off x="8767445" y="2886710"/>
+            <a:ext cx="1898650" cy="335280"/>
+          </a:xfrm>
+          <a:prstGeom prst="flowChartTerminator">
+            <a:avLst/>
+          </a:prstGeom>
+          <a:noFill/>
+          <a:extLst>
+            <a:ext uri="{909E8E84-426E-40DD-AFC4-6F175D3DCCD1}">
+              <a14:hiddenFill xmlns:a14="http://schemas.microsoft.com/office/drawing/2010/main">
+                <a:solidFill>
+                  <a:schemeClr val="accent1"/>
+                </a:solidFill>
+              </a14:hiddenFill>
+            </a:ext>
+          </a:extLst>
+        </p:spPr>
+        <p:style>
+          <a:lnRef idx="2">
+            <a:schemeClr val="accent1">
+              <a:shade val="50000"/>
+            </a:schemeClr>
+          </a:lnRef>
+          <a:fillRef idx="1">
+            <a:schemeClr val="accent1"/>
+          </a:fillRef>
+          <a:effectRef idx="0">
+            <a:schemeClr val="accent1"/>
+          </a:effectRef>
+          <a:fontRef idx="minor">
+            <a:schemeClr val="lt1"/>
+          </a:fontRef>
+        </p:style>
+        <p:txBody>
+          <a:bodyPr rtlCol="0" anchor="ctr"/>
+          <a:p>
+            <a:pPr algn="ctr"/>
+            <a:endParaRPr lang="zh-CN" altLang="en-US"/>
+          </a:p>
+        </p:txBody>
+      </p:sp>
+      <p:sp>
+        <p:nvSpPr>
+          <p:cNvPr id="62" name="流程图: 终止 61"/>
+          <p:cNvSpPr/>
+          <p:nvPr/>
+        </p:nvSpPr>
+        <p:spPr>
+          <a:xfrm>
+            <a:off x="8767445" y="3484880"/>
+            <a:ext cx="1898650" cy="335280"/>
+          </a:xfrm>
+          <a:prstGeom prst="flowChartTerminator">
+            <a:avLst/>
+          </a:prstGeom>
+          <a:noFill/>
+          <a:extLst>
+            <a:ext uri="{909E8E84-426E-40DD-AFC4-6F175D3DCCD1}">
+              <a14:hiddenFill xmlns:a14="http://schemas.microsoft.com/office/drawing/2010/main">
+                <a:solidFill>
+                  <a:schemeClr val="accent1"/>
+                </a:solidFill>
+              </a14:hiddenFill>
+            </a:ext>
+          </a:extLst>
+        </p:spPr>
+        <p:style>
+          <a:lnRef idx="2">
+            <a:schemeClr val="accent1">
+              <a:shade val="50000"/>
+            </a:schemeClr>
+          </a:lnRef>
+          <a:fillRef idx="1">
+            <a:schemeClr val="accent1"/>
+          </a:fillRef>
+          <a:effectRef idx="0">
+            <a:schemeClr val="accent1"/>
+          </a:effectRef>
+          <a:fontRef idx="minor">
+            <a:schemeClr val="lt1"/>
+          </a:fontRef>
+        </p:style>
+        <p:txBody>
+          <a:bodyPr rtlCol="0" anchor="ctr"/>
+          <a:p>
+            <a:pPr algn="ctr"/>
+            <a:endParaRPr lang="zh-CN" altLang="en-US"/>
+          </a:p>
+        </p:txBody>
+      </p:sp>
+      <p:sp>
+        <p:nvSpPr>
+          <p:cNvPr id="63" name="圆角矩形 62"/>
+          <p:cNvSpPr/>
+          <p:nvPr/>
+        </p:nvSpPr>
+        <p:spPr>
+          <a:xfrm>
+            <a:off x="8159115" y="5855335"/>
+            <a:ext cx="3086100" cy="709930"/>
+          </a:xfrm>
+          <a:prstGeom prst="roundRect">
+            <a:avLst/>
+          </a:prstGeom>
+          <a:noFill/>
+          <a:extLst>
+            <a:ext uri="{909E8E84-426E-40DD-AFC4-6F175D3DCCD1}">
+              <a14:hiddenFill xmlns:a14="http://schemas.microsoft.com/office/drawing/2010/main">
+                <a:solidFill>
+                  <a:schemeClr val="accent1"/>
+                </a:solidFill>
+              </a14:hiddenFill>
+            </a:ext>
+          </a:extLst>
+        </p:spPr>
+        <p:style>
+          <a:lnRef idx="2">
+            <a:schemeClr val="accent1">
+              <a:shade val="50000"/>
+            </a:schemeClr>
+          </a:lnRef>
+          <a:fillRef idx="1">
+            <a:schemeClr val="accent1"/>
+          </a:fillRef>
+          <a:effectRef idx="0">
+            <a:schemeClr val="accent1"/>
+          </a:effectRef>
+          <a:fontRef idx="minor">
+            <a:schemeClr val="lt1"/>
+          </a:fontRef>
+        </p:style>
+        <p:txBody>
+          <a:bodyPr rtlCol="0" anchor="ctr"/>
+          <a:p>
+            <a:pPr algn="ctr"/>
+            <a:endParaRPr lang="zh-CN" altLang="en-US"/>
+          </a:p>
+        </p:txBody>
+      </p:sp>
+      <p:cxnSp>
+        <p:nvCxnSpPr>
+          <p:cNvPr id="64" name="直接连接符 63"/>
+          <p:cNvCxnSpPr/>
+          <p:nvPr/>
+        </p:nvCxnSpPr>
+        <p:spPr>
+          <a:xfrm>
+            <a:off x="9702165" y="5855335"/>
+            <a:ext cx="0" cy="723265"/>
+          </a:xfrm>
+          <a:prstGeom prst="line">
+            <a:avLst/>
+          </a:prstGeom>
+        </p:spPr>
+        <p:style>
+          <a:lnRef idx="1">
+            <a:schemeClr val="accent1"/>
+          </a:lnRef>
+          <a:fillRef idx="0">
+            <a:schemeClr val="accent1"/>
+          </a:fillRef>
+          <a:effectRef idx="0">
+            <a:schemeClr val="accent1"/>
+          </a:effectRef>
+          <a:fontRef idx="minor">
+            <a:schemeClr val="tx1"/>
+          </a:fontRef>
+        </p:style>
+      </p:cxnSp>
+      <p:sp>
+        <p:nvSpPr>
+          <p:cNvPr id="65" name="文本框 64"/>
+          <p:cNvSpPr txBox="1"/>
+          <p:nvPr/>
+        </p:nvSpPr>
+        <p:spPr>
+          <a:xfrm>
+            <a:off x="8413750" y="6026150"/>
+            <a:ext cx="1097280" cy="368300"/>
+          </a:xfrm>
+          <a:prstGeom prst="rect">
+            <a:avLst/>
+          </a:prstGeom>
+          <a:noFill/>
+        </p:spPr>
+        <p:txBody>
+          <a:bodyPr wrap="none" rtlCol="0">
+            <a:spAutoFit/>
+          </a:bodyPr>
+          <a:p>
+            <a:r>
+              <a:rPr lang="zh-CN" altLang="en-US"/>
+              <a:t>发送消息</a:t>
+            </a:r>
+            <a:endParaRPr lang="zh-CN" altLang="en-US"/>
+          </a:p>
+        </p:txBody>
+      </p:sp>
+      <p:sp>
+        <p:nvSpPr>
+          <p:cNvPr id="66" name="文本框 65"/>
+          <p:cNvSpPr txBox="1"/>
+          <p:nvPr/>
+        </p:nvSpPr>
+        <p:spPr>
+          <a:xfrm>
+            <a:off x="9899015" y="6026150"/>
+            <a:ext cx="1252855" cy="368300"/>
+          </a:xfrm>
+          <a:prstGeom prst="rect">
+            <a:avLst/>
+          </a:prstGeom>
+          <a:noFill/>
+        </p:spPr>
+        <p:txBody>
+          <a:bodyPr wrap="square" rtlCol="0">
+            <a:spAutoFit/>
+          </a:bodyPr>
+          <a:p>
+            <a:r>
+              <a:rPr lang="zh-CN" altLang="en-US"/>
+              <a:t>返回首页</a:t>
+            </a:r>
+            <a:endParaRPr lang="zh-CN" altLang="en-US"/>
+          </a:p>
+        </p:txBody>
+      </p:sp>
+      <p:sp>
+        <p:nvSpPr>
+          <p:cNvPr id="67" name="文本框 66"/>
+          <p:cNvSpPr txBox="1"/>
+          <p:nvPr/>
+        </p:nvSpPr>
+        <p:spPr>
+          <a:xfrm>
+            <a:off x="3386455" y="2318385"/>
+            <a:ext cx="487680" cy="275590"/>
+          </a:xfrm>
+          <a:prstGeom prst="rect">
+            <a:avLst/>
+          </a:prstGeom>
+          <a:noFill/>
+        </p:spPr>
+        <p:txBody>
+          <a:bodyPr wrap="none" rtlCol="0">
+            <a:spAutoFit/>
+          </a:bodyPr>
+          <a:p>
+            <a:r>
+              <a:rPr lang="zh-CN" altLang="en-US" sz="1200"/>
+              <a:t>距离</a:t>
+            </a:r>
+            <a:endParaRPr lang="zh-CN" altLang="en-US" sz="1200"/>
           </a:p>
         </p:txBody>
       </p:sp>
@@ -34459,14 +38170,547 @@
       <p:grpSpPr/>
       <p:sp>
         <p:nvSpPr>
-          <p:cNvPr id="4" name="文本框 3"/>
+          <p:cNvPr id="5" name="矩形 4"/>
+          <p:cNvSpPr/>
+          <p:nvPr/>
+        </p:nvSpPr>
+        <p:spPr>
+          <a:xfrm>
+            <a:off x="1042670" y="678180"/>
+            <a:ext cx="3071495" cy="5887085"/>
+          </a:xfrm>
+          <a:prstGeom prst="rect">
+            <a:avLst/>
+          </a:prstGeom>
+          <a:noFill/>
+          <a:extLst>
+            <a:ext uri="{909E8E84-426E-40DD-AFC4-6F175D3DCCD1}">
+              <a14:hiddenFill xmlns:a14="http://schemas.microsoft.com/office/drawing/2010/main">
+                <a:solidFill>
+                  <a:schemeClr val="accent1"/>
+                </a:solidFill>
+              </a14:hiddenFill>
+            </a:ext>
+          </a:extLst>
+        </p:spPr>
+        <p:style>
+          <a:lnRef idx="2">
+            <a:schemeClr val="accent1">
+              <a:shade val="50000"/>
+            </a:schemeClr>
+          </a:lnRef>
+          <a:fillRef idx="1">
+            <a:schemeClr val="accent1"/>
+          </a:fillRef>
+          <a:effectRef idx="0">
+            <a:schemeClr val="accent1"/>
+          </a:effectRef>
+          <a:fontRef idx="minor">
+            <a:schemeClr val="lt1"/>
+          </a:fontRef>
+        </p:style>
+        <p:txBody>
+          <a:bodyPr rtlCol="0" anchor="ctr"/>
+          <a:p>
+            <a:pPr algn="ctr"/>
+            <a:endParaRPr lang="zh-CN" altLang="en-US"/>
+          </a:p>
+        </p:txBody>
+      </p:sp>
+      <p:sp>
+        <p:nvSpPr>
+          <p:cNvPr id="7" name="矩形 6"/>
+          <p:cNvSpPr/>
+          <p:nvPr/>
+        </p:nvSpPr>
+        <p:spPr>
+          <a:xfrm>
+            <a:off x="1042670" y="682625"/>
+            <a:ext cx="3071495" cy="570865"/>
+          </a:xfrm>
+          <a:prstGeom prst="rect">
+            <a:avLst/>
+          </a:prstGeom>
+          <a:noFill/>
+          <a:ln>
+            <a:solidFill>
+              <a:schemeClr val="accent1">
+                <a:lumMod val="50000"/>
+              </a:schemeClr>
+            </a:solidFill>
+          </a:ln>
+          <a:extLst>
+            <a:ext uri="{909E8E84-426E-40DD-AFC4-6F175D3DCCD1}">
+              <a14:hiddenFill xmlns:a14="http://schemas.microsoft.com/office/drawing/2010/main">
+                <a:solidFill>
+                  <a:schemeClr val="accent1"/>
+                </a:solidFill>
+              </a14:hiddenFill>
+            </a:ext>
+          </a:extLst>
+        </p:spPr>
+        <p:style>
+          <a:lnRef idx="2">
+            <a:schemeClr val="accent1">
+              <a:shade val="50000"/>
+            </a:schemeClr>
+          </a:lnRef>
+          <a:fillRef idx="1">
+            <a:schemeClr val="accent1"/>
+          </a:fillRef>
+          <a:effectRef idx="0">
+            <a:schemeClr val="accent1"/>
+          </a:effectRef>
+          <a:fontRef idx="minor">
+            <a:schemeClr val="lt1"/>
+          </a:fontRef>
+        </p:style>
+        <p:txBody>
+          <a:bodyPr rtlCol="0" anchor="ctr"/>
+          <a:p>
+            <a:pPr algn="ctr"/>
+            <a:endParaRPr lang="zh-CN" altLang="en-US"/>
+          </a:p>
+        </p:txBody>
+      </p:sp>
+      <p:sp>
+        <p:nvSpPr>
+          <p:cNvPr id="10" name="文本框 9"/>
           <p:cNvSpPr txBox="1"/>
           <p:nvPr/>
         </p:nvSpPr>
         <p:spPr>
           <a:xfrm>
-            <a:off x="1315085" y="962025"/>
-            <a:ext cx="8544560" cy="1476375"/>
+            <a:off x="1866900" y="784225"/>
+            <a:ext cx="1102360" cy="368300"/>
+          </a:xfrm>
+          <a:prstGeom prst="rect">
+            <a:avLst/>
+          </a:prstGeom>
+          <a:noFill/>
+        </p:spPr>
+        <p:txBody>
+          <a:bodyPr wrap="none" rtlCol="0">
+            <a:spAutoFit/>
+          </a:bodyPr>
+          <a:p>
+            <a:r>
+              <a:rPr lang="zh-CN" altLang="en-US" b="1"/>
+              <a:t>发送消息</a:t>
+            </a:r>
+            <a:endParaRPr lang="zh-CN" altLang="en-US" b="1"/>
+          </a:p>
+        </p:txBody>
+      </p:sp>
+      <p:sp>
+        <p:nvSpPr>
+          <p:cNvPr id="24" name="矩形 23"/>
+          <p:cNvSpPr/>
+          <p:nvPr/>
+        </p:nvSpPr>
+        <p:spPr>
+          <a:xfrm>
+            <a:off x="4560570" y="678180"/>
+            <a:ext cx="3071495" cy="5887085"/>
+          </a:xfrm>
+          <a:prstGeom prst="rect">
+            <a:avLst/>
+          </a:prstGeom>
+          <a:noFill/>
+          <a:extLst>
+            <a:ext uri="{909E8E84-426E-40DD-AFC4-6F175D3DCCD1}">
+              <a14:hiddenFill xmlns:a14="http://schemas.microsoft.com/office/drawing/2010/main">
+                <a:solidFill>
+                  <a:schemeClr val="accent1"/>
+                </a:solidFill>
+              </a14:hiddenFill>
+            </a:ext>
+          </a:extLst>
+        </p:spPr>
+        <p:style>
+          <a:lnRef idx="2">
+            <a:schemeClr val="accent1">
+              <a:shade val="50000"/>
+            </a:schemeClr>
+          </a:lnRef>
+          <a:fillRef idx="1">
+            <a:schemeClr val="accent1"/>
+          </a:fillRef>
+          <a:effectRef idx="0">
+            <a:schemeClr val="accent1"/>
+          </a:effectRef>
+          <a:fontRef idx="minor">
+            <a:schemeClr val="lt1"/>
+          </a:fontRef>
+        </p:style>
+        <p:txBody>
+          <a:bodyPr rtlCol="0" anchor="ctr"/>
+          <a:p>
+            <a:pPr algn="ctr"/>
+            <a:endParaRPr lang="zh-CN" altLang="en-US"/>
+          </a:p>
+        </p:txBody>
+      </p:sp>
+      <p:sp>
+        <p:nvSpPr>
+          <p:cNvPr id="28" name="矩形 27"/>
+          <p:cNvSpPr/>
+          <p:nvPr/>
+        </p:nvSpPr>
+        <p:spPr>
+          <a:xfrm>
+            <a:off x="4560570" y="682625"/>
+            <a:ext cx="3071495" cy="570865"/>
+          </a:xfrm>
+          <a:prstGeom prst="rect">
+            <a:avLst/>
+          </a:prstGeom>
+          <a:noFill/>
+          <a:ln>
+            <a:solidFill>
+              <a:schemeClr val="accent1">
+                <a:lumMod val="50000"/>
+              </a:schemeClr>
+            </a:solidFill>
+          </a:ln>
+          <a:extLst>
+            <a:ext uri="{909E8E84-426E-40DD-AFC4-6F175D3DCCD1}">
+              <a14:hiddenFill xmlns:a14="http://schemas.microsoft.com/office/drawing/2010/main">
+                <a:solidFill>
+                  <a:schemeClr val="accent1"/>
+                </a:solidFill>
+              </a14:hiddenFill>
+            </a:ext>
+          </a:extLst>
+        </p:spPr>
+        <p:style>
+          <a:lnRef idx="2">
+            <a:schemeClr val="accent1">
+              <a:shade val="50000"/>
+            </a:schemeClr>
+          </a:lnRef>
+          <a:fillRef idx="1">
+            <a:schemeClr val="accent1"/>
+          </a:fillRef>
+          <a:effectRef idx="0">
+            <a:schemeClr val="accent1"/>
+          </a:effectRef>
+          <a:fontRef idx="minor">
+            <a:schemeClr val="lt1"/>
+          </a:fontRef>
+        </p:style>
+        <p:txBody>
+          <a:bodyPr rtlCol="0" anchor="ctr"/>
+          <a:p>
+            <a:pPr algn="ctr"/>
+            <a:endParaRPr lang="zh-CN" altLang="en-US"/>
+          </a:p>
+        </p:txBody>
+      </p:sp>
+      <p:sp>
+        <p:nvSpPr>
+          <p:cNvPr id="55" name="文本框 54"/>
+          <p:cNvSpPr txBox="1"/>
+          <p:nvPr/>
+        </p:nvSpPr>
+        <p:spPr>
+          <a:xfrm>
+            <a:off x="5544820" y="784225"/>
+            <a:ext cx="1102360" cy="368300"/>
+          </a:xfrm>
+          <a:prstGeom prst="rect">
+            <a:avLst/>
+          </a:prstGeom>
+          <a:noFill/>
+        </p:spPr>
+        <p:txBody>
+          <a:bodyPr wrap="none" rtlCol="0">
+            <a:spAutoFit/>
+          </a:bodyPr>
+          <a:p>
+            <a:r>
+              <a:rPr lang="zh-CN" altLang="en-US" b="1"/>
+              <a:t>分享图书</a:t>
+            </a:r>
+            <a:endParaRPr lang="zh-CN" altLang="en-US" b="1"/>
+          </a:p>
+        </p:txBody>
+      </p:sp>
+      <p:sp>
+        <p:nvSpPr>
+          <p:cNvPr id="70" name="矩形 69"/>
+          <p:cNvSpPr/>
+          <p:nvPr/>
+        </p:nvSpPr>
+        <p:spPr>
+          <a:xfrm>
+            <a:off x="8609330" y="678180"/>
+            <a:ext cx="3071495" cy="5887085"/>
+          </a:xfrm>
+          <a:prstGeom prst="rect">
+            <a:avLst/>
+          </a:prstGeom>
+          <a:noFill/>
+          <a:extLst>
+            <a:ext uri="{909E8E84-426E-40DD-AFC4-6F175D3DCCD1}">
+              <a14:hiddenFill xmlns:a14="http://schemas.microsoft.com/office/drawing/2010/main">
+                <a:solidFill>
+                  <a:schemeClr val="accent1"/>
+                </a:solidFill>
+              </a14:hiddenFill>
+            </a:ext>
+          </a:extLst>
+        </p:spPr>
+        <p:style>
+          <a:lnRef idx="2">
+            <a:schemeClr val="accent1">
+              <a:shade val="50000"/>
+            </a:schemeClr>
+          </a:lnRef>
+          <a:fillRef idx="1">
+            <a:schemeClr val="accent1"/>
+          </a:fillRef>
+          <a:effectRef idx="0">
+            <a:schemeClr val="accent1"/>
+          </a:effectRef>
+          <a:fontRef idx="minor">
+            <a:schemeClr val="lt1"/>
+          </a:fontRef>
+        </p:style>
+        <p:txBody>
+          <a:bodyPr rtlCol="0" anchor="ctr"/>
+          <a:p>
+            <a:pPr algn="ctr"/>
+            <a:endParaRPr lang="zh-CN" altLang="en-US"/>
+          </a:p>
+        </p:txBody>
+      </p:sp>
+      <p:sp>
+        <p:nvSpPr>
+          <p:cNvPr id="71" name="矩形 70"/>
+          <p:cNvSpPr/>
+          <p:nvPr/>
+        </p:nvSpPr>
+        <p:spPr>
+          <a:xfrm>
+            <a:off x="8609330" y="682625"/>
+            <a:ext cx="3071495" cy="570865"/>
+          </a:xfrm>
+          <a:prstGeom prst="rect">
+            <a:avLst/>
+          </a:prstGeom>
+          <a:noFill/>
+          <a:ln>
+            <a:solidFill>
+              <a:schemeClr val="accent1">
+                <a:lumMod val="50000"/>
+              </a:schemeClr>
+            </a:solidFill>
+          </a:ln>
+          <a:extLst>
+            <a:ext uri="{909E8E84-426E-40DD-AFC4-6F175D3DCCD1}">
+              <a14:hiddenFill xmlns:a14="http://schemas.microsoft.com/office/drawing/2010/main">
+                <a:solidFill>
+                  <a:schemeClr val="accent1"/>
+                </a:solidFill>
+              </a14:hiddenFill>
+            </a:ext>
+          </a:extLst>
+        </p:spPr>
+        <p:style>
+          <a:lnRef idx="2">
+            <a:schemeClr val="accent1">
+              <a:shade val="50000"/>
+            </a:schemeClr>
+          </a:lnRef>
+          <a:fillRef idx="1">
+            <a:schemeClr val="accent1"/>
+          </a:fillRef>
+          <a:effectRef idx="0">
+            <a:schemeClr val="accent1"/>
+          </a:effectRef>
+          <a:fontRef idx="minor">
+            <a:schemeClr val="lt1"/>
+          </a:fontRef>
+        </p:style>
+        <p:txBody>
+          <a:bodyPr rtlCol="0" anchor="ctr"/>
+          <a:p>
+            <a:pPr algn="ctr"/>
+            <a:endParaRPr lang="zh-CN" altLang="en-US"/>
+          </a:p>
+        </p:txBody>
+      </p:sp>
+      <p:sp>
+        <p:nvSpPr>
+          <p:cNvPr id="72" name="文本框 71"/>
+          <p:cNvSpPr txBox="1"/>
+          <p:nvPr/>
+        </p:nvSpPr>
+        <p:spPr>
+          <a:xfrm>
+            <a:off x="9446895" y="784225"/>
+            <a:ext cx="1205230" cy="368300"/>
+          </a:xfrm>
+          <a:prstGeom prst="rect">
+            <a:avLst/>
+          </a:prstGeom>
+          <a:noFill/>
+        </p:spPr>
+        <p:txBody>
+          <a:bodyPr wrap="none" rtlCol="0">
+            <a:spAutoFit/>
+          </a:bodyPr>
+          <a:p>
+            <a:r>
+              <a:rPr lang="en-US" altLang="zh-CN" b="1"/>
+              <a:t>  </a:t>
+            </a:r>
+            <a:r>
+              <a:rPr lang="zh-CN" altLang="en-US" b="1"/>
+              <a:t>上传详情</a:t>
+            </a:r>
+            <a:endParaRPr lang="zh-CN" altLang="en-US" b="1"/>
+          </a:p>
+        </p:txBody>
+      </p:sp>
+      <p:sp>
+        <p:nvSpPr>
+          <p:cNvPr id="73" name="矩形 72"/>
+          <p:cNvSpPr/>
+          <p:nvPr/>
+        </p:nvSpPr>
+        <p:spPr>
+          <a:xfrm>
+            <a:off x="1083945" y="1342390"/>
+            <a:ext cx="2983230" cy="2019935"/>
+          </a:xfrm>
+          <a:prstGeom prst="rect">
+            <a:avLst/>
+          </a:prstGeom>
+          <a:noFill/>
+          <a:extLst>
+            <a:ext uri="{909E8E84-426E-40DD-AFC4-6F175D3DCCD1}">
+              <a14:hiddenFill xmlns:a14="http://schemas.microsoft.com/office/drawing/2010/main">
+                <a:solidFill>
+                  <a:schemeClr val="accent1"/>
+                </a:solidFill>
+              </a14:hiddenFill>
+            </a:ext>
+          </a:extLst>
+        </p:spPr>
+        <p:style>
+          <a:lnRef idx="2">
+            <a:schemeClr val="accent1">
+              <a:shade val="50000"/>
+            </a:schemeClr>
+          </a:lnRef>
+          <a:fillRef idx="1">
+            <a:schemeClr val="accent1"/>
+          </a:fillRef>
+          <a:effectRef idx="0">
+            <a:schemeClr val="accent1"/>
+          </a:effectRef>
+          <a:fontRef idx="minor">
+            <a:schemeClr val="lt1"/>
+          </a:fontRef>
+        </p:style>
+        <p:txBody>
+          <a:bodyPr rtlCol="0" anchor="ctr"/>
+          <a:p>
+            <a:pPr algn="ctr"/>
+            <a:endParaRPr lang="zh-CN" altLang="en-US"/>
+          </a:p>
+        </p:txBody>
+      </p:sp>
+      <p:sp>
+        <p:nvSpPr>
+          <p:cNvPr id="74" name="文本框 73"/>
+          <p:cNvSpPr txBox="1"/>
+          <p:nvPr/>
+        </p:nvSpPr>
+        <p:spPr>
+          <a:xfrm>
+            <a:off x="1432560" y="1833245"/>
+            <a:ext cx="1554480" cy="368300"/>
+          </a:xfrm>
+          <a:prstGeom prst="rect">
+            <a:avLst/>
+          </a:prstGeom>
+          <a:noFill/>
+        </p:spPr>
+        <p:txBody>
+          <a:bodyPr wrap="none" rtlCol="0">
+            <a:spAutoFit/>
+          </a:bodyPr>
+          <a:p>
+            <a:r>
+              <a:rPr lang="zh-CN" altLang="en-US"/>
+              <a:t>消息内容主体</a:t>
+            </a:r>
+            <a:endParaRPr lang="zh-CN" altLang="en-US"/>
+          </a:p>
+        </p:txBody>
+      </p:sp>
+      <p:sp>
+        <p:nvSpPr>
+          <p:cNvPr id="75" name="矩形 74"/>
+          <p:cNvSpPr/>
+          <p:nvPr/>
+        </p:nvSpPr>
+        <p:spPr>
+          <a:xfrm>
+            <a:off x="2969260" y="3362960"/>
+            <a:ext cx="1097915" cy="516890"/>
+          </a:xfrm>
+          <a:prstGeom prst="rect">
+            <a:avLst/>
+          </a:prstGeom>
+          <a:noFill/>
+          <a:extLst>
+            <a:ext uri="{909E8E84-426E-40DD-AFC4-6F175D3DCCD1}">
+              <a14:hiddenFill xmlns:a14="http://schemas.microsoft.com/office/drawing/2010/main">
+                <a:solidFill>
+                  <a:schemeClr val="accent1"/>
+                </a:solidFill>
+              </a14:hiddenFill>
+            </a:ext>
+          </a:extLst>
+        </p:spPr>
+        <p:style>
+          <a:lnRef idx="2">
+            <a:schemeClr val="accent1">
+              <a:shade val="50000"/>
+            </a:schemeClr>
+          </a:lnRef>
+          <a:fillRef idx="1">
+            <a:schemeClr val="accent1"/>
+          </a:fillRef>
+          <a:effectRef idx="0">
+            <a:schemeClr val="accent1"/>
+          </a:effectRef>
+          <a:fontRef idx="minor">
+            <a:schemeClr val="lt1"/>
+          </a:fontRef>
+        </p:style>
+        <p:txBody>
+          <a:bodyPr rtlCol="0" anchor="ctr"/>
+          <a:p>
+            <a:pPr algn="ctr"/>
+            <a:endParaRPr lang="zh-CN" altLang="en-US"/>
+          </a:p>
+        </p:txBody>
+      </p:sp>
+      <p:sp>
+        <p:nvSpPr>
+          <p:cNvPr id="76" name="文本框 75"/>
+          <p:cNvSpPr txBox="1"/>
+          <p:nvPr/>
+        </p:nvSpPr>
+        <p:spPr>
+          <a:xfrm>
+            <a:off x="3097530" y="3437890"/>
+            <a:ext cx="1016635" cy="368300"/>
           </a:xfrm>
           <a:prstGeom prst="rect">
             <a:avLst/>
@@ -34480,33 +38724,4461 @@
           <a:p>
             <a:r>
               <a:rPr lang="zh-CN" altLang="en-US"/>
-              <a:t>数据库：</a:t>
+              <a:t>发   送</a:t>
             </a:r>
             <a:endParaRPr lang="zh-CN" altLang="en-US"/>
           </a:p>
+        </p:txBody>
+      </p:sp>
+      <p:sp>
+        <p:nvSpPr>
+          <p:cNvPr id="77" name="矩形 76"/>
+          <p:cNvSpPr/>
+          <p:nvPr/>
+        </p:nvSpPr>
+        <p:spPr>
+          <a:xfrm>
+            <a:off x="4811395" y="2007235"/>
+            <a:ext cx="2570480" cy="542925"/>
+          </a:xfrm>
+          <a:prstGeom prst="rect">
+            <a:avLst/>
+          </a:prstGeom>
+          <a:noFill/>
+          <a:extLst>
+            <a:ext uri="{909E8E84-426E-40DD-AFC4-6F175D3DCCD1}">
+              <a14:hiddenFill xmlns:a14="http://schemas.microsoft.com/office/drawing/2010/main">
+                <a:solidFill>
+                  <a:schemeClr val="accent1"/>
+                </a:solidFill>
+              </a14:hiddenFill>
+            </a:ext>
+          </a:extLst>
+        </p:spPr>
+        <p:style>
+          <a:lnRef idx="2">
+            <a:schemeClr val="accent1">
+              <a:shade val="50000"/>
+            </a:schemeClr>
+          </a:lnRef>
+          <a:fillRef idx="1">
+            <a:schemeClr val="accent1"/>
+          </a:fillRef>
+          <a:effectRef idx="0">
+            <a:schemeClr val="accent1"/>
+          </a:effectRef>
+          <a:fontRef idx="minor">
+            <a:schemeClr val="lt1"/>
+          </a:fontRef>
+        </p:style>
+        <p:txBody>
+          <a:bodyPr rtlCol="0" anchor="ctr"/>
+          <a:p>
+            <a:pPr algn="ctr"/>
+            <a:endParaRPr lang="zh-CN" altLang="en-US"/>
+          </a:p>
+        </p:txBody>
+      </p:sp>
+      <p:sp>
+        <p:nvSpPr>
+          <p:cNvPr id="78" name="文本框 77"/>
+          <p:cNvSpPr txBox="1"/>
+          <p:nvPr/>
+        </p:nvSpPr>
+        <p:spPr>
+          <a:xfrm>
+            <a:off x="4811395" y="1464945"/>
+            <a:ext cx="1074420" cy="368300"/>
+          </a:xfrm>
+          <a:prstGeom prst="rect">
+            <a:avLst/>
+          </a:prstGeom>
+          <a:noFill/>
+        </p:spPr>
+        <p:txBody>
+          <a:bodyPr wrap="none" rtlCol="0">
+            <a:spAutoFit/>
+          </a:bodyPr>
+          <a:p>
+            <a:r>
+              <a:rPr lang="en-US" altLang="zh-CN"/>
+              <a:t>ISBN</a:t>
+            </a:r>
+            <a:r>
+              <a:rPr lang="zh-CN" altLang="en-US"/>
+              <a:t>码：</a:t>
+            </a:r>
+            <a:endParaRPr lang="zh-CN" altLang="en-US"/>
+          </a:p>
+        </p:txBody>
+      </p:sp>
+      <p:sp>
+        <p:nvSpPr>
+          <p:cNvPr id="79" name="文本框 78"/>
+          <p:cNvSpPr txBox="1"/>
+          <p:nvPr/>
+        </p:nvSpPr>
+        <p:spPr>
+          <a:xfrm>
+            <a:off x="4759325" y="2094230"/>
+            <a:ext cx="2398395" cy="337185"/>
+          </a:xfrm>
+          <a:prstGeom prst="rect">
+            <a:avLst/>
+          </a:prstGeom>
+          <a:noFill/>
+        </p:spPr>
+        <p:txBody>
+          <a:bodyPr wrap="none" rtlCol="0">
+            <a:spAutoFit/>
+          </a:bodyPr>
+          <a:p>
+            <a:r>
+              <a:rPr lang="zh-CN" altLang="en-US" sz="1600">
+                <a:solidFill>
+                  <a:schemeClr val="bg1">
+                    <a:lumMod val="50000"/>
+                  </a:schemeClr>
+                </a:solidFill>
+              </a:rPr>
+              <a:t>请输入书本后面的</a:t>
+            </a:r>
+            <a:r>
+              <a:rPr lang="en-US" altLang="zh-CN" sz="1600">
+                <a:solidFill>
+                  <a:schemeClr val="bg1">
+                    <a:lumMod val="50000"/>
+                  </a:schemeClr>
+                </a:solidFill>
+              </a:rPr>
+              <a:t>ISBN</a:t>
+            </a:r>
+            <a:r>
+              <a:rPr lang="zh-CN" altLang="en-US" sz="1600">
+                <a:solidFill>
+                  <a:schemeClr val="bg1">
+                    <a:lumMod val="50000"/>
+                  </a:schemeClr>
+                </a:solidFill>
+              </a:rPr>
+              <a:t>码</a:t>
+            </a:r>
+            <a:endParaRPr lang="zh-CN" altLang="en-US" sz="1600">
+              <a:solidFill>
+                <a:schemeClr val="bg1">
+                  <a:lumMod val="50000"/>
+                </a:schemeClr>
+              </a:solidFill>
+            </a:endParaRPr>
+          </a:p>
+        </p:txBody>
+      </p:sp>
+      <p:sp>
+        <p:nvSpPr>
+          <p:cNvPr id="80" name="矩形 79"/>
+          <p:cNvSpPr/>
+          <p:nvPr/>
+        </p:nvSpPr>
+        <p:spPr>
+          <a:xfrm>
+            <a:off x="6309995" y="2747010"/>
+            <a:ext cx="1071880" cy="467995"/>
+          </a:xfrm>
+          <a:prstGeom prst="rect">
+            <a:avLst/>
+          </a:prstGeom>
+          <a:noFill/>
+          <a:extLst>
+            <a:ext uri="{909E8E84-426E-40DD-AFC4-6F175D3DCCD1}">
+              <a14:hiddenFill xmlns:a14="http://schemas.microsoft.com/office/drawing/2010/main">
+                <a:solidFill>
+                  <a:schemeClr val="accent1"/>
+                </a:solidFill>
+              </a14:hiddenFill>
+            </a:ext>
+          </a:extLst>
+        </p:spPr>
+        <p:style>
+          <a:lnRef idx="2">
+            <a:schemeClr val="accent1">
+              <a:shade val="50000"/>
+            </a:schemeClr>
+          </a:lnRef>
+          <a:fillRef idx="1">
+            <a:schemeClr val="accent1"/>
+          </a:fillRef>
+          <a:effectRef idx="0">
+            <a:schemeClr val="accent1"/>
+          </a:effectRef>
+          <a:fontRef idx="minor">
+            <a:schemeClr val="lt1"/>
+          </a:fontRef>
+        </p:style>
+        <p:txBody>
+          <a:bodyPr rtlCol="0" anchor="ctr"/>
+          <a:p>
+            <a:pPr algn="ctr"/>
+            <a:endParaRPr lang="zh-CN" altLang="en-US"/>
+          </a:p>
+        </p:txBody>
+      </p:sp>
+      <p:sp>
+        <p:nvSpPr>
+          <p:cNvPr id="81" name="文本框 80"/>
+          <p:cNvSpPr txBox="1"/>
+          <p:nvPr/>
+        </p:nvSpPr>
+        <p:spPr>
+          <a:xfrm>
+            <a:off x="6517640" y="2796540"/>
+            <a:ext cx="640080" cy="368300"/>
+          </a:xfrm>
+          <a:prstGeom prst="rect">
+            <a:avLst/>
+          </a:prstGeom>
+          <a:noFill/>
+        </p:spPr>
+        <p:txBody>
+          <a:bodyPr wrap="none" rtlCol="0">
+            <a:spAutoFit/>
+          </a:bodyPr>
           <a:p>
             <a:r>
               <a:rPr lang="zh-CN" altLang="en-US"/>
-              <a:t>用户信息表。</a:t>
+              <a:t>上传</a:t>
             </a:r>
             <a:endParaRPr lang="zh-CN" altLang="en-US"/>
           </a:p>
+        </p:txBody>
+      </p:sp>
+      <p:cxnSp>
+        <p:nvCxnSpPr>
+          <p:cNvPr id="84" name="直接连接符 83"/>
+          <p:cNvCxnSpPr/>
+          <p:nvPr/>
+        </p:nvCxnSpPr>
+        <p:spPr>
+          <a:xfrm flipV="1">
+            <a:off x="8609330" y="1329055"/>
+            <a:ext cx="3083560" cy="13335"/>
+          </a:xfrm>
+          <a:prstGeom prst="line">
+            <a:avLst/>
+          </a:prstGeom>
+        </p:spPr>
+        <p:style>
+          <a:lnRef idx="1">
+            <a:schemeClr val="accent1"/>
+          </a:lnRef>
+          <a:fillRef idx="0">
+            <a:schemeClr val="accent1"/>
+          </a:fillRef>
+          <a:effectRef idx="0">
+            <a:schemeClr val="accent1"/>
+          </a:effectRef>
+          <a:fontRef idx="minor">
+            <a:schemeClr val="tx1"/>
+          </a:fontRef>
+        </p:style>
+      </p:cxnSp>
+      <p:sp>
+        <p:nvSpPr>
+          <p:cNvPr id="85" name="圆角矩形 84"/>
+          <p:cNvSpPr/>
+          <p:nvPr/>
+        </p:nvSpPr>
+        <p:spPr>
+          <a:xfrm>
+            <a:off x="8609330" y="1342390"/>
+            <a:ext cx="3086735" cy="1033145"/>
+          </a:xfrm>
+          <a:prstGeom prst="roundRect">
+            <a:avLst/>
+          </a:prstGeom>
+          <a:noFill/>
+          <a:extLst>
+            <a:ext uri="{909E8E84-426E-40DD-AFC4-6F175D3DCCD1}">
+              <a14:hiddenFill xmlns:a14="http://schemas.microsoft.com/office/drawing/2010/main">
+                <a:solidFill>
+                  <a:schemeClr val="bg1"/>
+                </a:solidFill>
+              </a14:hiddenFill>
+            </a:ext>
+          </a:extLst>
+        </p:spPr>
+        <p:style>
+          <a:lnRef idx="2">
+            <a:schemeClr val="accent1">
+              <a:shade val="50000"/>
+            </a:schemeClr>
+          </a:lnRef>
+          <a:fillRef idx="1">
+            <a:schemeClr val="accent1"/>
+          </a:fillRef>
+          <a:effectRef idx="0">
+            <a:schemeClr val="accent1"/>
+          </a:effectRef>
+          <a:fontRef idx="minor">
+            <a:schemeClr val="lt1"/>
+          </a:fontRef>
+        </p:style>
+        <p:txBody>
+          <a:bodyPr rtlCol="0" anchor="ctr"/>
+          <a:p>
+            <a:pPr algn="ctr"/>
+            <a:endParaRPr lang="zh-CN" altLang="en-US"/>
+          </a:p>
+        </p:txBody>
+      </p:sp>
+      <p:sp>
+        <p:nvSpPr>
+          <p:cNvPr id="86" name="竖卷形 85"/>
+          <p:cNvSpPr/>
+          <p:nvPr/>
+        </p:nvSpPr>
+        <p:spPr>
+          <a:xfrm>
+            <a:off x="8750300" y="1423035"/>
+            <a:ext cx="607060" cy="684530"/>
+          </a:xfrm>
+          <a:prstGeom prst="verticalScroll">
+            <a:avLst/>
+          </a:prstGeom>
+          <a:solidFill>
+            <a:srgbClr val="FFFF00"/>
+          </a:solidFill>
+        </p:spPr>
+        <p:style>
+          <a:lnRef idx="2">
+            <a:schemeClr val="accent1">
+              <a:shade val="50000"/>
+            </a:schemeClr>
+          </a:lnRef>
+          <a:fillRef idx="1">
+            <a:schemeClr val="accent1"/>
+          </a:fillRef>
+          <a:effectRef idx="0">
+            <a:schemeClr val="accent1"/>
+          </a:effectRef>
+          <a:fontRef idx="minor">
+            <a:schemeClr val="lt1"/>
+          </a:fontRef>
+        </p:style>
+        <p:txBody>
+          <a:bodyPr rtlCol="0" anchor="ctr"/>
+          <a:p>
+            <a:pPr algn="ctr"/>
+            <a:endParaRPr lang="zh-CN" altLang="en-US"/>
+          </a:p>
+        </p:txBody>
+      </p:sp>
+      <p:sp>
+        <p:nvSpPr>
+          <p:cNvPr id="87" name="文本框 86"/>
+          <p:cNvSpPr txBox="1"/>
+          <p:nvPr/>
+        </p:nvSpPr>
+        <p:spPr>
+          <a:xfrm>
+            <a:off x="9601835" y="1423035"/>
+            <a:ext cx="995680" cy="337185"/>
+          </a:xfrm>
+          <a:prstGeom prst="rect">
+            <a:avLst/>
+          </a:prstGeom>
+          <a:noFill/>
+        </p:spPr>
+        <p:txBody>
+          <a:bodyPr wrap="none" rtlCol="0">
+            <a:spAutoFit/>
+          </a:bodyPr>
+          <a:p>
+            <a:r>
+              <a:rPr lang="zh-CN" altLang="en-US" sz="1600"/>
+              <a:t>图书名称</a:t>
+            </a:r>
+            <a:endParaRPr lang="zh-CN" altLang="en-US" sz="1600"/>
+          </a:p>
+        </p:txBody>
+      </p:sp>
+      <p:sp>
+        <p:nvSpPr>
+          <p:cNvPr id="88" name="文本框 87"/>
+          <p:cNvSpPr txBox="1"/>
+          <p:nvPr/>
+        </p:nvSpPr>
+        <p:spPr>
+          <a:xfrm>
+            <a:off x="9601835" y="1826260"/>
+            <a:ext cx="875030" cy="398780"/>
+          </a:xfrm>
+          <a:prstGeom prst="rect">
+            <a:avLst/>
+          </a:prstGeom>
+          <a:noFill/>
+        </p:spPr>
+        <p:txBody>
+          <a:bodyPr wrap="none" rtlCol="0">
+            <a:spAutoFit/>
+          </a:bodyPr>
+          <a:p>
+            <a:r>
+              <a:rPr lang="zh-CN" altLang="en-US" sz="1000"/>
+              <a:t>作者</a:t>
+            </a:r>
+            <a:endParaRPr lang="zh-CN" altLang="en-US" sz="1000"/>
+          </a:p>
+          <a:p>
+            <a:r>
+              <a:rPr lang="zh-CN" altLang="en-US" sz="1000"/>
+              <a:t>出版社  时间</a:t>
+            </a:r>
+            <a:endParaRPr lang="zh-CN" altLang="en-US" sz="1000"/>
+          </a:p>
+        </p:txBody>
+      </p:sp>
+      <p:sp>
+        <p:nvSpPr>
+          <p:cNvPr id="91" name="文本框 90"/>
+          <p:cNvSpPr txBox="1"/>
+          <p:nvPr/>
+        </p:nvSpPr>
+        <p:spPr>
+          <a:xfrm>
+            <a:off x="8764905" y="1504315"/>
+            <a:ext cx="592455" cy="521970"/>
+          </a:xfrm>
+          <a:prstGeom prst="rect">
+            <a:avLst/>
+          </a:prstGeom>
+          <a:noFill/>
+        </p:spPr>
+        <p:txBody>
+          <a:bodyPr wrap="square" rtlCol="0">
+            <a:spAutoFit/>
+          </a:bodyPr>
+          <a:p>
+            <a:r>
+              <a:rPr lang="zh-CN" altLang="en-US" sz="1400" b="1"/>
+              <a:t>图书图片</a:t>
+            </a:r>
+            <a:endParaRPr lang="zh-CN" altLang="en-US" sz="1400" b="1"/>
+          </a:p>
+        </p:txBody>
+      </p:sp>
+      <p:sp>
+        <p:nvSpPr>
+          <p:cNvPr id="93" name="文本框 92"/>
+          <p:cNvSpPr txBox="1"/>
+          <p:nvPr/>
+        </p:nvSpPr>
+        <p:spPr>
+          <a:xfrm>
+            <a:off x="8717280" y="2428240"/>
+            <a:ext cx="640080" cy="368300"/>
+          </a:xfrm>
+          <a:prstGeom prst="rect">
+            <a:avLst/>
+          </a:prstGeom>
+          <a:noFill/>
+        </p:spPr>
+        <p:txBody>
+          <a:bodyPr wrap="none" rtlCol="0">
+            <a:spAutoFit/>
+          </a:bodyPr>
           <a:p>
             <a:r>
               <a:rPr lang="zh-CN" altLang="en-US"/>
-              <a:t>商家信息表。</a:t>
+              <a:t>标签</a:t>
             </a:r>
             <a:endParaRPr lang="zh-CN" altLang="en-US"/>
           </a:p>
+        </p:txBody>
+      </p:sp>
+      <p:sp>
+        <p:nvSpPr>
+          <p:cNvPr id="94" name="圆角矩形 93"/>
+          <p:cNvSpPr/>
+          <p:nvPr/>
+        </p:nvSpPr>
+        <p:spPr>
+          <a:xfrm>
+            <a:off x="8840470" y="2801620"/>
+            <a:ext cx="516890" cy="180975"/>
+          </a:xfrm>
+          <a:prstGeom prst="roundRect">
+            <a:avLst/>
+          </a:prstGeom>
+          <a:ln>
+            <a:solidFill>
+              <a:schemeClr val="accent1">
+                <a:lumMod val="75000"/>
+              </a:schemeClr>
+            </a:solidFill>
+          </a:ln>
+        </p:spPr>
+        <p:style>
+          <a:lnRef idx="2">
+            <a:schemeClr val="accent1">
+              <a:shade val="50000"/>
+            </a:schemeClr>
+          </a:lnRef>
+          <a:fillRef idx="1">
+            <a:schemeClr val="accent1"/>
+          </a:fillRef>
+          <a:effectRef idx="0">
+            <a:schemeClr val="accent1"/>
+          </a:effectRef>
+          <a:fontRef idx="minor">
+            <a:schemeClr val="lt1"/>
+          </a:fontRef>
+        </p:style>
+        <p:txBody>
+          <a:bodyPr rtlCol="0" anchor="ctr"/>
+          <a:p>
+            <a:pPr algn="ctr"/>
+            <a:endParaRPr lang="zh-CN" altLang="en-US"/>
+          </a:p>
+        </p:txBody>
+      </p:sp>
+      <p:sp>
+        <p:nvSpPr>
+          <p:cNvPr id="95" name="圆角矩形 94"/>
+          <p:cNvSpPr/>
+          <p:nvPr/>
+        </p:nvSpPr>
+        <p:spPr>
+          <a:xfrm>
+            <a:off x="10742295" y="2801620"/>
+            <a:ext cx="516890" cy="180975"/>
+          </a:xfrm>
+          <a:prstGeom prst="roundRect">
+            <a:avLst/>
+          </a:prstGeom>
+          <a:ln>
+            <a:solidFill>
+              <a:schemeClr val="accent1">
+                <a:lumMod val="75000"/>
+              </a:schemeClr>
+            </a:solidFill>
+          </a:ln>
+        </p:spPr>
+        <p:style>
+          <a:lnRef idx="2">
+            <a:schemeClr val="accent1">
+              <a:shade val="50000"/>
+            </a:schemeClr>
+          </a:lnRef>
+          <a:fillRef idx="1">
+            <a:schemeClr val="accent1"/>
+          </a:fillRef>
+          <a:effectRef idx="0">
+            <a:schemeClr val="accent1"/>
+          </a:effectRef>
+          <a:fontRef idx="minor">
+            <a:schemeClr val="lt1"/>
+          </a:fontRef>
+        </p:style>
+        <p:txBody>
+          <a:bodyPr rtlCol="0" anchor="ctr"/>
+          <a:p>
+            <a:pPr algn="ctr"/>
+            <a:endParaRPr lang="zh-CN" altLang="en-US"/>
+          </a:p>
+        </p:txBody>
+      </p:sp>
+      <p:sp>
+        <p:nvSpPr>
+          <p:cNvPr id="96" name="圆角矩形 95"/>
+          <p:cNvSpPr/>
+          <p:nvPr/>
+        </p:nvSpPr>
+        <p:spPr>
+          <a:xfrm>
+            <a:off x="9780905" y="2801620"/>
+            <a:ext cx="516890" cy="180975"/>
+          </a:xfrm>
+          <a:prstGeom prst="roundRect">
+            <a:avLst/>
+          </a:prstGeom>
+          <a:ln>
+            <a:solidFill>
+              <a:schemeClr val="accent1">
+                <a:lumMod val="75000"/>
+              </a:schemeClr>
+            </a:solidFill>
+          </a:ln>
+        </p:spPr>
+        <p:style>
+          <a:lnRef idx="2">
+            <a:schemeClr val="accent1">
+              <a:shade val="50000"/>
+            </a:schemeClr>
+          </a:lnRef>
+          <a:fillRef idx="1">
+            <a:schemeClr val="accent1"/>
+          </a:fillRef>
+          <a:effectRef idx="0">
+            <a:schemeClr val="accent1"/>
+          </a:effectRef>
+          <a:fontRef idx="minor">
+            <a:schemeClr val="lt1"/>
+          </a:fontRef>
+        </p:style>
+        <p:txBody>
+          <a:bodyPr rtlCol="0" anchor="ctr"/>
+          <a:p>
+            <a:pPr algn="ctr"/>
+            <a:endParaRPr lang="zh-CN" altLang="en-US"/>
+          </a:p>
+        </p:txBody>
+      </p:sp>
+      <p:sp>
+        <p:nvSpPr>
+          <p:cNvPr id="97" name="文本框 96"/>
+          <p:cNvSpPr txBox="1"/>
+          <p:nvPr/>
+        </p:nvSpPr>
+        <p:spPr>
+          <a:xfrm>
+            <a:off x="8764905" y="3069590"/>
+            <a:ext cx="1615440" cy="368300"/>
+          </a:xfrm>
+          <a:prstGeom prst="rect">
+            <a:avLst/>
+          </a:prstGeom>
+          <a:noFill/>
+        </p:spPr>
+        <p:txBody>
+          <a:bodyPr wrap="none" rtlCol="0">
+            <a:spAutoFit/>
+          </a:bodyPr>
           <a:p>
             <a:r>
               <a:rPr lang="zh-CN" altLang="en-US"/>
-              <a:t>图书信息表。</a:t>
+              <a:t>个人阅读心得</a:t>
+            </a:r>
+            <a:r>
+              <a:rPr lang="en-US" altLang="zh-CN"/>
+              <a:t>:</a:t>
+            </a:r>
+            <a:endParaRPr lang="en-US" altLang="zh-CN"/>
+          </a:p>
+        </p:txBody>
+      </p:sp>
+      <p:sp>
+        <p:nvSpPr>
+          <p:cNvPr id="98" name="圆角矩形 97"/>
+          <p:cNvSpPr/>
+          <p:nvPr/>
+        </p:nvSpPr>
+        <p:spPr>
+          <a:xfrm>
+            <a:off x="8764905" y="3437890"/>
+            <a:ext cx="2748915" cy="852170"/>
+          </a:xfrm>
+          <a:prstGeom prst="roundRect">
+            <a:avLst/>
+          </a:prstGeom>
+          <a:noFill/>
+          <a:extLst>
+            <a:ext uri="{909E8E84-426E-40DD-AFC4-6F175D3DCCD1}">
+              <a14:hiddenFill xmlns:a14="http://schemas.microsoft.com/office/drawing/2010/main">
+                <a:solidFill>
+                  <a:schemeClr val="accent1"/>
+                </a:solidFill>
+              </a14:hiddenFill>
+            </a:ext>
+          </a:extLst>
+        </p:spPr>
+        <p:style>
+          <a:lnRef idx="2">
+            <a:schemeClr val="accent1">
+              <a:shade val="50000"/>
+            </a:schemeClr>
+          </a:lnRef>
+          <a:fillRef idx="1">
+            <a:schemeClr val="accent1"/>
+          </a:fillRef>
+          <a:effectRef idx="0">
+            <a:schemeClr val="accent1"/>
+          </a:effectRef>
+          <a:fontRef idx="minor">
+            <a:schemeClr val="lt1"/>
+          </a:fontRef>
+        </p:style>
+        <p:txBody>
+          <a:bodyPr rtlCol="0" anchor="ctr"/>
+          <a:p>
+            <a:pPr algn="ctr"/>
+            <a:endParaRPr lang="zh-CN" altLang="en-US"/>
+          </a:p>
+        </p:txBody>
+      </p:sp>
+      <p:sp>
+        <p:nvSpPr>
+          <p:cNvPr id="99" name="文本框 98"/>
+          <p:cNvSpPr txBox="1"/>
+          <p:nvPr/>
+        </p:nvSpPr>
+        <p:spPr>
+          <a:xfrm>
+            <a:off x="8750300" y="4377690"/>
+            <a:ext cx="1325880" cy="368300"/>
+          </a:xfrm>
+          <a:prstGeom prst="rect">
+            <a:avLst/>
+          </a:prstGeom>
+          <a:noFill/>
+        </p:spPr>
+        <p:txBody>
+          <a:bodyPr wrap="none" rtlCol="0">
+            <a:spAutoFit/>
+          </a:bodyPr>
+          <a:p>
+            <a:r>
+              <a:rPr lang="zh-CN" altLang="en-US"/>
+              <a:t>分享类型：</a:t>
             </a:r>
             <a:endParaRPr lang="zh-CN" altLang="en-US"/>
           </a:p>
+        </p:txBody>
+      </p:sp>
+      <p:sp>
+        <p:nvSpPr>
+          <p:cNvPr id="100" name="圆角矩形 99"/>
+          <p:cNvSpPr/>
+          <p:nvPr/>
+        </p:nvSpPr>
+        <p:spPr>
+          <a:xfrm>
+            <a:off x="8848725" y="4842510"/>
+            <a:ext cx="2608580" cy="490855"/>
+          </a:xfrm>
+          <a:prstGeom prst="roundRect">
+            <a:avLst/>
+          </a:prstGeom>
+          <a:noFill/>
+          <a:extLst>
+            <a:ext uri="{909E8E84-426E-40DD-AFC4-6F175D3DCCD1}">
+              <a14:hiddenFill xmlns:a14="http://schemas.microsoft.com/office/drawing/2010/main">
+                <a:solidFill>
+                  <a:schemeClr val="accent1"/>
+                </a:solidFill>
+              </a14:hiddenFill>
+            </a:ext>
+          </a:extLst>
+        </p:spPr>
+        <p:style>
+          <a:lnRef idx="2">
+            <a:schemeClr val="accent1">
+              <a:shade val="50000"/>
+            </a:schemeClr>
+          </a:lnRef>
+          <a:fillRef idx="1">
+            <a:schemeClr val="accent1"/>
+          </a:fillRef>
+          <a:effectRef idx="0">
+            <a:schemeClr val="accent1"/>
+          </a:effectRef>
+          <a:fontRef idx="minor">
+            <a:schemeClr val="lt1"/>
+          </a:fontRef>
+        </p:style>
+        <p:txBody>
+          <a:bodyPr rtlCol="0" anchor="ctr"/>
           <a:p>
+            <a:pPr algn="ctr"/>
             <a:endParaRPr lang="zh-CN" altLang="en-US"/>
+          </a:p>
+        </p:txBody>
+      </p:sp>
+      <p:cxnSp>
+        <p:nvCxnSpPr>
+          <p:cNvPr id="101" name="直接连接符 100"/>
+          <p:cNvCxnSpPr>
+            <a:stCxn id="100" idx="0"/>
+            <a:endCxn id="100" idx="2"/>
+          </p:cNvCxnSpPr>
+          <p:nvPr/>
+        </p:nvCxnSpPr>
+        <p:spPr>
+          <a:xfrm>
+            <a:off x="10153015" y="4842510"/>
+            <a:ext cx="0" cy="490855"/>
+          </a:xfrm>
+          <a:prstGeom prst="line">
+            <a:avLst/>
+          </a:prstGeom>
+        </p:spPr>
+        <p:style>
+          <a:lnRef idx="1">
+            <a:schemeClr val="accent1"/>
+          </a:lnRef>
+          <a:fillRef idx="0">
+            <a:schemeClr val="accent1"/>
+          </a:fillRef>
+          <a:effectRef idx="0">
+            <a:schemeClr val="accent1"/>
+          </a:effectRef>
+          <a:fontRef idx="minor">
+            <a:schemeClr val="tx1"/>
+          </a:fontRef>
+        </p:style>
+      </p:cxnSp>
+      <p:sp>
+        <p:nvSpPr>
+          <p:cNvPr id="102" name="文本框 101"/>
+          <p:cNvSpPr txBox="1"/>
+          <p:nvPr/>
+        </p:nvSpPr>
+        <p:spPr>
+          <a:xfrm>
+            <a:off x="9023985" y="4903470"/>
+            <a:ext cx="1097280" cy="368300"/>
+          </a:xfrm>
+          <a:prstGeom prst="rect">
+            <a:avLst/>
+          </a:prstGeom>
+          <a:noFill/>
+        </p:spPr>
+        <p:txBody>
+          <a:bodyPr wrap="none" rtlCol="0">
+            <a:spAutoFit/>
+          </a:bodyPr>
+          <a:p>
+            <a:r>
+              <a:rPr lang="zh-CN" altLang="en-US"/>
+              <a:t>需要归还</a:t>
+            </a:r>
+            <a:endParaRPr lang="zh-CN" altLang="en-US"/>
+          </a:p>
+        </p:txBody>
+      </p:sp>
+      <p:sp>
+        <p:nvSpPr>
+          <p:cNvPr id="103" name="文本框 102"/>
+          <p:cNvSpPr txBox="1"/>
+          <p:nvPr/>
+        </p:nvSpPr>
+        <p:spPr>
+          <a:xfrm>
+            <a:off x="10297795" y="4904105"/>
+            <a:ext cx="1097280" cy="368300"/>
+          </a:xfrm>
+          <a:prstGeom prst="rect">
+            <a:avLst/>
+          </a:prstGeom>
+          <a:noFill/>
+        </p:spPr>
+        <p:txBody>
+          <a:bodyPr wrap="none" rtlCol="0">
+            <a:spAutoFit/>
+          </a:bodyPr>
+          <a:p>
+            <a:r>
+              <a:rPr lang="zh-CN" altLang="en-US"/>
+              <a:t>无需归还</a:t>
+            </a:r>
+            <a:endParaRPr lang="zh-CN" altLang="en-US"/>
+          </a:p>
+        </p:txBody>
+      </p:sp>
+      <p:sp>
+        <p:nvSpPr>
+          <p:cNvPr id="104" name="圆角矩形 103"/>
+          <p:cNvSpPr/>
+          <p:nvPr/>
+        </p:nvSpPr>
+        <p:spPr>
+          <a:xfrm>
+            <a:off x="9446895" y="5717540"/>
+            <a:ext cx="1743075" cy="478155"/>
+          </a:xfrm>
+          <a:prstGeom prst="roundRect">
+            <a:avLst/>
+          </a:prstGeom>
+          <a:noFill/>
+          <a:extLst>
+            <a:ext uri="{909E8E84-426E-40DD-AFC4-6F175D3DCCD1}">
+              <a14:hiddenFill xmlns:a14="http://schemas.microsoft.com/office/drawing/2010/main">
+                <a:solidFill>
+                  <a:schemeClr val="accent1"/>
+                </a:solidFill>
+              </a14:hiddenFill>
+            </a:ext>
+          </a:extLst>
+        </p:spPr>
+        <p:style>
+          <a:lnRef idx="2">
+            <a:schemeClr val="accent1">
+              <a:shade val="50000"/>
+            </a:schemeClr>
+          </a:lnRef>
+          <a:fillRef idx="1">
+            <a:schemeClr val="accent1"/>
+          </a:fillRef>
+          <a:effectRef idx="0">
+            <a:schemeClr val="accent1"/>
+          </a:effectRef>
+          <a:fontRef idx="minor">
+            <a:schemeClr val="lt1"/>
+          </a:fontRef>
+        </p:style>
+        <p:txBody>
+          <a:bodyPr rtlCol="0" anchor="ctr"/>
+          <a:p>
+            <a:pPr algn="ctr"/>
+            <a:endParaRPr lang="zh-CN" altLang="en-US"/>
+          </a:p>
+        </p:txBody>
+      </p:sp>
+      <p:sp>
+        <p:nvSpPr>
+          <p:cNvPr id="105" name="文本框 104"/>
+          <p:cNvSpPr txBox="1"/>
+          <p:nvPr/>
+        </p:nvSpPr>
+        <p:spPr>
+          <a:xfrm>
+            <a:off x="9780905" y="5827395"/>
+            <a:ext cx="1097280" cy="368300"/>
+          </a:xfrm>
+          <a:prstGeom prst="rect">
+            <a:avLst/>
+          </a:prstGeom>
+          <a:noFill/>
+        </p:spPr>
+        <p:txBody>
+          <a:bodyPr wrap="none" rtlCol="0">
+            <a:spAutoFit/>
+          </a:bodyPr>
+          <a:p>
+            <a:r>
+              <a:rPr lang="zh-CN" altLang="en-US"/>
+              <a:t>确认分享</a:t>
+            </a:r>
+            <a:endParaRPr lang="zh-CN" altLang="en-US"/>
+          </a:p>
+        </p:txBody>
+      </p:sp>
+    </p:spTree>
+  </p:cSld>
+  <p:clrMapOvr>
+    <a:masterClrMapping/>
+  </p:clrMapOvr>
+  <mc:AlternateContent xmlns:mc="http://schemas.openxmlformats.org/markup-compatibility/2006">
+    <mc:Choice xmlns:p14="http://schemas.microsoft.com/office/powerpoint/2010/main" Requires="p14">
+      <p:transition p14:dur="250">
+        <p:fade/>
+      </p:transition>
+    </mc:Choice>
+    <mc:Fallback>
+      <p:transition>
+        <p:fade/>
+      </p:transition>
+    </mc:Fallback>
+  </mc:AlternateContent>
+</p:sld>
+</file>
+
+<file path=ppt/slides/slide9.xml><?xml version="1.0" encoding="utf-8"?>
+<p:sld xmlns:a="http://schemas.openxmlformats.org/drawingml/2006/main" xmlns:r="http://schemas.openxmlformats.org/officeDocument/2006/relationships" xmlns:p="http://schemas.openxmlformats.org/presentationml/2006/main">
+  <p:cSld>
+    <p:spTree>
+      <p:nvGrpSpPr>
+        <p:cNvPr id="1" name=""/>
+        <p:cNvGrpSpPr/>
+        <p:nvPr/>
+      </p:nvGrpSpPr>
+      <p:grpSpPr/>
+      <p:sp>
+        <p:nvSpPr>
+          <p:cNvPr id="5" name="矩形 4"/>
+          <p:cNvSpPr/>
+          <p:nvPr/>
+        </p:nvSpPr>
+        <p:spPr>
+          <a:xfrm>
+            <a:off x="668655" y="600710"/>
+            <a:ext cx="3071495" cy="5887085"/>
+          </a:xfrm>
+          <a:prstGeom prst="rect">
+            <a:avLst/>
+          </a:prstGeom>
+          <a:noFill/>
+          <a:extLst>
+            <a:ext uri="{909E8E84-426E-40DD-AFC4-6F175D3DCCD1}">
+              <a14:hiddenFill xmlns:a14="http://schemas.microsoft.com/office/drawing/2010/main">
+                <a:solidFill>
+                  <a:schemeClr val="accent1"/>
+                </a:solidFill>
+              </a14:hiddenFill>
+            </a:ext>
+          </a:extLst>
+        </p:spPr>
+        <p:style>
+          <a:lnRef idx="2">
+            <a:schemeClr val="accent1">
+              <a:shade val="50000"/>
+            </a:schemeClr>
+          </a:lnRef>
+          <a:fillRef idx="1">
+            <a:schemeClr val="accent1"/>
+          </a:fillRef>
+          <a:effectRef idx="0">
+            <a:schemeClr val="accent1"/>
+          </a:effectRef>
+          <a:fontRef idx="minor">
+            <a:schemeClr val="lt1"/>
+          </a:fontRef>
+        </p:style>
+        <p:txBody>
+          <a:bodyPr rtlCol="0" anchor="ctr"/>
+          <a:p>
+            <a:pPr algn="ctr"/>
+            <a:endParaRPr lang="zh-CN" altLang="en-US"/>
+          </a:p>
+        </p:txBody>
+      </p:sp>
+      <p:sp>
+        <p:nvSpPr>
+          <p:cNvPr id="7" name="矩形 6"/>
+          <p:cNvSpPr/>
+          <p:nvPr/>
+        </p:nvSpPr>
+        <p:spPr>
+          <a:xfrm>
+            <a:off x="668655" y="605155"/>
+            <a:ext cx="3071495" cy="570865"/>
+          </a:xfrm>
+          <a:prstGeom prst="rect">
+            <a:avLst/>
+          </a:prstGeom>
+          <a:noFill/>
+          <a:ln>
+            <a:solidFill>
+              <a:schemeClr val="accent1">
+                <a:lumMod val="50000"/>
+              </a:schemeClr>
+            </a:solidFill>
+          </a:ln>
+          <a:extLst>
+            <a:ext uri="{909E8E84-426E-40DD-AFC4-6F175D3DCCD1}">
+              <a14:hiddenFill xmlns:a14="http://schemas.microsoft.com/office/drawing/2010/main">
+                <a:solidFill>
+                  <a:schemeClr val="accent1"/>
+                </a:solidFill>
+              </a14:hiddenFill>
+            </a:ext>
+          </a:extLst>
+        </p:spPr>
+        <p:style>
+          <a:lnRef idx="2">
+            <a:schemeClr val="accent1">
+              <a:shade val="50000"/>
+            </a:schemeClr>
+          </a:lnRef>
+          <a:fillRef idx="1">
+            <a:schemeClr val="accent1"/>
+          </a:fillRef>
+          <a:effectRef idx="0">
+            <a:schemeClr val="accent1"/>
+          </a:effectRef>
+          <a:fontRef idx="minor">
+            <a:schemeClr val="lt1"/>
+          </a:fontRef>
+        </p:style>
+        <p:txBody>
+          <a:bodyPr rtlCol="0" anchor="ctr"/>
+          <a:p>
+            <a:pPr algn="ctr"/>
+            <a:endParaRPr lang="zh-CN" altLang="en-US"/>
+          </a:p>
+        </p:txBody>
+      </p:sp>
+      <p:sp>
+        <p:nvSpPr>
+          <p:cNvPr id="10" name="文本框 9"/>
+          <p:cNvSpPr txBox="1"/>
+          <p:nvPr/>
+        </p:nvSpPr>
+        <p:spPr>
+          <a:xfrm>
+            <a:off x="1652905" y="706120"/>
+            <a:ext cx="1102360" cy="368300"/>
+          </a:xfrm>
+          <a:prstGeom prst="rect">
+            <a:avLst/>
+          </a:prstGeom>
+          <a:noFill/>
+        </p:spPr>
+        <p:txBody>
+          <a:bodyPr wrap="none" rtlCol="0">
+            <a:spAutoFit/>
+          </a:bodyPr>
+          <a:p>
+            <a:r>
+              <a:rPr lang="zh-CN" altLang="en-US" b="1"/>
+              <a:t>借阅书籍</a:t>
+            </a:r>
+            <a:endParaRPr lang="zh-CN" altLang="en-US" b="1"/>
+          </a:p>
+        </p:txBody>
+      </p:sp>
+      <p:sp>
+        <p:nvSpPr>
+          <p:cNvPr id="20" name="竖卷形 19"/>
+          <p:cNvSpPr/>
+          <p:nvPr/>
+        </p:nvSpPr>
+        <p:spPr>
+          <a:xfrm>
+            <a:off x="801370" y="1332865"/>
+            <a:ext cx="607060" cy="684530"/>
+          </a:xfrm>
+          <a:prstGeom prst="verticalScroll">
+            <a:avLst/>
+          </a:prstGeom>
+          <a:solidFill>
+            <a:srgbClr val="FFFF00"/>
+          </a:solidFill>
+        </p:spPr>
+        <p:style>
+          <a:lnRef idx="2">
+            <a:schemeClr val="accent1">
+              <a:shade val="50000"/>
+            </a:schemeClr>
+          </a:lnRef>
+          <a:fillRef idx="1">
+            <a:schemeClr val="accent1"/>
+          </a:fillRef>
+          <a:effectRef idx="0">
+            <a:schemeClr val="accent1"/>
+          </a:effectRef>
+          <a:fontRef idx="minor">
+            <a:schemeClr val="lt1"/>
+          </a:fontRef>
+        </p:style>
+        <p:txBody>
+          <a:bodyPr rtlCol="0" anchor="ctr"/>
+          <a:p>
+            <a:pPr algn="ctr"/>
+            <a:endParaRPr lang="zh-CN" altLang="en-US"/>
+          </a:p>
+        </p:txBody>
+      </p:sp>
+      <p:sp>
+        <p:nvSpPr>
+          <p:cNvPr id="21" name="文本框 20"/>
+          <p:cNvSpPr txBox="1"/>
+          <p:nvPr/>
+        </p:nvSpPr>
+        <p:spPr>
+          <a:xfrm>
+            <a:off x="1652905" y="1332865"/>
+            <a:ext cx="995680" cy="337185"/>
+          </a:xfrm>
+          <a:prstGeom prst="rect">
+            <a:avLst/>
+          </a:prstGeom>
+          <a:noFill/>
+        </p:spPr>
+        <p:txBody>
+          <a:bodyPr wrap="none" rtlCol="0">
+            <a:spAutoFit/>
+          </a:bodyPr>
+          <a:p>
+            <a:r>
+              <a:rPr lang="zh-CN" altLang="en-US" sz="1600"/>
+              <a:t>图书名称</a:t>
+            </a:r>
+            <a:endParaRPr lang="zh-CN" altLang="en-US" sz="1600"/>
+          </a:p>
+        </p:txBody>
+      </p:sp>
+      <p:sp>
+        <p:nvSpPr>
+          <p:cNvPr id="22" name="文本框 21"/>
+          <p:cNvSpPr txBox="1"/>
+          <p:nvPr/>
+        </p:nvSpPr>
+        <p:spPr>
+          <a:xfrm>
+            <a:off x="1652905" y="1736090"/>
+            <a:ext cx="875030" cy="398780"/>
+          </a:xfrm>
+          <a:prstGeom prst="rect">
+            <a:avLst/>
+          </a:prstGeom>
+          <a:noFill/>
+        </p:spPr>
+        <p:txBody>
+          <a:bodyPr wrap="none" rtlCol="0">
+            <a:spAutoFit/>
+          </a:bodyPr>
+          <a:p>
+            <a:r>
+              <a:rPr lang="zh-CN" altLang="en-US" sz="1000"/>
+              <a:t>作者</a:t>
+            </a:r>
+            <a:endParaRPr lang="zh-CN" altLang="en-US" sz="1000"/>
+          </a:p>
+          <a:p>
+            <a:r>
+              <a:rPr lang="zh-CN" altLang="en-US" sz="1000"/>
+              <a:t>出版社  时间</a:t>
+            </a:r>
+            <a:endParaRPr lang="zh-CN" altLang="en-US" sz="1000"/>
+          </a:p>
+        </p:txBody>
+      </p:sp>
+      <p:sp>
+        <p:nvSpPr>
+          <p:cNvPr id="31" name="文本框 30"/>
+          <p:cNvSpPr txBox="1"/>
+          <p:nvPr/>
+        </p:nvSpPr>
+        <p:spPr>
+          <a:xfrm>
+            <a:off x="815975" y="1414145"/>
+            <a:ext cx="592455" cy="521970"/>
+          </a:xfrm>
+          <a:prstGeom prst="rect">
+            <a:avLst/>
+          </a:prstGeom>
+          <a:noFill/>
+        </p:spPr>
+        <p:txBody>
+          <a:bodyPr wrap="square" rtlCol="0">
+            <a:spAutoFit/>
+          </a:bodyPr>
+          <a:p>
+            <a:r>
+              <a:rPr lang="zh-CN" altLang="en-US" sz="1400" b="1"/>
+              <a:t>图书图片</a:t>
+            </a:r>
+            <a:endParaRPr lang="zh-CN" altLang="en-US" sz="1400" b="1"/>
+          </a:p>
+        </p:txBody>
+      </p:sp>
+      <p:sp>
+        <p:nvSpPr>
+          <p:cNvPr id="16" name="圆角矩形 15"/>
+          <p:cNvSpPr/>
+          <p:nvPr/>
+        </p:nvSpPr>
+        <p:spPr>
+          <a:xfrm>
+            <a:off x="668655" y="1176020"/>
+            <a:ext cx="3086735" cy="1033145"/>
+          </a:xfrm>
+          <a:prstGeom prst="roundRect">
+            <a:avLst/>
+          </a:prstGeom>
+          <a:noFill/>
+          <a:extLst>
+            <a:ext uri="{909E8E84-426E-40DD-AFC4-6F175D3DCCD1}">
+              <a14:hiddenFill xmlns:a14="http://schemas.microsoft.com/office/drawing/2010/main">
+                <a:solidFill>
+                  <a:schemeClr val="bg1"/>
+                </a:solidFill>
+              </a14:hiddenFill>
+            </a:ext>
+          </a:extLst>
+        </p:spPr>
+        <p:style>
+          <a:lnRef idx="2">
+            <a:schemeClr val="accent1">
+              <a:shade val="50000"/>
+            </a:schemeClr>
+          </a:lnRef>
+          <a:fillRef idx="1">
+            <a:schemeClr val="accent1"/>
+          </a:fillRef>
+          <a:effectRef idx="0">
+            <a:schemeClr val="accent1"/>
+          </a:effectRef>
+          <a:fontRef idx="minor">
+            <a:schemeClr val="lt1"/>
+          </a:fontRef>
+        </p:style>
+        <p:txBody>
+          <a:bodyPr rtlCol="0" anchor="ctr"/>
+          <a:p>
+            <a:pPr algn="ctr"/>
+            <a:endParaRPr lang="zh-CN" altLang="en-US"/>
+          </a:p>
+        </p:txBody>
+      </p:sp>
+      <p:sp>
+        <p:nvSpPr>
+          <p:cNvPr id="9" name="圆角矩形 8"/>
+          <p:cNvSpPr/>
+          <p:nvPr/>
+        </p:nvSpPr>
+        <p:spPr>
+          <a:xfrm>
+            <a:off x="2769870" y="1536065"/>
+            <a:ext cx="852170" cy="361950"/>
+          </a:xfrm>
+          <a:prstGeom prst="roundRect">
+            <a:avLst/>
+          </a:prstGeom>
+          <a:noFill/>
+          <a:extLst>
+            <a:ext uri="{909E8E84-426E-40DD-AFC4-6F175D3DCCD1}">
+              <a14:hiddenFill xmlns:a14="http://schemas.microsoft.com/office/drawing/2010/main">
+                <a:solidFill>
+                  <a:schemeClr val="accent1"/>
+                </a:solidFill>
+              </a14:hiddenFill>
+            </a:ext>
+          </a:extLst>
+        </p:spPr>
+        <p:style>
+          <a:lnRef idx="2">
+            <a:schemeClr val="accent1">
+              <a:shade val="50000"/>
+            </a:schemeClr>
+          </a:lnRef>
+          <a:fillRef idx="1">
+            <a:schemeClr val="accent1"/>
+          </a:fillRef>
+          <a:effectRef idx="0">
+            <a:schemeClr val="accent1"/>
+          </a:effectRef>
+          <a:fontRef idx="minor">
+            <a:schemeClr val="lt1"/>
+          </a:fontRef>
+        </p:style>
+        <p:txBody>
+          <a:bodyPr rtlCol="0" anchor="ctr"/>
+          <a:p>
+            <a:pPr algn="ctr"/>
+            <a:endParaRPr lang="zh-CN" altLang="en-US"/>
+          </a:p>
+        </p:txBody>
+      </p:sp>
+      <p:sp>
+        <p:nvSpPr>
+          <p:cNvPr id="12" name="文本框 11"/>
+          <p:cNvSpPr txBox="1"/>
+          <p:nvPr/>
+        </p:nvSpPr>
+        <p:spPr>
+          <a:xfrm>
+            <a:off x="2769870" y="1564005"/>
+            <a:ext cx="894080" cy="306705"/>
+          </a:xfrm>
+          <a:prstGeom prst="rect">
+            <a:avLst/>
+          </a:prstGeom>
+          <a:noFill/>
+        </p:spPr>
+        <p:txBody>
+          <a:bodyPr wrap="none" rtlCol="0">
+            <a:spAutoFit/>
+          </a:bodyPr>
+          <a:p>
+            <a:r>
+              <a:rPr lang="zh-CN" altLang="en-US" sz="1400"/>
+              <a:t>我要归还</a:t>
+            </a:r>
+            <a:endParaRPr lang="zh-CN" altLang="en-US" sz="1400"/>
+          </a:p>
+        </p:txBody>
+      </p:sp>
+      <p:sp>
+        <p:nvSpPr>
+          <p:cNvPr id="13" name="矩形 12"/>
+          <p:cNvSpPr/>
+          <p:nvPr/>
+        </p:nvSpPr>
+        <p:spPr>
+          <a:xfrm>
+            <a:off x="4450715" y="600710"/>
+            <a:ext cx="3071495" cy="5887085"/>
+          </a:xfrm>
+          <a:prstGeom prst="rect">
+            <a:avLst/>
+          </a:prstGeom>
+          <a:noFill/>
+          <a:extLst>
+            <a:ext uri="{909E8E84-426E-40DD-AFC4-6F175D3DCCD1}">
+              <a14:hiddenFill xmlns:a14="http://schemas.microsoft.com/office/drawing/2010/main">
+                <a:solidFill>
+                  <a:schemeClr val="accent1"/>
+                </a:solidFill>
+              </a14:hiddenFill>
+            </a:ext>
+          </a:extLst>
+        </p:spPr>
+        <p:style>
+          <a:lnRef idx="2">
+            <a:schemeClr val="accent1">
+              <a:shade val="50000"/>
+            </a:schemeClr>
+          </a:lnRef>
+          <a:fillRef idx="1">
+            <a:schemeClr val="accent1"/>
+          </a:fillRef>
+          <a:effectRef idx="0">
+            <a:schemeClr val="accent1"/>
+          </a:effectRef>
+          <a:fontRef idx="minor">
+            <a:schemeClr val="lt1"/>
+          </a:fontRef>
+        </p:style>
+        <p:txBody>
+          <a:bodyPr rtlCol="0" anchor="ctr"/>
+          <a:p>
+            <a:pPr algn="ctr"/>
+            <a:endParaRPr lang="zh-CN" altLang="en-US"/>
+          </a:p>
+        </p:txBody>
+      </p:sp>
+      <p:sp>
+        <p:nvSpPr>
+          <p:cNvPr id="14" name="矩形 13"/>
+          <p:cNvSpPr/>
+          <p:nvPr/>
+        </p:nvSpPr>
+        <p:spPr>
+          <a:xfrm>
+            <a:off x="4450715" y="605155"/>
+            <a:ext cx="3071495" cy="570865"/>
+          </a:xfrm>
+          <a:prstGeom prst="rect">
+            <a:avLst/>
+          </a:prstGeom>
+          <a:noFill/>
+          <a:ln>
+            <a:solidFill>
+              <a:schemeClr val="accent1">
+                <a:lumMod val="50000"/>
+              </a:schemeClr>
+            </a:solidFill>
+          </a:ln>
+          <a:extLst>
+            <a:ext uri="{909E8E84-426E-40DD-AFC4-6F175D3DCCD1}">
+              <a14:hiddenFill xmlns:a14="http://schemas.microsoft.com/office/drawing/2010/main">
+                <a:solidFill>
+                  <a:schemeClr val="accent1"/>
+                </a:solidFill>
+              </a14:hiddenFill>
+            </a:ext>
+          </a:extLst>
+        </p:spPr>
+        <p:style>
+          <a:lnRef idx="2">
+            <a:schemeClr val="accent1">
+              <a:shade val="50000"/>
+            </a:schemeClr>
+          </a:lnRef>
+          <a:fillRef idx="1">
+            <a:schemeClr val="accent1"/>
+          </a:fillRef>
+          <a:effectRef idx="0">
+            <a:schemeClr val="accent1"/>
+          </a:effectRef>
+          <a:fontRef idx="minor">
+            <a:schemeClr val="lt1"/>
+          </a:fontRef>
+        </p:style>
+        <p:txBody>
+          <a:bodyPr rtlCol="0" anchor="ctr"/>
+          <a:p>
+            <a:pPr algn="ctr"/>
+            <a:endParaRPr lang="zh-CN" altLang="en-US"/>
+          </a:p>
+        </p:txBody>
+      </p:sp>
+      <p:sp>
+        <p:nvSpPr>
+          <p:cNvPr id="15" name="文本框 14"/>
+          <p:cNvSpPr txBox="1"/>
+          <p:nvPr/>
+        </p:nvSpPr>
+        <p:spPr>
+          <a:xfrm>
+            <a:off x="5434965" y="706120"/>
+            <a:ext cx="642620" cy="368300"/>
+          </a:xfrm>
+          <a:prstGeom prst="rect">
+            <a:avLst/>
+          </a:prstGeom>
+          <a:noFill/>
+        </p:spPr>
+        <p:txBody>
+          <a:bodyPr wrap="none" rtlCol="0">
+            <a:spAutoFit/>
+          </a:bodyPr>
+          <a:p>
+            <a:r>
+              <a:rPr lang="zh-CN" altLang="en-US" b="1"/>
+              <a:t>我的</a:t>
+            </a:r>
+            <a:endParaRPr lang="zh-CN" altLang="en-US" b="1"/>
+          </a:p>
+        </p:txBody>
+      </p:sp>
+      <p:sp>
+        <p:nvSpPr>
+          <p:cNvPr id="29" name="矩形 28"/>
+          <p:cNvSpPr/>
+          <p:nvPr/>
+        </p:nvSpPr>
+        <p:spPr>
+          <a:xfrm>
+            <a:off x="8375015" y="600710"/>
+            <a:ext cx="3071495" cy="5887085"/>
+          </a:xfrm>
+          <a:prstGeom prst="rect">
+            <a:avLst/>
+          </a:prstGeom>
+          <a:noFill/>
+          <a:extLst>
+            <a:ext uri="{909E8E84-426E-40DD-AFC4-6F175D3DCCD1}">
+              <a14:hiddenFill xmlns:a14="http://schemas.microsoft.com/office/drawing/2010/main">
+                <a:solidFill>
+                  <a:schemeClr val="accent1"/>
+                </a:solidFill>
+              </a14:hiddenFill>
+            </a:ext>
+          </a:extLst>
+        </p:spPr>
+        <p:style>
+          <a:lnRef idx="2">
+            <a:schemeClr val="accent1">
+              <a:shade val="50000"/>
+            </a:schemeClr>
+          </a:lnRef>
+          <a:fillRef idx="1">
+            <a:schemeClr val="accent1"/>
+          </a:fillRef>
+          <a:effectRef idx="0">
+            <a:schemeClr val="accent1"/>
+          </a:effectRef>
+          <a:fontRef idx="minor">
+            <a:schemeClr val="lt1"/>
+          </a:fontRef>
+        </p:style>
+        <p:txBody>
+          <a:bodyPr rtlCol="0" anchor="ctr"/>
+          <a:p>
+            <a:pPr algn="ctr"/>
+            <a:endParaRPr lang="zh-CN" altLang="en-US"/>
+          </a:p>
+        </p:txBody>
+      </p:sp>
+      <p:sp>
+        <p:nvSpPr>
+          <p:cNvPr id="30" name="矩形 29"/>
+          <p:cNvSpPr/>
+          <p:nvPr/>
+        </p:nvSpPr>
+        <p:spPr>
+          <a:xfrm>
+            <a:off x="8375015" y="605155"/>
+            <a:ext cx="3071495" cy="570865"/>
+          </a:xfrm>
+          <a:prstGeom prst="rect">
+            <a:avLst/>
+          </a:prstGeom>
+          <a:noFill/>
+          <a:ln>
+            <a:solidFill>
+              <a:schemeClr val="accent1">
+                <a:lumMod val="50000"/>
+              </a:schemeClr>
+            </a:solidFill>
+          </a:ln>
+          <a:extLst>
+            <a:ext uri="{909E8E84-426E-40DD-AFC4-6F175D3DCCD1}">
+              <a14:hiddenFill xmlns:a14="http://schemas.microsoft.com/office/drawing/2010/main">
+                <a:solidFill>
+                  <a:schemeClr val="accent1"/>
+                </a:solidFill>
+              </a14:hiddenFill>
+            </a:ext>
+          </a:extLst>
+        </p:spPr>
+        <p:style>
+          <a:lnRef idx="2">
+            <a:schemeClr val="accent1">
+              <a:shade val="50000"/>
+            </a:schemeClr>
+          </a:lnRef>
+          <a:fillRef idx="1">
+            <a:schemeClr val="accent1"/>
+          </a:fillRef>
+          <a:effectRef idx="0">
+            <a:schemeClr val="accent1"/>
+          </a:effectRef>
+          <a:fontRef idx="minor">
+            <a:schemeClr val="lt1"/>
+          </a:fontRef>
+        </p:style>
+        <p:txBody>
+          <a:bodyPr rtlCol="0" anchor="ctr"/>
+          <a:p>
+            <a:pPr algn="ctr"/>
+            <a:endParaRPr lang="zh-CN" altLang="en-US"/>
+          </a:p>
+        </p:txBody>
+      </p:sp>
+      <p:sp>
+        <p:nvSpPr>
+          <p:cNvPr id="32" name="文本框 31"/>
+          <p:cNvSpPr txBox="1"/>
+          <p:nvPr/>
+        </p:nvSpPr>
+        <p:spPr>
+          <a:xfrm>
+            <a:off x="9359265" y="706120"/>
+            <a:ext cx="1102360" cy="368300"/>
+          </a:xfrm>
+          <a:prstGeom prst="rect">
+            <a:avLst/>
+          </a:prstGeom>
+          <a:noFill/>
+        </p:spPr>
+        <p:txBody>
+          <a:bodyPr wrap="none" rtlCol="0">
+            <a:spAutoFit/>
+          </a:bodyPr>
+          <a:p>
+            <a:r>
+              <a:rPr lang="zh-CN" altLang="en-US" b="1"/>
+              <a:t>附近书圈</a:t>
+            </a:r>
+            <a:endParaRPr lang="zh-CN" altLang="en-US" b="1"/>
+          </a:p>
+        </p:txBody>
+      </p:sp>
+      <p:sp>
+        <p:nvSpPr>
+          <p:cNvPr id="34" name="圆角矩形 33"/>
+          <p:cNvSpPr/>
+          <p:nvPr/>
+        </p:nvSpPr>
+        <p:spPr>
+          <a:xfrm>
+            <a:off x="4450715" y="1192530"/>
+            <a:ext cx="907415" cy="824230"/>
+          </a:xfrm>
+          <a:prstGeom prst="roundRect">
+            <a:avLst/>
+          </a:prstGeom>
+          <a:noFill/>
+          <a:extLst>
+            <a:ext uri="{909E8E84-426E-40DD-AFC4-6F175D3DCCD1}">
+              <a14:hiddenFill xmlns:a14="http://schemas.microsoft.com/office/drawing/2010/main">
+                <a:solidFill>
+                  <a:schemeClr val="accent1"/>
+                </a:solidFill>
+              </a14:hiddenFill>
+            </a:ext>
+          </a:extLst>
+        </p:spPr>
+        <p:style>
+          <a:lnRef idx="2">
+            <a:schemeClr val="accent1">
+              <a:shade val="50000"/>
+            </a:schemeClr>
+          </a:lnRef>
+          <a:fillRef idx="1">
+            <a:schemeClr val="accent1"/>
+          </a:fillRef>
+          <a:effectRef idx="0">
+            <a:schemeClr val="accent1"/>
+          </a:effectRef>
+          <a:fontRef idx="minor">
+            <a:schemeClr val="lt1"/>
+          </a:fontRef>
+        </p:style>
+        <p:txBody>
+          <a:bodyPr rtlCol="0" anchor="ctr"/>
+          <a:p>
+            <a:pPr algn="ctr"/>
+            <a:endParaRPr lang="zh-CN" altLang="en-US"/>
+          </a:p>
+        </p:txBody>
+      </p:sp>
+      <p:sp>
+        <p:nvSpPr>
+          <p:cNvPr id="35" name="文本框 34"/>
+          <p:cNvSpPr txBox="1"/>
+          <p:nvPr/>
+        </p:nvSpPr>
+        <p:spPr>
+          <a:xfrm>
+            <a:off x="4584065" y="1414145"/>
+            <a:ext cx="640080" cy="368300"/>
+          </a:xfrm>
+          <a:prstGeom prst="rect">
+            <a:avLst/>
+          </a:prstGeom>
+          <a:noFill/>
+        </p:spPr>
+        <p:txBody>
+          <a:bodyPr wrap="square" rtlCol="0">
+            <a:spAutoFit/>
+          </a:bodyPr>
+          <a:p>
+            <a:r>
+              <a:rPr lang="zh-CN" altLang="en-US"/>
+              <a:t>头像</a:t>
+            </a:r>
+            <a:endParaRPr lang="zh-CN" altLang="en-US"/>
+          </a:p>
+        </p:txBody>
+      </p:sp>
+      <p:sp>
+        <p:nvSpPr>
+          <p:cNvPr id="38" name="文本框 37"/>
+          <p:cNvSpPr txBox="1"/>
+          <p:nvPr/>
+        </p:nvSpPr>
+        <p:spPr>
+          <a:xfrm>
+            <a:off x="5666105" y="1195705"/>
+            <a:ext cx="640080" cy="368300"/>
+          </a:xfrm>
+          <a:prstGeom prst="rect">
+            <a:avLst/>
+          </a:prstGeom>
+          <a:noFill/>
+        </p:spPr>
+        <p:txBody>
+          <a:bodyPr wrap="none" rtlCol="0">
+            <a:spAutoFit/>
+          </a:bodyPr>
+          <a:p>
+            <a:r>
+              <a:rPr lang="zh-CN" altLang="en-US"/>
+              <a:t>昵称</a:t>
+            </a:r>
+            <a:endParaRPr lang="zh-CN" altLang="en-US"/>
+          </a:p>
+        </p:txBody>
+      </p:sp>
+      <p:sp>
+        <p:nvSpPr>
+          <p:cNvPr id="39" name="文本框 38"/>
+          <p:cNvSpPr txBox="1"/>
+          <p:nvPr/>
+        </p:nvSpPr>
+        <p:spPr>
+          <a:xfrm>
+            <a:off x="4450715" y="2804160"/>
+            <a:ext cx="894080" cy="306705"/>
+          </a:xfrm>
+          <a:prstGeom prst="rect">
+            <a:avLst/>
+          </a:prstGeom>
+          <a:noFill/>
+        </p:spPr>
+        <p:txBody>
+          <a:bodyPr wrap="none" rtlCol="0">
+            <a:spAutoFit/>
+          </a:bodyPr>
+          <a:p>
+            <a:r>
+              <a:rPr lang="zh-CN" altLang="en-US" sz="1400"/>
+              <a:t>我的分享</a:t>
+            </a:r>
+            <a:endParaRPr lang="zh-CN" altLang="en-US" sz="1400"/>
+          </a:p>
+        </p:txBody>
+      </p:sp>
+      <p:sp>
+        <p:nvSpPr>
+          <p:cNvPr id="40" name="文本框 39"/>
+          <p:cNvSpPr txBox="1"/>
+          <p:nvPr/>
+        </p:nvSpPr>
+        <p:spPr>
+          <a:xfrm>
+            <a:off x="5556250" y="2804160"/>
+            <a:ext cx="894080" cy="306705"/>
+          </a:xfrm>
+          <a:prstGeom prst="rect">
+            <a:avLst/>
+          </a:prstGeom>
+          <a:noFill/>
+        </p:spPr>
+        <p:txBody>
+          <a:bodyPr wrap="none" rtlCol="0">
+            <a:spAutoFit/>
+          </a:bodyPr>
+          <a:p>
+            <a:r>
+              <a:rPr lang="zh-CN" altLang="en-US" sz="1400"/>
+              <a:t>我的借阅</a:t>
+            </a:r>
+            <a:endParaRPr lang="zh-CN" altLang="en-US" sz="1400"/>
+          </a:p>
+        </p:txBody>
+      </p:sp>
+      <p:sp>
+        <p:nvSpPr>
+          <p:cNvPr id="41" name="文本框 40"/>
+          <p:cNvSpPr txBox="1"/>
+          <p:nvPr/>
+        </p:nvSpPr>
+        <p:spPr>
+          <a:xfrm>
+            <a:off x="6596380" y="2804160"/>
+            <a:ext cx="716280" cy="306705"/>
+          </a:xfrm>
+          <a:prstGeom prst="rect">
+            <a:avLst/>
+          </a:prstGeom>
+          <a:noFill/>
+        </p:spPr>
+        <p:txBody>
+          <a:bodyPr wrap="none" rtlCol="0">
+            <a:spAutoFit/>
+          </a:bodyPr>
+          <a:p>
+            <a:r>
+              <a:rPr lang="zh-CN" altLang="en-US" sz="1400"/>
+              <a:t>诚信值</a:t>
+            </a:r>
+            <a:endParaRPr lang="zh-CN" altLang="en-US" sz="1400"/>
+          </a:p>
+        </p:txBody>
+      </p:sp>
+      <p:sp>
+        <p:nvSpPr>
+          <p:cNvPr id="49" name="文本框 48"/>
+          <p:cNvSpPr txBox="1"/>
+          <p:nvPr/>
+        </p:nvSpPr>
+        <p:spPr>
+          <a:xfrm>
+            <a:off x="4464050" y="3749040"/>
+            <a:ext cx="894080" cy="306705"/>
+          </a:xfrm>
+          <a:prstGeom prst="rect">
+            <a:avLst/>
+          </a:prstGeom>
+          <a:noFill/>
+        </p:spPr>
+        <p:txBody>
+          <a:bodyPr wrap="none" rtlCol="0">
+            <a:spAutoFit/>
+          </a:bodyPr>
+          <a:p>
+            <a:r>
+              <a:rPr lang="zh-CN" altLang="en-US" sz="1400"/>
+              <a:t>我的地址</a:t>
+            </a:r>
+            <a:endParaRPr lang="zh-CN" altLang="en-US" sz="1400"/>
+          </a:p>
+        </p:txBody>
+      </p:sp>
+      <p:sp>
+        <p:nvSpPr>
+          <p:cNvPr id="51" name="文本框 50"/>
+          <p:cNvSpPr txBox="1"/>
+          <p:nvPr/>
+        </p:nvSpPr>
+        <p:spPr>
+          <a:xfrm>
+            <a:off x="5648960" y="3749040"/>
+            <a:ext cx="894080" cy="306705"/>
+          </a:xfrm>
+          <a:prstGeom prst="rect">
+            <a:avLst/>
+          </a:prstGeom>
+          <a:noFill/>
+        </p:spPr>
+        <p:txBody>
+          <a:bodyPr wrap="none" rtlCol="0">
+            <a:spAutoFit/>
+          </a:bodyPr>
+          <a:p>
+            <a:r>
+              <a:rPr lang="zh-CN" altLang="en-US" sz="1400"/>
+              <a:t>我的收藏</a:t>
+            </a:r>
+            <a:endParaRPr lang="zh-CN" altLang="en-US" sz="1400"/>
+          </a:p>
+        </p:txBody>
+      </p:sp>
+      <p:cxnSp>
+        <p:nvCxnSpPr>
+          <p:cNvPr id="52" name="直接连接符 51"/>
+          <p:cNvCxnSpPr/>
+          <p:nvPr/>
+        </p:nvCxnSpPr>
+        <p:spPr>
+          <a:xfrm>
+            <a:off x="4488180" y="4055745"/>
+            <a:ext cx="3215640" cy="0"/>
+          </a:xfrm>
+          <a:prstGeom prst="line">
+            <a:avLst/>
+          </a:prstGeom>
+        </p:spPr>
+        <p:style>
+          <a:lnRef idx="1">
+            <a:schemeClr val="accent1"/>
+          </a:lnRef>
+          <a:fillRef idx="0">
+            <a:schemeClr val="accent1"/>
+          </a:fillRef>
+          <a:effectRef idx="0">
+            <a:schemeClr val="accent1"/>
+          </a:effectRef>
+          <a:fontRef idx="minor">
+            <a:schemeClr val="tx1"/>
+          </a:fontRef>
+        </p:style>
+      </p:cxnSp>
+      <p:sp>
+        <p:nvSpPr>
+          <p:cNvPr id="55" name="文本框 54"/>
+          <p:cNvSpPr txBox="1"/>
+          <p:nvPr/>
+        </p:nvSpPr>
+        <p:spPr>
+          <a:xfrm>
+            <a:off x="4450715" y="4055745"/>
+            <a:ext cx="1661160" cy="368300"/>
+          </a:xfrm>
+          <a:prstGeom prst="rect">
+            <a:avLst/>
+          </a:prstGeom>
+          <a:noFill/>
+        </p:spPr>
+        <p:txBody>
+          <a:bodyPr wrap="square" rtlCol="0">
+            <a:spAutoFit/>
+          </a:bodyPr>
+          <a:p>
+            <a:r>
+              <a:rPr lang="zh-CN" altLang="en-US"/>
+              <a:t>我管理的书圈</a:t>
+            </a:r>
+            <a:r>
+              <a:rPr lang="en-US" altLang="zh-CN"/>
+              <a:t>:</a:t>
+            </a:r>
+            <a:endParaRPr lang="en-US" altLang="zh-CN"/>
+          </a:p>
+        </p:txBody>
+      </p:sp>
+      <p:sp>
+        <p:nvSpPr>
+          <p:cNvPr id="57" name="文本框 56"/>
+          <p:cNvSpPr txBox="1"/>
+          <p:nvPr/>
+        </p:nvSpPr>
+        <p:spPr>
+          <a:xfrm>
+            <a:off x="4450080" y="4979670"/>
+            <a:ext cx="1569720" cy="368300"/>
+          </a:xfrm>
+          <a:prstGeom prst="rect">
+            <a:avLst/>
+          </a:prstGeom>
+          <a:noFill/>
+        </p:spPr>
+        <p:txBody>
+          <a:bodyPr wrap="square" rtlCol="0">
+            <a:spAutoFit/>
+          </a:bodyPr>
+          <a:p>
+            <a:r>
+              <a:rPr lang="zh-CN" altLang="en-US"/>
+              <a:t>我加入的书圈</a:t>
+            </a:r>
+            <a:r>
+              <a:rPr lang="en-US" altLang="zh-CN"/>
+              <a:t>:</a:t>
+            </a:r>
+            <a:endParaRPr lang="en-US" altLang="zh-CN"/>
+          </a:p>
+        </p:txBody>
+      </p:sp>
+      <p:sp>
+        <p:nvSpPr>
+          <p:cNvPr id="58" name="文本框 57"/>
+          <p:cNvSpPr txBox="1"/>
+          <p:nvPr/>
+        </p:nvSpPr>
+        <p:spPr>
+          <a:xfrm>
+            <a:off x="5669280" y="1536065"/>
+            <a:ext cx="1309370" cy="245110"/>
+          </a:xfrm>
+          <a:prstGeom prst="rect">
+            <a:avLst/>
+          </a:prstGeom>
+          <a:noFill/>
+        </p:spPr>
+        <p:txBody>
+          <a:bodyPr wrap="square" rtlCol="0">
+            <a:spAutoFit/>
+          </a:bodyPr>
+          <a:p>
+            <a:r>
+              <a:rPr lang="zh-CN" altLang="zh-CN" sz="1000"/>
+              <a:t>性别 年代</a:t>
+            </a:r>
+            <a:endParaRPr lang="zh-CN" altLang="zh-CN" sz="1000"/>
+          </a:p>
+        </p:txBody>
+      </p:sp>
+      <p:sp>
+        <p:nvSpPr>
+          <p:cNvPr id="59" name="圆角矩形 58"/>
+          <p:cNvSpPr/>
+          <p:nvPr/>
+        </p:nvSpPr>
+        <p:spPr>
+          <a:xfrm>
+            <a:off x="5685790" y="1568450"/>
+            <a:ext cx="722630" cy="180340"/>
+          </a:xfrm>
+          <a:prstGeom prst="roundRect">
+            <a:avLst/>
+          </a:prstGeom>
+          <a:noFill/>
+          <a:extLst>
+            <a:ext uri="{909E8E84-426E-40DD-AFC4-6F175D3DCCD1}">
+              <a14:hiddenFill xmlns:a14="http://schemas.microsoft.com/office/drawing/2010/main">
+                <a:solidFill>
+                  <a:schemeClr val="accent1"/>
+                </a:solidFill>
+              </a14:hiddenFill>
+            </a:ext>
+          </a:extLst>
+        </p:spPr>
+        <p:style>
+          <a:lnRef idx="2">
+            <a:schemeClr val="accent1">
+              <a:shade val="50000"/>
+            </a:schemeClr>
+          </a:lnRef>
+          <a:fillRef idx="1">
+            <a:schemeClr val="accent1"/>
+          </a:fillRef>
+          <a:effectRef idx="0">
+            <a:schemeClr val="accent1"/>
+          </a:effectRef>
+          <a:fontRef idx="minor">
+            <a:schemeClr val="lt1"/>
+          </a:fontRef>
+        </p:style>
+        <p:txBody>
+          <a:bodyPr rtlCol="0" anchor="ctr"/>
+          <a:p>
+            <a:pPr algn="ctr"/>
+            <a:endParaRPr lang="zh-CN" altLang="en-US"/>
+          </a:p>
+        </p:txBody>
+      </p:sp>
+      <p:sp>
+        <p:nvSpPr>
+          <p:cNvPr id="2" name="文本框 1"/>
+          <p:cNvSpPr txBox="1"/>
+          <p:nvPr/>
+        </p:nvSpPr>
+        <p:spPr>
+          <a:xfrm>
+            <a:off x="5701665" y="1812925"/>
+            <a:ext cx="690880" cy="245110"/>
+          </a:xfrm>
+          <a:prstGeom prst="rect">
+            <a:avLst/>
+          </a:prstGeom>
+          <a:noFill/>
+        </p:spPr>
+        <p:txBody>
+          <a:bodyPr wrap="none" rtlCol="0">
+            <a:spAutoFit/>
+          </a:bodyPr>
+          <a:p>
+            <a:r>
+              <a:rPr lang="zh-CN" altLang="en-US" sz="1000"/>
+              <a:t>个性签名</a:t>
+            </a:r>
+            <a:endParaRPr lang="zh-CN" altLang="en-US" sz="1000"/>
+          </a:p>
+        </p:txBody>
+      </p:sp>
+      <p:sp>
+        <p:nvSpPr>
+          <p:cNvPr id="225" name=" 225"/>
+          <p:cNvSpPr/>
+          <p:nvPr/>
+        </p:nvSpPr>
+        <p:spPr>
+          <a:xfrm rot="5400000">
+            <a:off x="7160895" y="1562100"/>
+            <a:ext cx="103505" cy="245110"/>
+          </a:xfrm>
+          <a:custGeom>
+            <a:avLst/>
+            <a:gdLst/>
+            <a:ahLst/>
+            <a:cxnLst/>
+            <a:rect l="l" t="t" r="r" b="b"/>
+            <a:pathLst>
+              <a:path w="351454" h="302978">
+                <a:moveTo>
+                  <a:pt x="175727" y="0"/>
+                </a:moveTo>
+                <a:lnTo>
+                  <a:pt x="351454" y="302978"/>
+                </a:lnTo>
+                <a:cubicBezTo>
+                  <a:pt x="296917" y="281626"/>
+                  <a:pt x="237534" y="271243"/>
+                  <a:pt x="175726" y="271243"/>
+                </a:cubicBezTo>
+                <a:cubicBezTo>
+                  <a:pt x="113918" y="271243"/>
+                  <a:pt x="54536" y="281626"/>
+                  <a:pt x="0" y="302978"/>
+                </a:cubicBezTo>
+                <a:close/>
+              </a:path>
+            </a:pathLst>
+          </a:custGeom>
+          <a:solidFill>
+            <a:schemeClr val="accent1"/>
+          </a:solidFill>
+          <a:ln>
+            <a:noFill/>
+          </a:ln>
+        </p:spPr>
+        <p:style>
+          <a:lnRef idx="2">
+            <a:schemeClr val="accent1">
+              <a:shade val="50000"/>
+            </a:schemeClr>
+          </a:lnRef>
+          <a:fillRef idx="1">
+            <a:schemeClr val="accent1"/>
+          </a:fillRef>
+          <a:effectRef idx="0">
+            <a:schemeClr val="accent1"/>
+          </a:effectRef>
+          <a:fontRef idx="minor">
+            <a:schemeClr val="lt1"/>
+          </a:fontRef>
+        </p:style>
+        <p:txBody>
+          <a:bodyPr anchor="ctr"/>
+          <a:lstStyle>
+            <a:defPPr>
+              <a:defRPr lang="zh-CN"/>
+            </a:defPPr>
+            <a:lvl1pPr algn="l" rtl="0" eaLnBrk="0" fontAlgn="base" hangingPunct="0">
+              <a:spcBef>
+                <a:spcPct val="0"/>
+              </a:spcBef>
+              <a:spcAft>
+                <a:spcPct val="0"/>
+              </a:spcAft>
+              <a:defRPr kern="1200">
+                <a:solidFill>
+                  <a:schemeClr val="lt1"/>
+                </a:solidFill>
+                <a:latin typeface="+mn-lt"/>
+                <a:ea typeface="+mn-ea"/>
+                <a:cs typeface="+mn-cs"/>
+              </a:defRPr>
+            </a:lvl1pPr>
+            <a:lvl2pPr marL="457200" algn="l" rtl="0" eaLnBrk="0" fontAlgn="base" hangingPunct="0">
+              <a:spcBef>
+                <a:spcPct val="0"/>
+              </a:spcBef>
+              <a:spcAft>
+                <a:spcPct val="0"/>
+              </a:spcAft>
+              <a:defRPr kern="1200">
+                <a:solidFill>
+                  <a:schemeClr val="lt1"/>
+                </a:solidFill>
+                <a:latin typeface="+mn-lt"/>
+                <a:ea typeface="+mn-ea"/>
+                <a:cs typeface="+mn-cs"/>
+              </a:defRPr>
+            </a:lvl2pPr>
+            <a:lvl3pPr marL="914400" algn="l" rtl="0" eaLnBrk="0" fontAlgn="base" hangingPunct="0">
+              <a:spcBef>
+                <a:spcPct val="0"/>
+              </a:spcBef>
+              <a:spcAft>
+                <a:spcPct val="0"/>
+              </a:spcAft>
+              <a:defRPr kern="1200">
+                <a:solidFill>
+                  <a:schemeClr val="lt1"/>
+                </a:solidFill>
+                <a:latin typeface="+mn-lt"/>
+                <a:ea typeface="+mn-ea"/>
+                <a:cs typeface="+mn-cs"/>
+              </a:defRPr>
+            </a:lvl3pPr>
+            <a:lvl4pPr marL="1371600" algn="l" rtl="0" eaLnBrk="0" fontAlgn="base" hangingPunct="0">
+              <a:spcBef>
+                <a:spcPct val="0"/>
+              </a:spcBef>
+              <a:spcAft>
+                <a:spcPct val="0"/>
+              </a:spcAft>
+              <a:defRPr kern="1200">
+                <a:solidFill>
+                  <a:schemeClr val="lt1"/>
+                </a:solidFill>
+                <a:latin typeface="+mn-lt"/>
+                <a:ea typeface="+mn-ea"/>
+                <a:cs typeface="+mn-cs"/>
+              </a:defRPr>
+            </a:lvl4pPr>
+            <a:lvl5pPr marL="1828800" algn="l" rtl="0" eaLnBrk="0" fontAlgn="base" hangingPunct="0">
+              <a:spcBef>
+                <a:spcPct val="0"/>
+              </a:spcBef>
+              <a:spcAft>
+                <a:spcPct val="0"/>
+              </a:spcAft>
+              <a:defRPr kern="1200">
+                <a:solidFill>
+                  <a:schemeClr val="lt1"/>
+                </a:solidFill>
+                <a:latin typeface="+mn-lt"/>
+                <a:ea typeface="+mn-ea"/>
+                <a:cs typeface="+mn-cs"/>
+              </a:defRPr>
+            </a:lvl5pPr>
+            <a:lvl6pPr marL="2286000" algn="l" defTabSz="914400" rtl="0" eaLnBrk="1" latinLnBrk="0" hangingPunct="1">
+              <a:defRPr kern="1200">
+                <a:solidFill>
+                  <a:schemeClr val="lt1"/>
+                </a:solidFill>
+                <a:latin typeface="+mn-lt"/>
+                <a:ea typeface="+mn-ea"/>
+                <a:cs typeface="+mn-cs"/>
+              </a:defRPr>
+            </a:lvl6pPr>
+            <a:lvl7pPr marL="2743200" algn="l" defTabSz="914400" rtl="0" eaLnBrk="1" latinLnBrk="0" hangingPunct="1">
+              <a:defRPr kern="1200">
+                <a:solidFill>
+                  <a:schemeClr val="lt1"/>
+                </a:solidFill>
+                <a:latin typeface="+mn-lt"/>
+                <a:ea typeface="+mn-ea"/>
+                <a:cs typeface="+mn-cs"/>
+              </a:defRPr>
+            </a:lvl7pPr>
+            <a:lvl8pPr marL="3200400" algn="l" defTabSz="914400" rtl="0" eaLnBrk="1" latinLnBrk="0" hangingPunct="1">
+              <a:defRPr kern="1200">
+                <a:solidFill>
+                  <a:schemeClr val="lt1"/>
+                </a:solidFill>
+                <a:latin typeface="+mn-lt"/>
+                <a:ea typeface="+mn-ea"/>
+                <a:cs typeface="+mn-cs"/>
+              </a:defRPr>
+            </a:lvl8pPr>
+            <a:lvl9pPr marL="3657600" algn="l" defTabSz="914400" rtl="0" eaLnBrk="1" latinLnBrk="0" hangingPunct="1">
+              <a:defRPr kern="1200">
+                <a:solidFill>
+                  <a:schemeClr val="lt1"/>
+                </a:solidFill>
+                <a:latin typeface="+mn-lt"/>
+                <a:ea typeface="+mn-ea"/>
+                <a:cs typeface="+mn-cs"/>
+              </a:defRPr>
+            </a:lvl9pPr>
+          </a:lstStyle>
+          <a:p>
+            <a:pPr algn="ctr" eaLnBrk="1" fontAlgn="auto" hangingPunct="1">
+              <a:spcBef>
+                <a:spcPts val="0"/>
+              </a:spcBef>
+              <a:spcAft>
+                <a:spcPts val="0"/>
+              </a:spcAft>
+              <a:defRPr/>
+            </a:pPr>
+            <a:endParaRPr lang="zh-CN" altLang="en-US">
+              <a:solidFill>
+                <a:srgbClr val="FFFFFF"/>
+              </a:solidFill>
+            </a:endParaRPr>
+          </a:p>
+        </p:txBody>
+      </p:sp>
+      <p:cxnSp>
+        <p:nvCxnSpPr>
+          <p:cNvPr id="3" name="直接连接符 2"/>
+          <p:cNvCxnSpPr/>
+          <p:nvPr/>
+        </p:nvCxnSpPr>
+        <p:spPr>
+          <a:xfrm>
+            <a:off x="4474845" y="2233930"/>
+            <a:ext cx="3073400" cy="0"/>
+          </a:xfrm>
+          <a:prstGeom prst="line">
+            <a:avLst/>
+          </a:prstGeom>
+        </p:spPr>
+        <p:style>
+          <a:lnRef idx="1">
+            <a:schemeClr val="accent1"/>
+          </a:lnRef>
+          <a:fillRef idx="0">
+            <a:schemeClr val="accent1"/>
+          </a:fillRef>
+          <a:effectRef idx="0">
+            <a:schemeClr val="accent1"/>
+          </a:effectRef>
+          <a:fontRef idx="minor">
+            <a:schemeClr val="tx1"/>
+          </a:fontRef>
+        </p:style>
+      </p:cxnSp>
+      <p:sp>
+        <p:nvSpPr>
+          <p:cNvPr id="4" name="波形 3"/>
+          <p:cNvSpPr/>
+          <p:nvPr/>
+        </p:nvSpPr>
+        <p:spPr>
+          <a:xfrm>
+            <a:off x="4742815" y="2503170"/>
+            <a:ext cx="309880" cy="283845"/>
+          </a:xfrm>
+          <a:prstGeom prst="wave">
+            <a:avLst/>
+          </a:prstGeom>
+          <a:solidFill>
+            <a:schemeClr val="accent4">
+              <a:lumMod val="60000"/>
+              <a:lumOff val="40000"/>
+            </a:schemeClr>
+          </a:solidFill>
+        </p:spPr>
+        <p:style>
+          <a:lnRef idx="2">
+            <a:schemeClr val="accent1">
+              <a:shade val="50000"/>
+            </a:schemeClr>
+          </a:lnRef>
+          <a:fillRef idx="1">
+            <a:schemeClr val="accent1"/>
+          </a:fillRef>
+          <a:effectRef idx="0">
+            <a:schemeClr val="accent1"/>
+          </a:effectRef>
+          <a:fontRef idx="minor">
+            <a:schemeClr val="lt1"/>
+          </a:fontRef>
+        </p:style>
+        <p:txBody>
+          <a:bodyPr rtlCol="0" anchor="ctr"/>
+          <a:p>
+            <a:pPr algn="ctr"/>
+            <a:endParaRPr lang="zh-CN" altLang="en-US"/>
+          </a:p>
+        </p:txBody>
+      </p:sp>
+      <p:sp>
+        <p:nvSpPr>
+          <p:cNvPr id="6" name="波形 5"/>
+          <p:cNvSpPr/>
+          <p:nvPr/>
+        </p:nvSpPr>
+        <p:spPr>
+          <a:xfrm>
+            <a:off x="5848350" y="2503170"/>
+            <a:ext cx="309880" cy="283845"/>
+          </a:xfrm>
+          <a:prstGeom prst="wave">
+            <a:avLst/>
+          </a:prstGeom>
+          <a:solidFill>
+            <a:schemeClr val="accent4">
+              <a:lumMod val="60000"/>
+              <a:lumOff val="40000"/>
+            </a:schemeClr>
+          </a:solidFill>
+        </p:spPr>
+        <p:style>
+          <a:lnRef idx="2">
+            <a:schemeClr val="accent1">
+              <a:shade val="50000"/>
+            </a:schemeClr>
+          </a:lnRef>
+          <a:fillRef idx="1">
+            <a:schemeClr val="accent1"/>
+          </a:fillRef>
+          <a:effectRef idx="0">
+            <a:schemeClr val="accent1"/>
+          </a:effectRef>
+          <a:fontRef idx="minor">
+            <a:schemeClr val="lt1"/>
+          </a:fontRef>
+        </p:style>
+        <p:txBody>
+          <a:bodyPr rtlCol="0" anchor="ctr"/>
+          <a:p>
+            <a:pPr algn="ctr"/>
+            <a:endParaRPr lang="zh-CN" altLang="en-US"/>
+          </a:p>
+        </p:txBody>
+      </p:sp>
+      <p:sp>
+        <p:nvSpPr>
+          <p:cNvPr id="212" name=" 212"/>
+          <p:cNvSpPr/>
+          <p:nvPr/>
+        </p:nvSpPr>
+        <p:spPr>
+          <a:xfrm>
+            <a:off x="6818630" y="2502535"/>
+            <a:ext cx="271780" cy="284480"/>
+          </a:xfrm>
+          <a:prstGeom prst="heart">
+            <a:avLst/>
+          </a:prstGeom>
+          <a:solidFill>
+            <a:schemeClr val="accent4">
+              <a:lumMod val="60000"/>
+              <a:lumOff val="40000"/>
+            </a:schemeClr>
+          </a:solidFill>
+          <a:ln>
+            <a:noFill/>
+          </a:ln>
+        </p:spPr>
+        <p:style>
+          <a:lnRef idx="2">
+            <a:schemeClr val="accent1">
+              <a:shade val="50000"/>
+            </a:schemeClr>
+          </a:lnRef>
+          <a:fillRef idx="1">
+            <a:schemeClr val="accent1"/>
+          </a:fillRef>
+          <a:effectRef idx="0">
+            <a:schemeClr val="accent1"/>
+          </a:effectRef>
+          <a:fontRef idx="minor">
+            <a:schemeClr val="lt1"/>
+          </a:fontRef>
+        </p:style>
+        <p:txBody>
+          <a:bodyPr anchor="ctr"/>
+          <a:lstStyle>
+            <a:defPPr>
+              <a:defRPr lang="zh-CN"/>
+            </a:defPPr>
+            <a:lvl1pPr algn="l" rtl="0" eaLnBrk="0" fontAlgn="base" hangingPunct="0">
+              <a:spcBef>
+                <a:spcPct val="0"/>
+              </a:spcBef>
+              <a:spcAft>
+                <a:spcPct val="0"/>
+              </a:spcAft>
+              <a:defRPr kern="1200">
+                <a:solidFill>
+                  <a:schemeClr val="lt1"/>
+                </a:solidFill>
+                <a:latin typeface="+mn-lt"/>
+                <a:ea typeface="+mn-ea"/>
+                <a:cs typeface="+mn-cs"/>
+              </a:defRPr>
+            </a:lvl1pPr>
+            <a:lvl2pPr marL="457200" algn="l" rtl="0" eaLnBrk="0" fontAlgn="base" hangingPunct="0">
+              <a:spcBef>
+                <a:spcPct val="0"/>
+              </a:spcBef>
+              <a:spcAft>
+                <a:spcPct val="0"/>
+              </a:spcAft>
+              <a:defRPr kern="1200">
+                <a:solidFill>
+                  <a:schemeClr val="lt1"/>
+                </a:solidFill>
+                <a:latin typeface="+mn-lt"/>
+                <a:ea typeface="+mn-ea"/>
+                <a:cs typeface="+mn-cs"/>
+              </a:defRPr>
+            </a:lvl2pPr>
+            <a:lvl3pPr marL="914400" algn="l" rtl="0" eaLnBrk="0" fontAlgn="base" hangingPunct="0">
+              <a:spcBef>
+                <a:spcPct val="0"/>
+              </a:spcBef>
+              <a:spcAft>
+                <a:spcPct val="0"/>
+              </a:spcAft>
+              <a:defRPr kern="1200">
+                <a:solidFill>
+                  <a:schemeClr val="lt1"/>
+                </a:solidFill>
+                <a:latin typeface="+mn-lt"/>
+                <a:ea typeface="+mn-ea"/>
+                <a:cs typeface="+mn-cs"/>
+              </a:defRPr>
+            </a:lvl3pPr>
+            <a:lvl4pPr marL="1371600" algn="l" rtl="0" eaLnBrk="0" fontAlgn="base" hangingPunct="0">
+              <a:spcBef>
+                <a:spcPct val="0"/>
+              </a:spcBef>
+              <a:spcAft>
+                <a:spcPct val="0"/>
+              </a:spcAft>
+              <a:defRPr kern="1200">
+                <a:solidFill>
+                  <a:schemeClr val="lt1"/>
+                </a:solidFill>
+                <a:latin typeface="+mn-lt"/>
+                <a:ea typeface="+mn-ea"/>
+                <a:cs typeface="+mn-cs"/>
+              </a:defRPr>
+            </a:lvl4pPr>
+            <a:lvl5pPr marL="1828800" algn="l" rtl="0" eaLnBrk="0" fontAlgn="base" hangingPunct="0">
+              <a:spcBef>
+                <a:spcPct val="0"/>
+              </a:spcBef>
+              <a:spcAft>
+                <a:spcPct val="0"/>
+              </a:spcAft>
+              <a:defRPr kern="1200">
+                <a:solidFill>
+                  <a:schemeClr val="lt1"/>
+                </a:solidFill>
+                <a:latin typeface="+mn-lt"/>
+                <a:ea typeface="+mn-ea"/>
+                <a:cs typeface="+mn-cs"/>
+              </a:defRPr>
+            </a:lvl5pPr>
+            <a:lvl6pPr marL="2286000" algn="l" defTabSz="914400" rtl="0" eaLnBrk="1" latinLnBrk="0" hangingPunct="1">
+              <a:defRPr kern="1200">
+                <a:solidFill>
+                  <a:schemeClr val="lt1"/>
+                </a:solidFill>
+                <a:latin typeface="+mn-lt"/>
+                <a:ea typeface="+mn-ea"/>
+                <a:cs typeface="+mn-cs"/>
+              </a:defRPr>
+            </a:lvl6pPr>
+            <a:lvl7pPr marL="2743200" algn="l" defTabSz="914400" rtl="0" eaLnBrk="1" latinLnBrk="0" hangingPunct="1">
+              <a:defRPr kern="1200">
+                <a:solidFill>
+                  <a:schemeClr val="lt1"/>
+                </a:solidFill>
+                <a:latin typeface="+mn-lt"/>
+                <a:ea typeface="+mn-ea"/>
+                <a:cs typeface="+mn-cs"/>
+              </a:defRPr>
+            </a:lvl7pPr>
+            <a:lvl8pPr marL="3200400" algn="l" defTabSz="914400" rtl="0" eaLnBrk="1" latinLnBrk="0" hangingPunct="1">
+              <a:defRPr kern="1200">
+                <a:solidFill>
+                  <a:schemeClr val="lt1"/>
+                </a:solidFill>
+                <a:latin typeface="+mn-lt"/>
+                <a:ea typeface="+mn-ea"/>
+                <a:cs typeface="+mn-cs"/>
+              </a:defRPr>
+            </a:lvl8pPr>
+            <a:lvl9pPr marL="3657600" algn="l" defTabSz="914400" rtl="0" eaLnBrk="1" latinLnBrk="0" hangingPunct="1">
+              <a:defRPr kern="1200">
+                <a:solidFill>
+                  <a:schemeClr val="lt1"/>
+                </a:solidFill>
+                <a:latin typeface="+mn-lt"/>
+                <a:ea typeface="+mn-ea"/>
+                <a:cs typeface="+mn-cs"/>
+              </a:defRPr>
+            </a:lvl9pPr>
+          </a:lstStyle>
+          <a:p>
+            <a:pPr algn="ctr" eaLnBrk="1" fontAlgn="auto" hangingPunct="1">
+              <a:spcBef>
+                <a:spcPts val="0"/>
+              </a:spcBef>
+              <a:spcAft>
+                <a:spcPts val="0"/>
+              </a:spcAft>
+              <a:defRPr/>
+            </a:pPr>
+            <a:endParaRPr lang="zh-CN" altLang="en-US">
+              <a:solidFill>
+                <a:srgbClr val="FFFFFF"/>
+              </a:solidFill>
+            </a:endParaRPr>
+          </a:p>
+        </p:txBody>
+      </p:sp>
+      <p:pic>
+        <p:nvPicPr>
+          <p:cNvPr id="48" name="图片 47" descr="position"/>
+          <p:cNvPicPr>
+            <a:picLocks noChangeAspect="1"/>
+          </p:cNvPicPr>
+          <p:nvPr/>
+        </p:nvPicPr>
+        <p:blipFill>
+          <a:blip r:embed="rId1"/>
+          <a:stretch>
+            <a:fillRect/>
+          </a:stretch>
+        </p:blipFill>
+        <p:spPr>
+          <a:xfrm>
+            <a:off x="4711700" y="3337560"/>
+            <a:ext cx="340995" cy="275590"/>
+          </a:xfrm>
+          <a:prstGeom prst="rect">
+            <a:avLst/>
+          </a:prstGeom>
+        </p:spPr>
+      </p:pic>
+      <p:sp>
+        <p:nvSpPr>
+          <p:cNvPr id="8" name="流程图: 多文档 7"/>
+          <p:cNvSpPr/>
+          <p:nvPr/>
+        </p:nvSpPr>
+        <p:spPr>
+          <a:xfrm rot="10800000">
+            <a:off x="5786755" y="3288030"/>
+            <a:ext cx="542925" cy="374650"/>
+          </a:xfrm>
+          <a:prstGeom prst="flowChartMultidocument">
+            <a:avLst/>
+          </a:prstGeom>
+          <a:solidFill>
+            <a:schemeClr val="accent4">
+              <a:lumMod val="60000"/>
+              <a:lumOff val="40000"/>
+            </a:schemeClr>
+          </a:solidFill>
+        </p:spPr>
+        <p:style>
+          <a:lnRef idx="3">
+            <a:schemeClr val="lt1"/>
+          </a:lnRef>
+          <a:fillRef idx="1">
+            <a:schemeClr val="accent4"/>
+          </a:fillRef>
+          <a:effectRef idx="1">
+            <a:schemeClr val="accent4"/>
+          </a:effectRef>
+          <a:fontRef idx="minor">
+            <a:schemeClr val="lt1"/>
+          </a:fontRef>
+        </p:style>
+        <p:txBody>
+          <a:bodyPr rtlCol="0" anchor="ctr"/>
+          <a:p>
+            <a:pPr algn="ctr"/>
+            <a:endParaRPr lang="zh-CN" altLang="en-US"/>
+          </a:p>
+        </p:txBody>
+      </p:sp>
+      <p:sp>
+        <p:nvSpPr>
+          <p:cNvPr id="11" name="椭圆 10"/>
+          <p:cNvSpPr/>
+          <p:nvPr/>
+        </p:nvSpPr>
+        <p:spPr>
+          <a:xfrm>
+            <a:off x="4561840" y="4424045"/>
+            <a:ext cx="671830" cy="477520"/>
+          </a:xfrm>
+          <a:prstGeom prst="ellipse">
+            <a:avLst/>
+          </a:prstGeom>
+          <a:solidFill>
+            <a:schemeClr val="accent4">
+              <a:lumMod val="60000"/>
+              <a:lumOff val="40000"/>
+            </a:schemeClr>
+          </a:solidFill>
+        </p:spPr>
+        <p:style>
+          <a:lnRef idx="2">
+            <a:schemeClr val="accent1">
+              <a:shade val="50000"/>
+            </a:schemeClr>
+          </a:lnRef>
+          <a:fillRef idx="1">
+            <a:schemeClr val="accent1"/>
+          </a:fillRef>
+          <a:effectRef idx="0">
+            <a:schemeClr val="accent1"/>
+          </a:effectRef>
+          <a:fontRef idx="minor">
+            <a:schemeClr val="lt1"/>
+          </a:fontRef>
+        </p:style>
+        <p:txBody>
+          <a:bodyPr rtlCol="0" anchor="ctr"/>
+          <a:p>
+            <a:pPr algn="ctr"/>
+            <a:endParaRPr lang="zh-CN" altLang="en-US"/>
+          </a:p>
+        </p:txBody>
+      </p:sp>
+      <p:sp>
+        <p:nvSpPr>
+          <p:cNvPr id="17" name="椭圆 16"/>
+          <p:cNvSpPr/>
+          <p:nvPr/>
+        </p:nvSpPr>
+        <p:spPr>
+          <a:xfrm>
+            <a:off x="5924550" y="4424045"/>
+            <a:ext cx="671830" cy="477520"/>
+          </a:xfrm>
+          <a:prstGeom prst="ellipse">
+            <a:avLst/>
+          </a:prstGeom>
+          <a:solidFill>
+            <a:schemeClr val="accent4">
+              <a:lumMod val="60000"/>
+              <a:lumOff val="40000"/>
+            </a:schemeClr>
+          </a:solidFill>
+        </p:spPr>
+        <p:style>
+          <a:lnRef idx="2">
+            <a:schemeClr val="accent1">
+              <a:shade val="50000"/>
+            </a:schemeClr>
+          </a:lnRef>
+          <a:fillRef idx="1">
+            <a:schemeClr val="accent1"/>
+          </a:fillRef>
+          <a:effectRef idx="0">
+            <a:schemeClr val="accent1"/>
+          </a:effectRef>
+          <a:fontRef idx="minor">
+            <a:schemeClr val="lt1"/>
+          </a:fontRef>
+        </p:style>
+        <p:txBody>
+          <a:bodyPr rtlCol="0" anchor="ctr"/>
+          <a:p>
+            <a:pPr algn="ctr"/>
+            <a:endParaRPr lang="zh-CN" altLang="en-US"/>
+          </a:p>
+        </p:txBody>
+      </p:sp>
+      <p:sp>
+        <p:nvSpPr>
+          <p:cNvPr id="18" name="椭圆 17"/>
+          <p:cNvSpPr/>
+          <p:nvPr/>
+        </p:nvSpPr>
+        <p:spPr>
+          <a:xfrm>
+            <a:off x="5233670" y="4424045"/>
+            <a:ext cx="671830" cy="477520"/>
+          </a:xfrm>
+          <a:prstGeom prst="ellipse">
+            <a:avLst/>
+          </a:prstGeom>
+          <a:solidFill>
+            <a:schemeClr val="accent4">
+              <a:lumMod val="60000"/>
+              <a:lumOff val="40000"/>
+            </a:schemeClr>
+          </a:solidFill>
+        </p:spPr>
+        <p:style>
+          <a:lnRef idx="2">
+            <a:schemeClr val="accent1">
+              <a:shade val="50000"/>
+            </a:schemeClr>
+          </a:lnRef>
+          <a:fillRef idx="1">
+            <a:schemeClr val="accent1"/>
+          </a:fillRef>
+          <a:effectRef idx="0">
+            <a:schemeClr val="accent1"/>
+          </a:effectRef>
+          <a:fontRef idx="minor">
+            <a:schemeClr val="lt1"/>
+          </a:fontRef>
+        </p:style>
+        <p:txBody>
+          <a:bodyPr rtlCol="0" anchor="ctr"/>
+          <a:p>
+            <a:pPr algn="ctr"/>
+            <a:endParaRPr lang="zh-CN" altLang="en-US"/>
+          </a:p>
+        </p:txBody>
+      </p:sp>
+      <p:sp>
+        <p:nvSpPr>
+          <p:cNvPr id="221" name=" 221"/>
+          <p:cNvSpPr/>
+          <p:nvPr/>
+        </p:nvSpPr>
+        <p:spPr>
+          <a:xfrm rot="5400000">
+            <a:off x="6896100" y="4481830"/>
+            <a:ext cx="207010" cy="361950"/>
+          </a:xfrm>
+          <a:custGeom>
+            <a:avLst/>
+            <a:gdLst/>
+            <a:ahLst/>
+            <a:cxnLst/>
+            <a:rect l="l" t="t" r="r" b="b"/>
+            <a:pathLst>
+              <a:path w="751403" h="647761">
+                <a:moveTo>
+                  <a:pt x="375702" y="0"/>
+                </a:moveTo>
+                <a:lnTo>
+                  <a:pt x="751403" y="647761"/>
+                </a:lnTo>
+                <a:lnTo>
+                  <a:pt x="745416" y="647761"/>
+                </a:lnTo>
+                <a:lnTo>
+                  <a:pt x="375702" y="432047"/>
+                </a:lnTo>
+                <a:lnTo>
+                  <a:pt x="5987" y="647761"/>
+                </a:lnTo>
+                <a:lnTo>
+                  <a:pt x="0" y="647761"/>
+                </a:lnTo>
+                <a:close/>
+              </a:path>
+            </a:pathLst>
+          </a:custGeom>
+          <a:solidFill>
+            <a:schemeClr val="accent5"/>
+          </a:solidFill>
+          <a:ln>
+            <a:noFill/>
+          </a:ln>
+        </p:spPr>
+        <p:style>
+          <a:lnRef idx="2">
+            <a:schemeClr val="accent1">
+              <a:shade val="50000"/>
+            </a:schemeClr>
+          </a:lnRef>
+          <a:fillRef idx="1">
+            <a:schemeClr val="accent1"/>
+          </a:fillRef>
+          <a:effectRef idx="0">
+            <a:schemeClr val="accent1"/>
+          </a:effectRef>
+          <a:fontRef idx="minor">
+            <a:schemeClr val="lt1"/>
+          </a:fontRef>
+        </p:style>
+        <p:txBody>
+          <a:bodyPr anchor="ctr"/>
+          <a:lstStyle>
+            <a:defPPr>
+              <a:defRPr lang="zh-CN"/>
+            </a:defPPr>
+            <a:lvl1pPr algn="l" rtl="0" eaLnBrk="0" fontAlgn="base" hangingPunct="0">
+              <a:spcBef>
+                <a:spcPct val="0"/>
+              </a:spcBef>
+              <a:spcAft>
+                <a:spcPct val="0"/>
+              </a:spcAft>
+              <a:defRPr kern="1200">
+                <a:solidFill>
+                  <a:schemeClr val="lt1"/>
+                </a:solidFill>
+                <a:latin typeface="+mn-lt"/>
+                <a:ea typeface="+mn-ea"/>
+                <a:cs typeface="+mn-cs"/>
+              </a:defRPr>
+            </a:lvl1pPr>
+            <a:lvl2pPr marL="457200" algn="l" rtl="0" eaLnBrk="0" fontAlgn="base" hangingPunct="0">
+              <a:spcBef>
+                <a:spcPct val="0"/>
+              </a:spcBef>
+              <a:spcAft>
+                <a:spcPct val="0"/>
+              </a:spcAft>
+              <a:defRPr kern="1200">
+                <a:solidFill>
+                  <a:schemeClr val="lt1"/>
+                </a:solidFill>
+                <a:latin typeface="+mn-lt"/>
+                <a:ea typeface="+mn-ea"/>
+                <a:cs typeface="+mn-cs"/>
+              </a:defRPr>
+            </a:lvl2pPr>
+            <a:lvl3pPr marL="914400" algn="l" rtl="0" eaLnBrk="0" fontAlgn="base" hangingPunct="0">
+              <a:spcBef>
+                <a:spcPct val="0"/>
+              </a:spcBef>
+              <a:spcAft>
+                <a:spcPct val="0"/>
+              </a:spcAft>
+              <a:defRPr kern="1200">
+                <a:solidFill>
+                  <a:schemeClr val="lt1"/>
+                </a:solidFill>
+                <a:latin typeface="+mn-lt"/>
+                <a:ea typeface="+mn-ea"/>
+                <a:cs typeface="+mn-cs"/>
+              </a:defRPr>
+            </a:lvl3pPr>
+            <a:lvl4pPr marL="1371600" algn="l" rtl="0" eaLnBrk="0" fontAlgn="base" hangingPunct="0">
+              <a:spcBef>
+                <a:spcPct val="0"/>
+              </a:spcBef>
+              <a:spcAft>
+                <a:spcPct val="0"/>
+              </a:spcAft>
+              <a:defRPr kern="1200">
+                <a:solidFill>
+                  <a:schemeClr val="lt1"/>
+                </a:solidFill>
+                <a:latin typeface="+mn-lt"/>
+                <a:ea typeface="+mn-ea"/>
+                <a:cs typeface="+mn-cs"/>
+              </a:defRPr>
+            </a:lvl4pPr>
+            <a:lvl5pPr marL="1828800" algn="l" rtl="0" eaLnBrk="0" fontAlgn="base" hangingPunct="0">
+              <a:spcBef>
+                <a:spcPct val="0"/>
+              </a:spcBef>
+              <a:spcAft>
+                <a:spcPct val="0"/>
+              </a:spcAft>
+              <a:defRPr kern="1200">
+                <a:solidFill>
+                  <a:schemeClr val="lt1"/>
+                </a:solidFill>
+                <a:latin typeface="+mn-lt"/>
+                <a:ea typeface="+mn-ea"/>
+                <a:cs typeface="+mn-cs"/>
+              </a:defRPr>
+            </a:lvl5pPr>
+            <a:lvl6pPr marL="2286000" algn="l" defTabSz="914400" rtl="0" eaLnBrk="1" latinLnBrk="0" hangingPunct="1">
+              <a:defRPr kern="1200">
+                <a:solidFill>
+                  <a:schemeClr val="lt1"/>
+                </a:solidFill>
+                <a:latin typeface="+mn-lt"/>
+                <a:ea typeface="+mn-ea"/>
+                <a:cs typeface="+mn-cs"/>
+              </a:defRPr>
+            </a:lvl6pPr>
+            <a:lvl7pPr marL="2743200" algn="l" defTabSz="914400" rtl="0" eaLnBrk="1" latinLnBrk="0" hangingPunct="1">
+              <a:defRPr kern="1200">
+                <a:solidFill>
+                  <a:schemeClr val="lt1"/>
+                </a:solidFill>
+                <a:latin typeface="+mn-lt"/>
+                <a:ea typeface="+mn-ea"/>
+                <a:cs typeface="+mn-cs"/>
+              </a:defRPr>
+            </a:lvl7pPr>
+            <a:lvl8pPr marL="3200400" algn="l" defTabSz="914400" rtl="0" eaLnBrk="1" latinLnBrk="0" hangingPunct="1">
+              <a:defRPr kern="1200">
+                <a:solidFill>
+                  <a:schemeClr val="lt1"/>
+                </a:solidFill>
+                <a:latin typeface="+mn-lt"/>
+                <a:ea typeface="+mn-ea"/>
+                <a:cs typeface="+mn-cs"/>
+              </a:defRPr>
+            </a:lvl8pPr>
+            <a:lvl9pPr marL="3657600" algn="l" defTabSz="914400" rtl="0" eaLnBrk="1" latinLnBrk="0" hangingPunct="1">
+              <a:defRPr kern="1200">
+                <a:solidFill>
+                  <a:schemeClr val="lt1"/>
+                </a:solidFill>
+                <a:latin typeface="+mn-lt"/>
+                <a:ea typeface="+mn-ea"/>
+                <a:cs typeface="+mn-cs"/>
+              </a:defRPr>
+            </a:lvl9pPr>
+          </a:lstStyle>
+          <a:p>
+            <a:pPr algn="ctr" eaLnBrk="1" fontAlgn="auto" hangingPunct="1">
+              <a:spcBef>
+                <a:spcPts val="0"/>
+              </a:spcBef>
+              <a:spcAft>
+                <a:spcPts val="0"/>
+              </a:spcAft>
+              <a:defRPr/>
+            </a:pPr>
+            <a:endParaRPr lang="zh-CN" altLang="en-US">
+              <a:solidFill>
+                <a:srgbClr val="FFFFFF"/>
+              </a:solidFill>
+            </a:endParaRPr>
+          </a:p>
+        </p:txBody>
+      </p:sp>
+      <p:sp>
+        <p:nvSpPr>
+          <p:cNvPr id="19" name="椭圆 18"/>
+          <p:cNvSpPr/>
+          <p:nvPr/>
+        </p:nvSpPr>
+        <p:spPr>
+          <a:xfrm>
+            <a:off x="4561840" y="5532755"/>
+            <a:ext cx="671830" cy="477520"/>
+          </a:xfrm>
+          <a:prstGeom prst="ellipse">
+            <a:avLst/>
+          </a:prstGeom>
+          <a:solidFill>
+            <a:schemeClr val="accent4">
+              <a:lumMod val="60000"/>
+              <a:lumOff val="40000"/>
+            </a:schemeClr>
+          </a:solidFill>
+        </p:spPr>
+        <p:style>
+          <a:lnRef idx="2">
+            <a:schemeClr val="accent1">
+              <a:shade val="50000"/>
+            </a:schemeClr>
+          </a:lnRef>
+          <a:fillRef idx="1">
+            <a:schemeClr val="accent1"/>
+          </a:fillRef>
+          <a:effectRef idx="0">
+            <a:schemeClr val="accent1"/>
+          </a:effectRef>
+          <a:fontRef idx="minor">
+            <a:schemeClr val="lt1"/>
+          </a:fontRef>
+        </p:style>
+        <p:txBody>
+          <a:bodyPr rtlCol="0" anchor="ctr"/>
+          <a:p>
+            <a:pPr algn="ctr"/>
+            <a:endParaRPr lang="zh-CN" altLang="en-US"/>
+          </a:p>
+        </p:txBody>
+      </p:sp>
+      <p:sp>
+        <p:nvSpPr>
+          <p:cNvPr id="23" name="椭圆 22"/>
+          <p:cNvSpPr/>
+          <p:nvPr/>
+        </p:nvSpPr>
+        <p:spPr>
+          <a:xfrm>
+            <a:off x="5924550" y="5532755"/>
+            <a:ext cx="671830" cy="477520"/>
+          </a:xfrm>
+          <a:prstGeom prst="ellipse">
+            <a:avLst/>
+          </a:prstGeom>
+          <a:solidFill>
+            <a:schemeClr val="accent4">
+              <a:lumMod val="60000"/>
+              <a:lumOff val="40000"/>
+            </a:schemeClr>
+          </a:solidFill>
+        </p:spPr>
+        <p:style>
+          <a:lnRef idx="2">
+            <a:schemeClr val="accent1">
+              <a:shade val="50000"/>
+            </a:schemeClr>
+          </a:lnRef>
+          <a:fillRef idx="1">
+            <a:schemeClr val="accent1"/>
+          </a:fillRef>
+          <a:effectRef idx="0">
+            <a:schemeClr val="accent1"/>
+          </a:effectRef>
+          <a:fontRef idx="minor">
+            <a:schemeClr val="lt1"/>
+          </a:fontRef>
+        </p:style>
+        <p:txBody>
+          <a:bodyPr rtlCol="0" anchor="ctr"/>
+          <a:p>
+            <a:pPr algn="ctr"/>
+            <a:endParaRPr lang="zh-CN" altLang="en-US"/>
+          </a:p>
+        </p:txBody>
+      </p:sp>
+      <p:sp>
+        <p:nvSpPr>
+          <p:cNvPr id="24" name="椭圆 23"/>
+          <p:cNvSpPr/>
+          <p:nvPr/>
+        </p:nvSpPr>
+        <p:spPr>
+          <a:xfrm>
+            <a:off x="5233670" y="5532755"/>
+            <a:ext cx="671830" cy="477520"/>
+          </a:xfrm>
+          <a:prstGeom prst="ellipse">
+            <a:avLst/>
+          </a:prstGeom>
+          <a:solidFill>
+            <a:schemeClr val="accent4">
+              <a:lumMod val="60000"/>
+              <a:lumOff val="40000"/>
+            </a:schemeClr>
+          </a:solidFill>
+        </p:spPr>
+        <p:style>
+          <a:lnRef idx="2">
+            <a:schemeClr val="accent1">
+              <a:shade val="50000"/>
+            </a:schemeClr>
+          </a:lnRef>
+          <a:fillRef idx="1">
+            <a:schemeClr val="accent1"/>
+          </a:fillRef>
+          <a:effectRef idx="0">
+            <a:schemeClr val="accent1"/>
+          </a:effectRef>
+          <a:fontRef idx="minor">
+            <a:schemeClr val="lt1"/>
+          </a:fontRef>
+        </p:style>
+        <p:txBody>
+          <a:bodyPr rtlCol="0" anchor="ctr"/>
+          <a:p>
+            <a:pPr algn="ctr"/>
+            <a:endParaRPr lang="zh-CN" altLang="en-US"/>
+          </a:p>
+        </p:txBody>
+      </p:sp>
+      <p:sp>
+        <p:nvSpPr>
+          <p:cNvPr id="25" name=" 221"/>
+          <p:cNvSpPr/>
+          <p:nvPr/>
+        </p:nvSpPr>
+        <p:spPr>
+          <a:xfrm rot="5400000">
+            <a:off x="6896100" y="5590540"/>
+            <a:ext cx="207010" cy="361950"/>
+          </a:xfrm>
+          <a:custGeom>
+            <a:avLst/>
+            <a:gdLst/>
+            <a:ahLst/>
+            <a:cxnLst/>
+            <a:rect l="l" t="t" r="r" b="b"/>
+            <a:pathLst>
+              <a:path w="751403" h="647761">
+                <a:moveTo>
+                  <a:pt x="375702" y="0"/>
+                </a:moveTo>
+                <a:lnTo>
+                  <a:pt x="751403" y="647761"/>
+                </a:lnTo>
+                <a:lnTo>
+                  <a:pt x="745416" y="647761"/>
+                </a:lnTo>
+                <a:lnTo>
+                  <a:pt x="375702" y="432047"/>
+                </a:lnTo>
+                <a:lnTo>
+                  <a:pt x="5987" y="647761"/>
+                </a:lnTo>
+                <a:lnTo>
+                  <a:pt x="0" y="647761"/>
+                </a:lnTo>
+                <a:close/>
+              </a:path>
+            </a:pathLst>
+          </a:custGeom>
+          <a:solidFill>
+            <a:schemeClr val="accent5"/>
+          </a:solidFill>
+          <a:ln>
+            <a:noFill/>
+          </a:ln>
+        </p:spPr>
+        <p:style>
+          <a:lnRef idx="2">
+            <a:schemeClr val="accent1">
+              <a:shade val="50000"/>
+            </a:schemeClr>
+          </a:lnRef>
+          <a:fillRef idx="1">
+            <a:schemeClr val="accent1"/>
+          </a:fillRef>
+          <a:effectRef idx="0">
+            <a:schemeClr val="accent1"/>
+          </a:effectRef>
+          <a:fontRef idx="minor">
+            <a:schemeClr val="lt1"/>
+          </a:fontRef>
+        </p:style>
+        <p:txBody>
+          <a:bodyPr anchor="ctr"/>
+          <a:lstStyle>
+            <a:defPPr>
+              <a:defRPr lang="zh-CN"/>
+            </a:defPPr>
+            <a:lvl1pPr algn="l" rtl="0" eaLnBrk="0" fontAlgn="base" hangingPunct="0">
+              <a:spcBef>
+                <a:spcPct val="0"/>
+              </a:spcBef>
+              <a:spcAft>
+                <a:spcPct val="0"/>
+              </a:spcAft>
+              <a:defRPr kern="1200">
+                <a:solidFill>
+                  <a:schemeClr val="lt1"/>
+                </a:solidFill>
+                <a:latin typeface="+mn-lt"/>
+                <a:ea typeface="+mn-ea"/>
+                <a:cs typeface="+mn-cs"/>
+              </a:defRPr>
+            </a:lvl1pPr>
+            <a:lvl2pPr marL="457200" algn="l" rtl="0" eaLnBrk="0" fontAlgn="base" hangingPunct="0">
+              <a:spcBef>
+                <a:spcPct val="0"/>
+              </a:spcBef>
+              <a:spcAft>
+                <a:spcPct val="0"/>
+              </a:spcAft>
+              <a:defRPr kern="1200">
+                <a:solidFill>
+                  <a:schemeClr val="lt1"/>
+                </a:solidFill>
+                <a:latin typeface="+mn-lt"/>
+                <a:ea typeface="+mn-ea"/>
+                <a:cs typeface="+mn-cs"/>
+              </a:defRPr>
+            </a:lvl2pPr>
+            <a:lvl3pPr marL="914400" algn="l" rtl="0" eaLnBrk="0" fontAlgn="base" hangingPunct="0">
+              <a:spcBef>
+                <a:spcPct val="0"/>
+              </a:spcBef>
+              <a:spcAft>
+                <a:spcPct val="0"/>
+              </a:spcAft>
+              <a:defRPr kern="1200">
+                <a:solidFill>
+                  <a:schemeClr val="lt1"/>
+                </a:solidFill>
+                <a:latin typeface="+mn-lt"/>
+                <a:ea typeface="+mn-ea"/>
+                <a:cs typeface="+mn-cs"/>
+              </a:defRPr>
+            </a:lvl3pPr>
+            <a:lvl4pPr marL="1371600" algn="l" rtl="0" eaLnBrk="0" fontAlgn="base" hangingPunct="0">
+              <a:spcBef>
+                <a:spcPct val="0"/>
+              </a:spcBef>
+              <a:spcAft>
+                <a:spcPct val="0"/>
+              </a:spcAft>
+              <a:defRPr kern="1200">
+                <a:solidFill>
+                  <a:schemeClr val="lt1"/>
+                </a:solidFill>
+                <a:latin typeface="+mn-lt"/>
+                <a:ea typeface="+mn-ea"/>
+                <a:cs typeface="+mn-cs"/>
+              </a:defRPr>
+            </a:lvl4pPr>
+            <a:lvl5pPr marL="1828800" algn="l" rtl="0" eaLnBrk="0" fontAlgn="base" hangingPunct="0">
+              <a:spcBef>
+                <a:spcPct val="0"/>
+              </a:spcBef>
+              <a:spcAft>
+                <a:spcPct val="0"/>
+              </a:spcAft>
+              <a:defRPr kern="1200">
+                <a:solidFill>
+                  <a:schemeClr val="lt1"/>
+                </a:solidFill>
+                <a:latin typeface="+mn-lt"/>
+                <a:ea typeface="+mn-ea"/>
+                <a:cs typeface="+mn-cs"/>
+              </a:defRPr>
+            </a:lvl5pPr>
+            <a:lvl6pPr marL="2286000" algn="l" defTabSz="914400" rtl="0" eaLnBrk="1" latinLnBrk="0" hangingPunct="1">
+              <a:defRPr kern="1200">
+                <a:solidFill>
+                  <a:schemeClr val="lt1"/>
+                </a:solidFill>
+                <a:latin typeface="+mn-lt"/>
+                <a:ea typeface="+mn-ea"/>
+                <a:cs typeface="+mn-cs"/>
+              </a:defRPr>
+            </a:lvl6pPr>
+            <a:lvl7pPr marL="2743200" algn="l" defTabSz="914400" rtl="0" eaLnBrk="1" latinLnBrk="0" hangingPunct="1">
+              <a:defRPr kern="1200">
+                <a:solidFill>
+                  <a:schemeClr val="lt1"/>
+                </a:solidFill>
+                <a:latin typeface="+mn-lt"/>
+                <a:ea typeface="+mn-ea"/>
+                <a:cs typeface="+mn-cs"/>
+              </a:defRPr>
+            </a:lvl7pPr>
+            <a:lvl8pPr marL="3200400" algn="l" defTabSz="914400" rtl="0" eaLnBrk="1" latinLnBrk="0" hangingPunct="1">
+              <a:defRPr kern="1200">
+                <a:solidFill>
+                  <a:schemeClr val="lt1"/>
+                </a:solidFill>
+                <a:latin typeface="+mn-lt"/>
+                <a:ea typeface="+mn-ea"/>
+                <a:cs typeface="+mn-cs"/>
+              </a:defRPr>
+            </a:lvl8pPr>
+            <a:lvl9pPr marL="3657600" algn="l" defTabSz="914400" rtl="0" eaLnBrk="1" latinLnBrk="0" hangingPunct="1">
+              <a:defRPr kern="1200">
+                <a:solidFill>
+                  <a:schemeClr val="lt1"/>
+                </a:solidFill>
+                <a:latin typeface="+mn-lt"/>
+                <a:ea typeface="+mn-ea"/>
+                <a:cs typeface="+mn-cs"/>
+              </a:defRPr>
+            </a:lvl9pPr>
+          </a:lstStyle>
+          <a:p>
+            <a:pPr algn="ctr" eaLnBrk="1" fontAlgn="auto" hangingPunct="1">
+              <a:spcBef>
+                <a:spcPts val="0"/>
+              </a:spcBef>
+              <a:spcAft>
+                <a:spcPts val="0"/>
+              </a:spcAft>
+              <a:defRPr/>
+            </a:pPr>
+            <a:endParaRPr lang="zh-CN" altLang="en-US">
+              <a:solidFill>
+                <a:srgbClr val="FFFFFF"/>
+              </a:solidFill>
+            </a:endParaRPr>
+          </a:p>
+        </p:txBody>
+      </p:sp>
+      <p:cxnSp>
+        <p:nvCxnSpPr>
+          <p:cNvPr id="26" name="直接连接符 25"/>
+          <p:cNvCxnSpPr/>
+          <p:nvPr/>
+        </p:nvCxnSpPr>
+        <p:spPr>
+          <a:xfrm flipV="1">
+            <a:off x="4461510" y="6043930"/>
+            <a:ext cx="3074035" cy="12700"/>
+          </a:xfrm>
+          <a:prstGeom prst="line">
+            <a:avLst/>
+          </a:prstGeom>
+        </p:spPr>
+        <p:style>
+          <a:lnRef idx="1">
+            <a:schemeClr val="accent1"/>
+          </a:lnRef>
+          <a:fillRef idx="0">
+            <a:schemeClr val="accent1"/>
+          </a:fillRef>
+          <a:effectRef idx="0">
+            <a:schemeClr val="accent1"/>
+          </a:effectRef>
+          <a:fontRef idx="minor">
+            <a:schemeClr val="tx1"/>
+          </a:fontRef>
+        </p:style>
+      </p:cxnSp>
+      <p:sp>
+        <p:nvSpPr>
+          <p:cNvPr id="27" name="文本框 26"/>
+          <p:cNvSpPr txBox="1"/>
+          <p:nvPr/>
+        </p:nvSpPr>
+        <p:spPr>
+          <a:xfrm>
+            <a:off x="5270500" y="6119495"/>
+            <a:ext cx="1325880" cy="368300"/>
+          </a:xfrm>
+          <a:prstGeom prst="rect">
+            <a:avLst/>
+          </a:prstGeom>
+          <a:noFill/>
+        </p:spPr>
+        <p:txBody>
+          <a:bodyPr wrap="none" rtlCol="0">
+            <a:spAutoFit/>
+          </a:bodyPr>
+          <a:p>
+            <a:r>
+              <a:rPr lang="zh-CN" altLang="en-US"/>
+              <a:t>底部导航栏</a:t>
+            </a:r>
+            <a:endParaRPr lang="zh-CN" altLang="en-US"/>
+          </a:p>
+        </p:txBody>
+      </p:sp>
+      <p:sp>
+        <p:nvSpPr>
+          <p:cNvPr id="50" name="圆角矩形 49"/>
+          <p:cNvSpPr/>
+          <p:nvPr/>
+        </p:nvSpPr>
+        <p:spPr>
+          <a:xfrm>
+            <a:off x="8375015" y="1192530"/>
+            <a:ext cx="3086735" cy="678180"/>
+          </a:xfrm>
+          <a:prstGeom prst="roundRect">
+            <a:avLst/>
+          </a:prstGeom>
+          <a:noFill/>
+          <a:extLst>
+            <a:ext uri="{909E8E84-426E-40DD-AFC4-6F175D3DCCD1}">
+              <a14:hiddenFill xmlns:a14="http://schemas.microsoft.com/office/drawing/2010/main">
+                <a:solidFill>
+                  <a:schemeClr val="bg1"/>
+                </a:solidFill>
+              </a14:hiddenFill>
+            </a:ext>
+          </a:extLst>
+        </p:spPr>
+        <p:style>
+          <a:lnRef idx="2">
+            <a:schemeClr val="accent1">
+              <a:shade val="50000"/>
+            </a:schemeClr>
+          </a:lnRef>
+          <a:fillRef idx="1">
+            <a:schemeClr val="accent1"/>
+          </a:fillRef>
+          <a:effectRef idx="0">
+            <a:schemeClr val="accent1"/>
+          </a:effectRef>
+          <a:fontRef idx="minor">
+            <a:schemeClr val="lt1"/>
+          </a:fontRef>
+        </p:style>
+        <p:txBody>
+          <a:bodyPr rtlCol="0" anchor="ctr"/>
+          <a:p>
+            <a:pPr algn="ctr"/>
+            <a:endParaRPr lang="zh-CN" altLang="en-US"/>
+          </a:p>
+        </p:txBody>
+      </p:sp>
+      <p:sp>
+        <p:nvSpPr>
+          <p:cNvPr id="61" name="圆角矩形 60"/>
+          <p:cNvSpPr/>
+          <p:nvPr/>
+        </p:nvSpPr>
+        <p:spPr>
+          <a:xfrm>
+            <a:off x="8375015" y="1898015"/>
+            <a:ext cx="3086735" cy="678180"/>
+          </a:xfrm>
+          <a:prstGeom prst="roundRect">
+            <a:avLst/>
+          </a:prstGeom>
+          <a:noFill/>
+          <a:extLst>
+            <a:ext uri="{909E8E84-426E-40DD-AFC4-6F175D3DCCD1}">
+              <a14:hiddenFill xmlns:a14="http://schemas.microsoft.com/office/drawing/2010/main">
+                <a:solidFill>
+                  <a:schemeClr val="bg1"/>
+                </a:solidFill>
+              </a14:hiddenFill>
+            </a:ext>
+          </a:extLst>
+        </p:spPr>
+        <p:style>
+          <a:lnRef idx="2">
+            <a:schemeClr val="accent1">
+              <a:shade val="50000"/>
+            </a:schemeClr>
+          </a:lnRef>
+          <a:fillRef idx="1">
+            <a:schemeClr val="accent1"/>
+          </a:fillRef>
+          <a:effectRef idx="0">
+            <a:schemeClr val="accent1"/>
+          </a:effectRef>
+          <a:fontRef idx="minor">
+            <a:schemeClr val="lt1"/>
+          </a:fontRef>
+        </p:style>
+        <p:txBody>
+          <a:bodyPr rtlCol="0" anchor="ctr"/>
+          <a:p>
+            <a:pPr algn="ctr"/>
+            <a:endParaRPr lang="zh-CN" altLang="en-US"/>
+          </a:p>
+        </p:txBody>
+      </p:sp>
+      <p:sp>
+        <p:nvSpPr>
+          <p:cNvPr id="62" name="圆角矩形 61"/>
+          <p:cNvSpPr/>
+          <p:nvPr/>
+        </p:nvSpPr>
+        <p:spPr>
+          <a:xfrm>
+            <a:off x="8375015" y="2576195"/>
+            <a:ext cx="3086735" cy="678180"/>
+          </a:xfrm>
+          <a:prstGeom prst="roundRect">
+            <a:avLst/>
+          </a:prstGeom>
+          <a:noFill/>
+          <a:extLst>
+            <a:ext uri="{909E8E84-426E-40DD-AFC4-6F175D3DCCD1}">
+              <a14:hiddenFill xmlns:a14="http://schemas.microsoft.com/office/drawing/2010/main">
+                <a:solidFill>
+                  <a:schemeClr val="bg1"/>
+                </a:solidFill>
+              </a14:hiddenFill>
+            </a:ext>
+          </a:extLst>
+        </p:spPr>
+        <p:style>
+          <a:lnRef idx="2">
+            <a:schemeClr val="accent1">
+              <a:shade val="50000"/>
+            </a:schemeClr>
+          </a:lnRef>
+          <a:fillRef idx="1">
+            <a:schemeClr val="accent1"/>
+          </a:fillRef>
+          <a:effectRef idx="0">
+            <a:schemeClr val="accent1"/>
+          </a:effectRef>
+          <a:fontRef idx="minor">
+            <a:schemeClr val="lt1"/>
+          </a:fontRef>
+        </p:style>
+        <p:txBody>
+          <a:bodyPr rtlCol="0" anchor="ctr"/>
+          <a:p>
+            <a:pPr algn="ctr"/>
+            <a:endParaRPr lang="zh-CN" altLang="en-US"/>
+          </a:p>
+        </p:txBody>
+      </p:sp>
+      <p:sp>
+        <p:nvSpPr>
+          <p:cNvPr id="63" name="文本框 62"/>
+          <p:cNvSpPr txBox="1"/>
+          <p:nvPr/>
+        </p:nvSpPr>
+        <p:spPr>
+          <a:xfrm>
+            <a:off x="9150350" y="1200150"/>
+            <a:ext cx="1123950" cy="368300"/>
+          </a:xfrm>
+          <a:prstGeom prst="rect">
+            <a:avLst/>
+          </a:prstGeom>
+          <a:noFill/>
+        </p:spPr>
+        <p:txBody>
+          <a:bodyPr wrap="square" rtlCol="0">
+            <a:spAutoFit/>
+          </a:bodyPr>
+          <a:p>
+            <a:r>
+              <a:rPr lang="zh-CN" altLang="en-US"/>
+              <a:t>书圈名</a:t>
+            </a:r>
+            <a:endParaRPr lang="zh-CN" altLang="en-US"/>
+          </a:p>
+        </p:txBody>
+      </p:sp>
+      <p:sp>
+        <p:nvSpPr>
+          <p:cNvPr id="64" name="文本框 63"/>
+          <p:cNvSpPr txBox="1"/>
+          <p:nvPr/>
+        </p:nvSpPr>
+        <p:spPr>
+          <a:xfrm>
+            <a:off x="9150350" y="1521460"/>
+            <a:ext cx="1188085" cy="306705"/>
+          </a:xfrm>
+          <a:prstGeom prst="rect">
+            <a:avLst/>
+          </a:prstGeom>
+          <a:noFill/>
+        </p:spPr>
+        <p:txBody>
+          <a:bodyPr wrap="square" rtlCol="0">
+            <a:spAutoFit/>
+          </a:bodyPr>
+          <a:p>
+            <a:r>
+              <a:rPr lang="zh-CN" altLang="en-US" sz="1400"/>
+              <a:t>书圈简介</a:t>
+            </a:r>
+            <a:endParaRPr lang="zh-CN" altLang="en-US" sz="1400"/>
+          </a:p>
+        </p:txBody>
+      </p:sp>
+      <p:sp>
+        <p:nvSpPr>
+          <p:cNvPr id="224" name=" 224"/>
+          <p:cNvSpPr/>
+          <p:nvPr/>
+        </p:nvSpPr>
+        <p:spPr>
+          <a:xfrm rot="5400000">
+            <a:off x="10934700" y="1273175"/>
+            <a:ext cx="382270" cy="410845"/>
+          </a:xfrm>
+          <a:custGeom>
+            <a:avLst/>
+            <a:gdLst/>
+            <a:ahLst/>
+            <a:cxnLst/>
+            <a:rect l="l" t="t" r="r" b="b"/>
+            <a:pathLst>
+              <a:path w="1056529" h="1289138">
+                <a:moveTo>
+                  <a:pt x="532049" y="0"/>
+                </a:moveTo>
+                <a:cubicBezTo>
+                  <a:pt x="556036" y="0"/>
+                  <a:pt x="580024" y="21509"/>
+                  <a:pt x="598326" y="64527"/>
+                </a:cubicBezTo>
+                <a:lnTo>
+                  <a:pt x="637123" y="155716"/>
+                </a:lnTo>
+                <a:lnTo>
+                  <a:pt x="900272" y="815646"/>
+                </a:lnTo>
+                <a:lnTo>
+                  <a:pt x="898583" y="814429"/>
+                </a:lnTo>
+                <a:lnTo>
+                  <a:pt x="1044424" y="1179716"/>
+                </a:lnTo>
+                <a:cubicBezTo>
+                  <a:pt x="1062241" y="1224336"/>
+                  <a:pt x="1059762" y="1257212"/>
+                  <a:pt x="1041112" y="1273690"/>
+                </a:cubicBezTo>
+                <a:cubicBezTo>
+                  <a:pt x="1040954" y="1274425"/>
+                  <a:pt x="1040516" y="1274887"/>
+                  <a:pt x="1040066" y="1275336"/>
+                </a:cubicBezTo>
+                <a:cubicBezTo>
+                  <a:pt x="1022948" y="1292456"/>
+                  <a:pt x="990619" y="1294370"/>
+                  <a:pt x="947138" y="1277017"/>
+                </a:cubicBezTo>
+                <a:lnTo>
+                  <a:pt x="528130" y="1109797"/>
+                </a:lnTo>
+                <a:lnTo>
+                  <a:pt x="109124" y="1277016"/>
+                </a:lnTo>
+                <a:cubicBezTo>
+                  <a:pt x="65643" y="1294369"/>
+                  <a:pt x="33314" y="1292455"/>
+                  <a:pt x="16196" y="1275335"/>
+                </a:cubicBezTo>
+                <a:cubicBezTo>
+                  <a:pt x="15746" y="1274886"/>
+                  <a:pt x="15308" y="1274424"/>
+                  <a:pt x="15150" y="1273689"/>
+                </a:cubicBezTo>
+                <a:cubicBezTo>
+                  <a:pt x="2252" y="1262294"/>
+                  <a:pt x="-2911" y="1243056"/>
+                  <a:pt x="1607" y="1217605"/>
+                </a:cubicBezTo>
+                <a:lnTo>
+                  <a:pt x="452425" y="87037"/>
+                </a:lnTo>
+                <a:lnTo>
+                  <a:pt x="462002" y="64527"/>
+                </a:lnTo>
+                <a:cubicBezTo>
+                  <a:pt x="480783" y="20379"/>
+                  <a:pt x="505554" y="-1114"/>
+                  <a:pt x="530163" y="424"/>
+                </a:cubicBezTo>
+                <a:cubicBezTo>
+                  <a:pt x="530789" y="17"/>
+                  <a:pt x="531420" y="0"/>
+                  <a:pt x="532049" y="0"/>
+                </a:cubicBezTo>
+                <a:close/>
+              </a:path>
+            </a:pathLst>
+          </a:custGeom>
+          <a:solidFill>
+            <a:schemeClr val="accent4">
+              <a:lumMod val="20000"/>
+              <a:lumOff val="80000"/>
+            </a:schemeClr>
+          </a:solidFill>
+          <a:ln>
+            <a:noFill/>
+          </a:ln>
+        </p:spPr>
+        <p:style>
+          <a:lnRef idx="2">
+            <a:schemeClr val="accent1">
+              <a:shade val="50000"/>
+            </a:schemeClr>
+          </a:lnRef>
+          <a:fillRef idx="1">
+            <a:schemeClr val="accent1"/>
+          </a:fillRef>
+          <a:effectRef idx="0">
+            <a:schemeClr val="accent1"/>
+          </a:effectRef>
+          <a:fontRef idx="minor">
+            <a:schemeClr val="lt1"/>
+          </a:fontRef>
+        </p:style>
+        <p:txBody>
+          <a:bodyPr anchor="ctr"/>
+          <a:lstStyle>
+            <a:defPPr>
+              <a:defRPr lang="zh-CN"/>
+            </a:defPPr>
+            <a:lvl1pPr algn="l" rtl="0" eaLnBrk="0" fontAlgn="base" hangingPunct="0">
+              <a:spcBef>
+                <a:spcPct val="0"/>
+              </a:spcBef>
+              <a:spcAft>
+                <a:spcPct val="0"/>
+              </a:spcAft>
+              <a:defRPr kern="1200">
+                <a:solidFill>
+                  <a:schemeClr val="lt1"/>
+                </a:solidFill>
+                <a:latin typeface="+mn-lt"/>
+                <a:ea typeface="+mn-ea"/>
+                <a:cs typeface="+mn-cs"/>
+              </a:defRPr>
+            </a:lvl1pPr>
+            <a:lvl2pPr marL="457200" algn="l" rtl="0" eaLnBrk="0" fontAlgn="base" hangingPunct="0">
+              <a:spcBef>
+                <a:spcPct val="0"/>
+              </a:spcBef>
+              <a:spcAft>
+                <a:spcPct val="0"/>
+              </a:spcAft>
+              <a:defRPr kern="1200">
+                <a:solidFill>
+                  <a:schemeClr val="lt1"/>
+                </a:solidFill>
+                <a:latin typeface="+mn-lt"/>
+                <a:ea typeface="+mn-ea"/>
+                <a:cs typeface="+mn-cs"/>
+              </a:defRPr>
+            </a:lvl2pPr>
+            <a:lvl3pPr marL="914400" algn="l" rtl="0" eaLnBrk="0" fontAlgn="base" hangingPunct="0">
+              <a:spcBef>
+                <a:spcPct val="0"/>
+              </a:spcBef>
+              <a:spcAft>
+                <a:spcPct val="0"/>
+              </a:spcAft>
+              <a:defRPr kern="1200">
+                <a:solidFill>
+                  <a:schemeClr val="lt1"/>
+                </a:solidFill>
+                <a:latin typeface="+mn-lt"/>
+                <a:ea typeface="+mn-ea"/>
+                <a:cs typeface="+mn-cs"/>
+              </a:defRPr>
+            </a:lvl3pPr>
+            <a:lvl4pPr marL="1371600" algn="l" rtl="0" eaLnBrk="0" fontAlgn="base" hangingPunct="0">
+              <a:spcBef>
+                <a:spcPct val="0"/>
+              </a:spcBef>
+              <a:spcAft>
+                <a:spcPct val="0"/>
+              </a:spcAft>
+              <a:defRPr kern="1200">
+                <a:solidFill>
+                  <a:schemeClr val="lt1"/>
+                </a:solidFill>
+                <a:latin typeface="+mn-lt"/>
+                <a:ea typeface="+mn-ea"/>
+                <a:cs typeface="+mn-cs"/>
+              </a:defRPr>
+            </a:lvl4pPr>
+            <a:lvl5pPr marL="1828800" algn="l" rtl="0" eaLnBrk="0" fontAlgn="base" hangingPunct="0">
+              <a:spcBef>
+                <a:spcPct val="0"/>
+              </a:spcBef>
+              <a:spcAft>
+                <a:spcPct val="0"/>
+              </a:spcAft>
+              <a:defRPr kern="1200">
+                <a:solidFill>
+                  <a:schemeClr val="lt1"/>
+                </a:solidFill>
+                <a:latin typeface="+mn-lt"/>
+                <a:ea typeface="+mn-ea"/>
+                <a:cs typeface="+mn-cs"/>
+              </a:defRPr>
+            </a:lvl5pPr>
+            <a:lvl6pPr marL="2286000" algn="l" defTabSz="914400" rtl="0" eaLnBrk="1" latinLnBrk="0" hangingPunct="1">
+              <a:defRPr kern="1200">
+                <a:solidFill>
+                  <a:schemeClr val="lt1"/>
+                </a:solidFill>
+                <a:latin typeface="+mn-lt"/>
+                <a:ea typeface="+mn-ea"/>
+                <a:cs typeface="+mn-cs"/>
+              </a:defRPr>
+            </a:lvl6pPr>
+            <a:lvl7pPr marL="2743200" algn="l" defTabSz="914400" rtl="0" eaLnBrk="1" latinLnBrk="0" hangingPunct="1">
+              <a:defRPr kern="1200">
+                <a:solidFill>
+                  <a:schemeClr val="lt1"/>
+                </a:solidFill>
+                <a:latin typeface="+mn-lt"/>
+                <a:ea typeface="+mn-ea"/>
+                <a:cs typeface="+mn-cs"/>
+              </a:defRPr>
+            </a:lvl7pPr>
+            <a:lvl8pPr marL="3200400" algn="l" defTabSz="914400" rtl="0" eaLnBrk="1" latinLnBrk="0" hangingPunct="1">
+              <a:defRPr kern="1200">
+                <a:solidFill>
+                  <a:schemeClr val="lt1"/>
+                </a:solidFill>
+                <a:latin typeface="+mn-lt"/>
+                <a:ea typeface="+mn-ea"/>
+                <a:cs typeface="+mn-cs"/>
+              </a:defRPr>
+            </a:lvl8pPr>
+            <a:lvl9pPr marL="3657600" algn="l" defTabSz="914400" rtl="0" eaLnBrk="1" latinLnBrk="0" hangingPunct="1">
+              <a:defRPr kern="1200">
+                <a:solidFill>
+                  <a:schemeClr val="lt1"/>
+                </a:solidFill>
+                <a:latin typeface="+mn-lt"/>
+                <a:ea typeface="+mn-ea"/>
+                <a:cs typeface="+mn-cs"/>
+              </a:defRPr>
+            </a:lvl9pPr>
+          </a:lstStyle>
+          <a:p>
+            <a:pPr algn="ctr" eaLnBrk="1" fontAlgn="auto" hangingPunct="1">
+              <a:spcBef>
+                <a:spcPts val="0"/>
+              </a:spcBef>
+              <a:spcAft>
+                <a:spcPts val="0"/>
+              </a:spcAft>
+              <a:defRPr/>
+            </a:pPr>
+            <a:endParaRPr lang="zh-CN" altLang="en-US">
+              <a:solidFill>
+                <a:srgbClr val="FFFFFF"/>
+              </a:solidFill>
+            </a:endParaRPr>
+          </a:p>
+        </p:txBody>
+      </p:sp>
+      <p:sp>
+        <p:nvSpPr>
+          <p:cNvPr id="65" name="椭圆 64"/>
+          <p:cNvSpPr/>
+          <p:nvPr/>
+        </p:nvSpPr>
+        <p:spPr>
+          <a:xfrm>
+            <a:off x="8582025" y="1394460"/>
+            <a:ext cx="412750" cy="296545"/>
+          </a:xfrm>
+          <a:prstGeom prst="ellipse">
+            <a:avLst/>
+          </a:prstGeom>
+          <a:ln>
+            <a:solidFill>
+              <a:schemeClr val="accent4">
+                <a:lumMod val="60000"/>
+                <a:lumOff val="40000"/>
+              </a:schemeClr>
+            </a:solidFill>
+          </a:ln>
+        </p:spPr>
+        <p:style>
+          <a:lnRef idx="2">
+            <a:schemeClr val="accent1">
+              <a:shade val="50000"/>
+            </a:schemeClr>
+          </a:lnRef>
+          <a:fillRef idx="1">
+            <a:schemeClr val="accent1"/>
+          </a:fillRef>
+          <a:effectRef idx="0">
+            <a:schemeClr val="accent1"/>
+          </a:effectRef>
+          <a:fontRef idx="minor">
+            <a:schemeClr val="lt1"/>
+          </a:fontRef>
+        </p:style>
+        <p:txBody>
+          <a:bodyPr rtlCol="0" anchor="ctr"/>
+          <a:p>
+            <a:pPr algn="ctr"/>
+            <a:endParaRPr lang="zh-CN" altLang="en-US"/>
+          </a:p>
+        </p:txBody>
+      </p:sp>
+      <p:sp>
+        <p:nvSpPr>
+          <p:cNvPr id="66" name="竖卷形 65"/>
+          <p:cNvSpPr/>
+          <p:nvPr/>
+        </p:nvSpPr>
+        <p:spPr>
+          <a:xfrm>
+            <a:off x="801370" y="2366010"/>
+            <a:ext cx="607060" cy="684530"/>
+          </a:xfrm>
+          <a:prstGeom prst="verticalScroll">
+            <a:avLst/>
+          </a:prstGeom>
+          <a:solidFill>
+            <a:srgbClr val="FFFF00"/>
+          </a:solidFill>
+        </p:spPr>
+        <p:style>
+          <a:lnRef idx="2">
+            <a:schemeClr val="accent1">
+              <a:shade val="50000"/>
+            </a:schemeClr>
+          </a:lnRef>
+          <a:fillRef idx="1">
+            <a:schemeClr val="accent1"/>
+          </a:fillRef>
+          <a:effectRef idx="0">
+            <a:schemeClr val="accent1"/>
+          </a:effectRef>
+          <a:fontRef idx="minor">
+            <a:schemeClr val="lt1"/>
+          </a:fontRef>
+        </p:style>
+        <p:txBody>
+          <a:bodyPr rtlCol="0" anchor="ctr"/>
+          <a:p>
+            <a:pPr algn="ctr"/>
+            <a:endParaRPr lang="zh-CN" altLang="en-US"/>
+          </a:p>
+        </p:txBody>
+      </p:sp>
+      <p:sp>
+        <p:nvSpPr>
+          <p:cNvPr id="67" name="文本框 66"/>
+          <p:cNvSpPr txBox="1"/>
+          <p:nvPr/>
+        </p:nvSpPr>
+        <p:spPr>
+          <a:xfrm>
+            <a:off x="1652905" y="2366010"/>
+            <a:ext cx="995680" cy="337185"/>
+          </a:xfrm>
+          <a:prstGeom prst="rect">
+            <a:avLst/>
+          </a:prstGeom>
+          <a:noFill/>
+        </p:spPr>
+        <p:txBody>
+          <a:bodyPr wrap="none" rtlCol="0">
+            <a:spAutoFit/>
+          </a:bodyPr>
+          <a:p>
+            <a:r>
+              <a:rPr lang="zh-CN" altLang="en-US" sz="1600"/>
+              <a:t>图书名称</a:t>
+            </a:r>
+            <a:endParaRPr lang="zh-CN" altLang="en-US" sz="1600"/>
+          </a:p>
+        </p:txBody>
+      </p:sp>
+      <p:sp>
+        <p:nvSpPr>
+          <p:cNvPr id="68" name="文本框 67"/>
+          <p:cNvSpPr txBox="1"/>
+          <p:nvPr/>
+        </p:nvSpPr>
+        <p:spPr>
+          <a:xfrm>
+            <a:off x="1652905" y="2769235"/>
+            <a:ext cx="875030" cy="398780"/>
+          </a:xfrm>
+          <a:prstGeom prst="rect">
+            <a:avLst/>
+          </a:prstGeom>
+          <a:noFill/>
+        </p:spPr>
+        <p:txBody>
+          <a:bodyPr wrap="none" rtlCol="0">
+            <a:spAutoFit/>
+          </a:bodyPr>
+          <a:p>
+            <a:r>
+              <a:rPr lang="zh-CN" altLang="en-US" sz="1000"/>
+              <a:t>作者</a:t>
+            </a:r>
+            <a:endParaRPr lang="zh-CN" altLang="en-US" sz="1000"/>
+          </a:p>
+          <a:p>
+            <a:r>
+              <a:rPr lang="zh-CN" altLang="en-US" sz="1000"/>
+              <a:t>出版社  时间</a:t>
+            </a:r>
+            <a:endParaRPr lang="zh-CN" altLang="en-US" sz="1000"/>
+          </a:p>
+        </p:txBody>
+      </p:sp>
+      <p:sp>
+        <p:nvSpPr>
+          <p:cNvPr id="69" name="文本框 68"/>
+          <p:cNvSpPr txBox="1"/>
+          <p:nvPr/>
+        </p:nvSpPr>
+        <p:spPr>
+          <a:xfrm>
+            <a:off x="815975" y="2447290"/>
+            <a:ext cx="592455" cy="521970"/>
+          </a:xfrm>
+          <a:prstGeom prst="rect">
+            <a:avLst/>
+          </a:prstGeom>
+          <a:noFill/>
+        </p:spPr>
+        <p:txBody>
+          <a:bodyPr wrap="square" rtlCol="0">
+            <a:spAutoFit/>
+          </a:bodyPr>
+          <a:p>
+            <a:r>
+              <a:rPr lang="zh-CN" altLang="en-US" sz="1400" b="1"/>
+              <a:t>图书图片</a:t>
+            </a:r>
+            <a:endParaRPr lang="zh-CN" altLang="en-US" sz="1400" b="1"/>
+          </a:p>
+        </p:txBody>
+      </p:sp>
+      <p:sp>
+        <p:nvSpPr>
+          <p:cNvPr id="70" name="圆角矩形 69"/>
+          <p:cNvSpPr/>
+          <p:nvPr/>
+        </p:nvSpPr>
+        <p:spPr>
+          <a:xfrm>
+            <a:off x="668655" y="2209165"/>
+            <a:ext cx="3086735" cy="1033145"/>
+          </a:xfrm>
+          <a:prstGeom prst="roundRect">
+            <a:avLst/>
+          </a:prstGeom>
+          <a:noFill/>
+          <a:extLst>
+            <a:ext uri="{909E8E84-426E-40DD-AFC4-6F175D3DCCD1}">
+              <a14:hiddenFill xmlns:a14="http://schemas.microsoft.com/office/drawing/2010/main">
+                <a:solidFill>
+                  <a:schemeClr val="bg1"/>
+                </a:solidFill>
+              </a14:hiddenFill>
+            </a:ext>
+          </a:extLst>
+        </p:spPr>
+        <p:style>
+          <a:lnRef idx="2">
+            <a:schemeClr val="accent1">
+              <a:shade val="50000"/>
+            </a:schemeClr>
+          </a:lnRef>
+          <a:fillRef idx="1">
+            <a:schemeClr val="accent1"/>
+          </a:fillRef>
+          <a:effectRef idx="0">
+            <a:schemeClr val="accent1"/>
+          </a:effectRef>
+          <a:fontRef idx="minor">
+            <a:schemeClr val="lt1"/>
+          </a:fontRef>
+        </p:style>
+        <p:txBody>
+          <a:bodyPr rtlCol="0" anchor="ctr"/>
+          <a:p>
+            <a:pPr algn="ctr"/>
+            <a:endParaRPr lang="zh-CN" altLang="en-US"/>
+          </a:p>
+        </p:txBody>
+      </p:sp>
+      <p:sp>
+        <p:nvSpPr>
+          <p:cNvPr id="71" name="圆角矩形 70"/>
+          <p:cNvSpPr/>
+          <p:nvPr/>
+        </p:nvSpPr>
+        <p:spPr>
+          <a:xfrm>
+            <a:off x="2769870" y="2569210"/>
+            <a:ext cx="852170" cy="361950"/>
+          </a:xfrm>
+          <a:prstGeom prst="roundRect">
+            <a:avLst/>
+          </a:prstGeom>
+          <a:noFill/>
+          <a:extLst>
+            <a:ext uri="{909E8E84-426E-40DD-AFC4-6F175D3DCCD1}">
+              <a14:hiddenFill xmlns:a14="http://schemas.microsoft.com/office/drawing/2010/main">
+                <a:solidFill>
+                  <a:schemeClr val="accent1"/>
+                </a:solidFill>
+              </a14:hiddenFill>
+            </a:ext>
+          </a:extLst>
+        </p:spPr>
+        <p:style>
+          <a:lnRef idx="2">
+            <a:schemeClr val="accent1">
+              <a:shade val="50000"/>
+            </a:schemeClr>
+          </a:lnRef>
+          <a:fillRef idx="1">
+            <a:schemeClr val="accent1"/>
+          </a:fillRef>
+          <a:effectRef idx="0">
+            <a:schemeClr val="accent1"/>
+          </a:effectRef>
+          <a:fontRef idx="minor">
+            <a:schemeClr val="lt1"/>
+          </a:fontRef>
+        </p:style>
+        <p:txBody>
+          <a:bodyPr rtlCol="0" anchor="ctr"/>
+          <a:p>
+            <a:pPr algn="ctr"/>
+            <a:endParaRPr lang="zh-CN" altLang="en-US"/>
+          </a:p>
+        </p:txBody>
+      </p:sp>
+      <p:sp>
+        <p:nvSpPr>
+          <p:cNvPr id="72" name="文本框 71"/>
+          <p:cNvSpPr txBox="1"/>
+          <p:nvPr/>
+        </p:nvSpPr>
+        <p:spPr>
+          <a:xfrm>
+            <a:off x="2769870" y="2597150"/>
+            <a:ext cx="894080" cy="306705"/>
+          </a:xfrm>
+          <a:prstGeom prst="rect">
+            <a:avLst/>
+          </a:prstGeom>
+          <a:noFill/>
+        </p:spPr>
+        <p:txBody>
+          <a:bodyPr wrap="none" rtlCol="0">
+            <a:spAutoFit/>
+          </a:bodyPr>
+          <a:p>
+            <a:r>
+              <a:rPr lang="zh-CN" altLang="en-US" sz="1400"/>
+              <a:t>我要归还</a:t>
+            </a:r>
+            <a:endParaRPr lang="zh-CN" altLang="en-US" sz="1400"/>
+          </a:p>
+        </p:txBody>
+      </p:sp>
+      <p:sp>
+        <p:nvSpPr>
+          <p:cNvPr id="73" name="竖卷形 72"/>
+          <p:cNvSpPr/>
+          <p:nvPr/>
+        </p:nvSpPr>
+        <p:spPr>
+          <a:xfrm>
+            <a:off x="801370" y="3444875"/>
+            <a:ext cx="607060" cy="684530"/>
+          </a:xfrm>
+          <a:prstGeom prst="verticalScroll">
+            <a:avLst/>
+          </a:prstGeom>
+          <a:solidFill>
+            <a:srgbClr val="FFFF00"/>
+          </a:solidFill>
+        </p:spPr>
+        <p:style>
+          <a:lnRef idx="2">
+            <a:schemeClr val="accent1">
+              <a:shade val="50000"/>
+            </a:schemeClr>
+          </a:lnRef>
+          <a:fillRef idx="1">
+            <a:schemeClr val="accent1"/>
+          </a:fillRef>
+          <a:effectRef idx="0">
+            <a:schemeClr val="accent1"/>
+          </a:effectRef>
+          <a:fontRef idx="minor">
+            <a:schemeClr val="lt1"/>
+          </a:fontRef>
+        </p:style>
+        <p:txBody>
+          <a:bodyPr rtlCol="0" anchor="ctr"/>
+          <a:p>
+            <a:pPr algn="ctr"/>
+            <a:endParaRPr lang="zh-CN" altLang="en-US"/>
+          </a:p>
+        </p:txBody>
+      </p:sp>
+      <p:sp>
+        <p:nvSpPr>
+          <p:cNvPr id="74" name="文本框 73"/>
+          <p:cNvSpPr txBox="1"/>
+          <p:nvPr/>
+        </p:nvSpPr>
+        <p:spPr>
+          <a:xfrm>
+            <a:off x="1652905" y="3444875"/>
+            <a:ext cx="995680" cy="337185"/>
+          </a:xfrm>
+          <a:prstGeom prst="rect">
+            <a:avLst/>
+          </a:prstGeom>
+          <a:noFill/>
+        </p:spPr>
+        <p:txBody>
+          <a:bodyPr wrap="none" rtlCol="0">
+            <a:spAutoFit/>
+          </a:bodyPr>
+          <a:p>
+            <a:r>
+              <a:rPr lang="zh-CN" altLang="en-US" sz="1600"/>
+              <a:t>图书名称</a:t>
+            </a:r>
+            <a:endParaRPr lang="zh-CN" altLang="en-US" sz="1600"/>
+          </a:p>
+        </p:txBody>
+      </p:sp>
+      <p:sp>
+        <p:nvSpPr>
+          <p:cNvPr id="75" name="文本框 74"/>
+          <p:cNvSpPr txBox="1"/>
+          <p:nvPr/>
+        </p:nvSpPr>
+        <p:spPr>
+          <a:xfrm>
+            <a:off x="1652905" y="3848100"/>
+            <a:ext cx="875030" cy="398780"/>
+          </a:xfrm>
+          <a:prstGeom prst="rect">
+            <a:avLst/>
+          </a:prstGeom>
+          <a:noFill/>
+        </p:spPr>
+        <p:txBody>
+          <a:bodyPr wrap="none" rtlCol="0">
+            <a:spAutoFit/>
+          </a:bodyPr>
+          <a:p>
+            <a:r>
+              <a:rPr lang="zh-CN" altLang="en-US" sz="1000"/>
+              <a:t>作者</a:t>
+            </a:r>
+            <a:endParaRPr lang="zh-CN" altLang="en-US" sz="1000"/>
+          </a:p>
+          <a:p>
+            <a:r>
+              <a:rPr lang="zh-CN" altLang="en-US" sz="1000"/>
+              <a:t>出版社  时间</a:t>
+            </a:r>
+            <a:endParaRPr lang="zh-CN" altLang="en-US" sz="1000"/>
+          </a:p>
+        </p:txBody>
+      </p:sp>
+      <p:sp>
+        <p:nvSpPr>
+          <p:cNvPr id="76" name="文本框 75"/>
+          <p:cNvSpPr txBox="1"/>
+          <p:nvPr/>
+        </p:nvSpPr>
+        <p:spPr>
+          <a:xfrm>
+            <a:off x="815975" y="3526155"/>
+            <a:ext cx="592455" cy="521970"/>
+          </a:xfrm>
+          <a:prstGeom prst="rect">
+            <a:avLst/>
+          </a:prstGeom>
+          <a:noFill/>
+        </p:spPr>
+        <p:txBody>
+          <a:bodyPr wrap="square" rtlCol="0">
+            <a:spAutoFit/>
+          </a:bodyPr>
+          <a:p>
+            <a:r>
+              <a:rPr lang="zh-CN" altLang="en-US" sz="1400" b="1"/>
+              <a:t>图书图片</a:t>
+            </a:r>
+            <a:endParaRPr lang="zh-CN" altLang="en-US" sz="1400" b="1"/>
+          </a:p>
+        </p:txBody>
+      </p:sp>
+      <p:sp>
+        <p:nvSpPr>
+          <p:cNvPr id="77" name="圆角矩形 76"/>
+          <p:cNvSpPr/>
+          <p:nvPr/>
+        </p:nvSpPr>
+        <p:spPr>
+          <a:xfrm>
+            <a:off x="668655" y="3288030"/>
+            <a:ext cx="3086735" cy="1033145"/>
+          </a:xfrm>
+          <a:prstGeom prst="roundRect">
+            <a:avLst/>
+          </a:prstGeom>
+          <a:noFill/>
+          <a:extLst>
+            <a:ext uri="{909E8E84-426E-40DD-AFC4-6F175D3DCCD1}">
+              <a14:hiddenFill xmlns:a14="http://schemas.microsoft.com/office/drawing/2010/main">
+                <a:solidFill>
+                  <a:schemeClr val="bg1"/>
+                </a:solidFill>
+              </a14:hiddenFill>
+            </a:ext>
+          </a:extLst>
+        </p:spPr>
+        <p:style>
+          <a:lnRef idx="2">
+            <a:schemeClr val="accent1">
+              <a:shade val="50000"/>
+            </a:schemeClr>
+          </a:lnRef>
+          <a:fillRef idx="1">
+            <a:schemeClr val="accent1"/>
+          </a:fillRef>
+          <a:effectRef idx="0">
+            <a:schemeClr val="accent1"/>
+          </a:effectRef>
+          <a:fontRef idx="minor">
+            <a:schemeClr val="lt1"/>
+          </a:fontRef>
+        </p:style>
+        <p:txBody>
+          <a:bodyPr rtlCol="0" anchor="ctr"/>
+          <a:p>
+            <a:pPr algn="ctr"/>
+            <a:endParaRPr lang="zh-CN" altLang="en-US"/>
+          </a:p>
+        </p:txBody>
+      </p:sp>
+      <p:sp>
+        <p:nvSpPr>
+          <p:cNvPr id="78" name="圆角矩形 77"/>
+          <p:cNvSpPr/>
+          <p:nvPr/>
+        </p:nvSpPr>
+        <p:spPr>
+          <a:xfrm>
+            <a:off x="2769870" y="3648075"/>
+            <a:ext cx="852170" cy="361950"/>
+          </a:xfrm>
+          <a:prstGeom prst="roundRect">
+            <a:avLst/>
+          </a:prstGeom>
+          <a:noFill/>
+          <a:extLst>
+            <a:ext uri="{909E8E84-426E-40DD-AFC4-6F175D3DCCD1}">
+              <a14:hiddenFill xmlns:a14="http://schemas.microsoft.com/office/drawing/2010/main">
+                <a:solidFill>
+                  <a:schemeClr val="accent1"/>
+                </a:solidFill>
+              </a14:hiddenFill>
+            </a:ext>
+          </a:extLst>
+        </p:spPr>
+        <p:style>
+          <a:lnRef idx="2">
+            <a:schemeClr val="accent1">
+              <a:shade val="50000"/>
+            </a:schemeClr>
+          </a:lnRef>
+          <a:fillRef idx="1">
+            <a:schemeClr val="accent1"/>
+          </a:fillRef>
+          <a:effectRef idx="0">
+            <a:schemeClr val="accent1"/>
+          </a:effectRef>
+          <a:fontRef idx="minor">
+            <a:schemeClr val="lt1"/>
+          </a:fontRef>
+        </p:style>
+        <p:txBody>
+          <a:bodyPr rtlCol="0" anchor="ctr"/>
+          <a:p>
+            <a:pPr algn="ctr"/>
+            <a:endParaRPr lang="zh-CN" altLang="en-US"/>
+          </a:p>
+        </p:txBody>
+      </p:sp>
+      <p:sp>
+        <p:nvSpPr>
+          <p:cNvPr id="79" name="文本框 78"/>
+          <p:cNvSpPr txBox="1"/>
+          <p:nvPr/>
+        </p:nvSpPr>
+        <p:spPr>
+          <a:xfrm>
+            <a:off x="2769870" y="3676015"/>
+            <a:ext cx="894080" cy="306705"/>
+          </a:xfrm>
+          <a:prstGeom prst="rect">
+            <a:avLst/>
+          </a:prstGeom>
+          <a:noFill/>
+        </p:spPr>
+        <p:txBody>
+          <a:bodyPr wrap="none" rtlCol="0">
+            <a:spAutoFit/>
+          </a:bodyPr>
+          <a:p>
+            <a:r>
+              <a:rPr lang="zh-CN" altLang="en-US" sz="1400"/>
+              <a:t>我要归还</a:t>
+            </a:r>
+            <a:endParaRPr lang="zh-CN" altLang="en-US" sz="1400"/>
           </a:p>
         </p:txBody>
       </p:sp>
